--- a/auca/Sem-3/softwareEngineering/Lecture/Lecture 4 Requirements.pptx
+++ b/auca/Sem-3/softwareEngineering/Lecture/Lecture 4 Requirements.pptx
@@ -269,7 +269,7 @@
           <a:p>
             <a:fld id="{11488FAC-E6F9-4ECA-BA0C-453AB76672E0}" type="datetimeFigureOut">
               <a:rPr lang="en-US" smtClean="0"/>
-              <a:t>12-Oct-25</a:t>
+              <a:t>10/18/2025</a:t>
             </a:fld>
             <a:endParaRPr lang="en-US"/>
           </a:p>
@@ -683,7 +683,7 @@
           <a:p>
             <a:fld id="{AE79FCD2-A334-456B-8AD5-E7CE62EE5A38}" type="datetime1">
               <a:rPr lang="en-US" smtClean="0"/>
-              <a:t>12-Oct-25</a:t>
+              <a:t>10/18/2025</a:t>
             </a:fld>
             <a:endParaRPr lang="en-US"/>
           </a:p>
@@ -898,7 +898,7 @@
           <a:p>
             <a:fld id="{AE79FCD2-A334-456B-8AD5-E7CE62EE5A38}" type="datetime1">
               <a:rPr lang="en-US" smtClean="0"/>
-              <a:t>12-Oct-25</a:t>
+              <a:t>10/18/2025</a:t>
             </a:fld>
             <a:endParaRPr lang="en-US"/>
           </a:p>
@@ -1123,7 +1123,7 @@
           <a:p>
             <a:fld id="{AE79FCD2-A334-456B-8AD5-E7CE62EE5A38}" type="datetime1">
               <a:rPr lang="en-US" smtClean="0"/>
-              <a:t>12-Oct-25</a:t>
+              <a:t>10/18/2025</a:t>
             </a:fld>
             <a:endParaRPr lang="en-US"/>
           </a:p>
@@ -1338,7 +1338,7 @@
           <a:p>
             <a:fld id="{BE0B070C-16C2-4FE9-A5F4-B436D4461F88}" type="datetime1">
               <a:rPr lang="en-US" smtClean="0"/>
-              <a:t>12-Oct-25</a:t>
+              <a:t>10/18/2025</a:t>
             </a:fld>
             <a:endParaRPr lang="en-US"/>
           </a:p>
@@ -1629,7 +1629,7 @@
           <a:p>
             <a:fld id="{AE79FCD2-A334-456B-8AD5-E7CE62EE5A38}" type="datetime1">
               <a:rPr lang="en-US" smtClean="0"/>
-              <a:t>12-Oct-25</a:t>
+              <a:t>10/18/2025</a:t>
             </a:fld>
             <a:endParaRPr lang="en-US"/>
           </a:p>
@@ -1911,7 +1911,7 @@
           <a:p>
             <a:fld id="{AE79FCD2-A334-456B-8AD5-E7CE62EE5A38}" type="datetime1">
               <a:rPr lang="en-US" smtClean="0"/>
-              <a:t>12-Oct-25</a:t>
+              <a:t>10/18/2025</a:t>
             </a:fld>
             <a:endParaRPr lang="en-US"/>
           </a:p>
@@ -2340,7 +2340,7 @@
           <a:p>
             <a:fld id="{AE79FCD2-A334-456B-8AD5-E7CE62EE5A38}" type="datetime1">
               <a:rPr lang="en-US" smtClean="0"/>
-              <a:t>12-Oct-25</a:t>
+              <a:t>10/18/2025</a:t>
             </a:fld>
             <a:endParaRPr lang="en-US"/>
           </a:p>
@@ -2498,7 +2498,7 @@
           <a:p>
             <a:fld id="{FA29CFAB-5D8A-4C9D-A12D-4AD7EBB33349}" type="datetime1">
               <a:rPr lang="en-US" smtClean="0"/>
-              <a:t>12-Oct-25</a:t>
+              <a:t>10/18/2025</a:t>
             </a:fld>
             <a:endParaRPr lang="en-US"/>
           </a:p>
@@ -2627,7 +2627,7 @@
           <a:p>
             <a:fld id="{4223AD78-E4C4-4B71-9F96-2EF3979A789D}" type="datetime1">
               <a:rPr lang="en-US" smtClean="0"/>
-              <a:t>12-Oct-25</a:t>
+              <a:t>10/18/2025</a:t>
             </a:fld>
             <a:endParaRPr lang="en-US"/>
           </a:p>
@@ -2954,7 +2954,7 @@
           <a:p>
             <a:fld id="{AE79FCD2-A334-456B-8AD5-E7CE62EE5A38}" type="datetime1">
               <a:rPr lang="en-US" smtClean="0"/>
-              <a:t>12-Oct-25</a:t>
+              <a:t>10/18/2025</a:t>
             </a:fld>
             <a:endParaRPr lang="en-US"/>
           </a:p>
@@ -3259,7 +3259,7 @@
           <a:p>
             <a:fld id="{AE79FCD2-A334-456B-8AD5-E7CE62EE5A38}" type="datetime1">
               <a:rPr lang="en-US" smtClean="0"/>
-              <a:t>12-Oct-25</a:t>
+              <a:t>10/18/2025</a:t>
             </a:fld>
             <a:endParaRPr lang="en-US"/>
           </a:p>
@@ -3517,7 +3517,7 @@
           <a:p>
             <a:fld id="{AE79FCD2-A334-456B-8AD5-E7CE62EE5A38}" type="datetime1">
               <a:rPr lang="en-US" smtClean="0"/>
-              <a:t>12-Oct-25</a:t>
+              <a:t>10/18/2025</a:t>
             </a:fld>
             <a:endParaRPr lang="en-US"/>
           </a:p>
@@ -4382,6 +4382,13 @@
   <p:clrMapOvr>
     <a:masterClrMapping/>
   </p:clrMapOvr>
+  <p:timing>
+    <p:tnLst>
+      <p:par>
+        <p:cTn id="1" dur="indefinite" restart="never" nodeType="tmRoot"/>
+      </p:par>
+    </p:tnLst>
+  </p:timing>
 </p:sld>
 </file>
 
@@ -6180,6 +6187,13 @@
   <p:clrMapOvr>
     <a:masterClrMapping/>
   </p:clrMapOvr>
+  <p:timing>
+    <p:tnLst>
+      <p:par>
+        <p:cTn id="1" dur="indefinite" restart="never" nodeType="tmRoot"/>
+      </p:par>
+    </p:tnLst>
+  </p:timing>
 </p:sld>
 </file>
 
@@ -6233,6 +6247,13 @@
   <p:clrMapOvr>
     <a:masterClrMapping/>
   </p:clrMapOvr>
+  <p:timing>
+    <p:tnLst>
+      <p:par>
+        <p:cTn id="1" dur="indefinite" restart="never" nodeType="tmRoot"/>
+      </p:par>
+    </p:tnLst>
+  </p:timing>
 </p:sld>
 </file>
 
@@ -7359,6 +7380,13 @@
   <p:clrMapOvr>
     <a:masterClrMapping/>
   </p:clrMapOvr>
+  <p:timing>
+    <p:tnLst>
+      <p:par>
+        <p:cTn id="1" dur="indefinite" restart="never" nodeType="tmRoot"/>
+      </p:par>
+    </p:tnLst>
+  </p:timing>
 </p:sld>
 </file>
 
@@ -8161,6 +8189,13 @@
   <p:clrMapOvr>
     <a:masterClrMapping/>
   </p:clrMapOvr>
+  <p:timing>
+    <p:tnLst>
+      <p:par>
+        <p:cTn id="1" dur="indefinite" restart="never" nodeType="tmRoot"/>
+      </p:par>
+    </p:tnLst>
+  </p:timing>
 </p:sld>
 </file>
 
@@ -8674,6 +8709,13 @@
   <p:clrMapOvr>
     <a:masterClrMapping/>
   </p:clrMapOvr>
+  <p:timing>
+    <p:tnLst>
+      <p:par>
+        <p:cTn id="1" dur="indefinite" restart="never" nodeType="tmRoot"/>
+      </p:par>
+    </p:tnLst>
+  </p:timing>
 </p:sld>
 </file>
 
@@ -9617,6 +9659,13 @@
   <p:clrMapOvr>
     <a:masterClrMapping/>
   </p:clrMapOvr>
+  <p:timing>
+    <p:tnLst>
+      <p:par>
+        <p:cTn id="1" dur="indefinite" restart="never" nodeType="tmRoot"/>
+      </p:par>
+    </p:tnLst>
+  </p:timing>
 </p:sld>
 </file>
 
@@ -10770,6 +10819,13 @@
   <p:clrMapOvr>
     <a:masterClrMapping/>
   </p:clrMapOvr>
+  <p:timing>
+    <p:tnLst>
+      <p:par>
+        <p:cTn id="1" dur="indefinite" restart="never" nodeType="tmRoot"/>
+      </p:par>
+    </p:tnLst>
+  </p:timing>
 </p:sld>
 </file>
 
@@ -11561,6 +11617,13 @@
   <p:clrMapOvr>
     <a:masterClrMapping/>
   </p:clrMapOvr>
+  <p:timing>
+    <p:tnLst>
+      <p:par>
+        <p:cTn id="1" dur="indefinite" restart="never" nodeType="tmRoot"/>
+      </p:par>
+    </p:tnLst>
+  </p:timing>
 </p:sld>
 </file>
 
@@ -12550,6 +12613,13 @@
   <p:clrMapOvr>
     <a:masterClrMapping/>
   </p:clrMapOvr>
+  <p:timing>
+    <p:tnLst>
+      <p:par>
+        <p:cTn id="1" dur="indefinite" restart="never" nodeType="tmRoot"/>
+      </p:par>
+    </p:tnLst>
+  </p:timing>
 </p:sld>
 </file>
 
@@ -13582,6 +13652,13 @@
   <p:clrMapOvr>
     <a:masterClrMapping/>
   </p:clrMapOvr>
+  <p:timing>
+    <p:tnLst>
+      <p:par>
+        <p:cTn id="1" dur="indefinite" restart="never" nodeType="tmRoot"/>
+      </p:par>
+    </p:tnLst>
+  </p:timing>
 </p:sld>
 </file>
 
@@ -13912,6 +13989,13 @@
   <p:clrMapOvr>
     <a:masterClrMapping/>
   </p:clrMapOvr>
+  <p:timing>
+    <p:tnLst>
+      <p:par>
+        <p:cTn id="1" dur="indefinite" restart="never" nodeType="tmRoot"/>
+      </p:par>
+    </p:tnLst>
+  </p:timing>
 </p:sld>
 </file>
 
@@ -14002,7 +14086,7 @@
         </p:blipFill>
         <p:spPr>
           <a:xfrm>
-            <a:off x="96126" y="917638"/>
+            <a:off x="4514" y="1758696"/>
             <a:ext cx="9884879" cy="5797804"/>
           </a:xfrm>
           <a:prstGeom prst="rect">
@@ -14015,6 +14099,13 @@
   <p:clrMapOvr>
     <a:masterClrMapping/>
   </p:clrMapOvr>
+  <p:timing>
+    <p:tnLst>
+      <p:par>
+        <p:cTn id="1" dur="indefinite" restart="never" nodeType="tmRoot"/>
+      </p:par>
+    </p:tnLst>
+  </p:timing>
 </p:sld>
 </file>
 
@@ -15026,6 +15117,13 @@
   <p:clrMapOvr>
     <a:masterClrMapping/>
   </p:clrMapOvr>
+  <p:timing>
+    <p:tnLst>
+      <p:par>
+        <p:cTn id="1" dur="indefinite" restart="never" nodeType="tmRoot"/>
+      </p:par>
+    </p:tnLst>
+  </p:timing>
 </p:sld>
 </file>
 
@@ -16135,6 +16233,13 @@
   <p:clrMapOvr>
     <a:masterClrMapping/>
   </p:clrMapOvr>
+  <p:timing>
+    <p:tnLst>
+      <p:par>
+        <p:cTn id="1" dur="indefinite" restart="never" nodeType="tmRoot"/>
+      </p:par>
+    </p:tnLst>
+  </p:timing>
 </p:sld>
 </file>
 
@@ -17147,6 +17252,13 @@
   <p:clrMapOvr>
     <a:masterClrMapping/>
   </p:clrMapOvr>
+  <p:timing>
+    <p:tnLst>
+      <p:par>
+        <p:cTn id="1" dur="indefinite" restart="never" nodeType="tmRoot"/>
+      </p:par>
+    </p:tnLst>
+  </p:timing>
 </p:sld>
 </file>
 
@@ -17242,6 +17354,13 @@
   <p:clrMapOvr>
     <a:masterClrMapping/>
   </p:clrMapOvr>
+  <p:timing>
+    <p:tnLst>
+      <p:par>
+        <p:cTn id="1" dur="indefinite" restart="never" nodeType="tmRoot"/>
+      </p:par>
+    </p:tnLst>
+  </p:timing>
 </p:sld>
 </file>
 
@@ -18157,6 +18276,13 @@
   <p:clrMapOvr>
     <a:masterClrMapping/>
   </p:clrMapOvr>
+  <p:timing>
+    <p:tnLst>
+      <p:par>
+        <p:cTn id="1" dur="indefinite" restart="never" nodeType="tmRoot"/>
+      </p:par>
+    </p:tnLst>
+  </p:timing>
 </p:sld>
 </file>
 
@@ -18873,6 +18999,13 @@
   <p:clrMapOvr>
     <a:masterClrMapping/>
   </p:clrMapOvr>
+  <p:timing>
+    <p:tnLst>
+      <p:par>
+        <p:cTn id="1" dur="indefinite" restart="never" nodeType="tmRoot"/>
+      </p:par>
+    </p:tnLst>
+  </p:timing>
 </p:sld>
 </file>
 
@@ -19737,6 +19870,13 @@
   <p:clrMapOvr>
     <a:masterClrMapping/>
   </p:clrMapOvr>
+  <p:timing>
+    <p:tnLst>
+      <p:par>
+        <p:cTn id="1" dur="indefinite" restart="never" nodeType="tmRoot"/>
+      </p:par>
+    </p:tnLst>
+  </p:timing>
 </p:sld>
 </file>
 
@@ -20475,6 +20615,13 @@
   <p:clrMapOvr>
     <a:masterClrMapping/>
   </p:clrMapOvr>
+  <p:timing>
+    <p:tnLst>
+      <p:par>
+        <p:cTn id="1" dur="indefinite" restart="never" nodeType="tmRoot"/>
+      </p:par>
+    </p:tnLst>
+  </p:timing>
 </p:sld>
 </file>
 
@@ -21192,6 +21339,13 @@
   <p:clrMapOvr>
     <a:masterClrMapping/>
   </p:clrMapOvr>
+  <p:timing>
+    <p:tnLst>
+      <p:par>
+        <p:cTn id="1" dur="indefinite" restart="never" nodeType="tmRoot"/>
+      </p:par>
+    </p:tnLst>
+  </p:timing>
 </p:sld>
 </file>
 
@@ -21921,7 +22075,7 @@
         </p:nvGraphicFramePr>
         <p:xfrm>
           <a:off x="182995" y="4616450"/>
-          <a:ext cx="9705110" cy="2865120"/>
+          <a:ext cx="9705110" cy="3596640"/>
         </p:xfrm>
         <a:graphic>
           <a:graphicData uri="http://schemas.openxmlformats.org/drawingml/2006/table">
@@ -22253,6 +22407,13 @@
   <p:clrMapOvr>
     <a:masterClrMapping/>
   </p:clrMapOvr>
+  <p:timing>
+    <p:tnLst>
+      <p:par>
+        <p:cTn id="1" dur="indefinite" restart="never" nodeType="tmRoot"/>
+      </p:par>
+    </p:tnLst>
+  </p:timing>
 </p:sld>
 </file>
 
@@ -23017,6 +23178,13 @@
   <p:clrMapOvr>
     <a:masterClrMapping/>
   </p:clrMapOvr>
+  <p:timing>
+    <p:tnLst>
+      <p:par>
+        <p:cTn id="1" dur="indefinite" restart="never" nodeType="tmRoot"/>
+      </p:par>
+    </p:tnLst>
+  </p:timing>
 </p:sld>
 </file>
 
@@ -23640,6 +23808,13 @@
   <p:clrMapOvr>
     <a:masterClrMapping/>
   </p:clrMapOvr>
+  <p:timing>
+    <p:tnLst>
+      <p:par>
+        <p:cTn id="1" dur="indefinite" restart="never" nodeType="tmRoot"/>
+      </p:par>
+    </p:tnLst>
+  </p:timing>
 </p:sld>
 </file>
 
@@ -24193,6 +24368,13 @@
   <p:clrMapOvr>
     <a:masterClrMapping/>
   </p:clrMapOvr>
+  <p:timing>
+    <p:tnLst>
+      <p:par>
+        <p:cTn id="1" dur="indefinite" restart="never" nodeType="tmRoot"/>
+      </p:par>
+    </p:tnLst>
+  </p:timing>
 </p:sld>
 </file>
 
@@ -25217,6 +25399,13 @@
   <p:clrMapOvr>
     <a:masterClrMapping/>
   </p:clrMapOvr>
+  <p:timing>
+    <p:tnLst>
+      <p:par>
+        <p:cTn id="1" dur="indefinite" restart="never" nodeType="tmRoot"/>
+      </p:par>
+    </p:tnLst>
+  </p:timing>
 </p:sld>
 </file>
 
@@ -26363,6 +26552,13 @@
   <p:clrMapOvr>
     <a:masterClrMapping/>
   </p:clrMapOvr>
+  <p:timing>
+    <p:tnLst>
+      <p:par>
+        <p:cTn id="1" dur="indefinite" restart="never" nodeType="tmRoot"/>
+      </p:par>
+    </p:tnLst>
+  </p:timing>
 </p:sld>
 </file>
 
@@ -27802,6 +27998,13 @@
   <p:clrMapOvr>
     <a:masterClrMapping/>
   </p:clrMapOvr>
+  <p:timing>
+    <p:tnLst>
+      <p:par>
+        <p:cTn id="1" dur="indefinite" restart="never" nodeType="tmRoot"/>
+      </p:par>
+    </p:tnLst>
+  </p:timing>
 </p:sld>
 </file>
 
@@ -28582,6 +28785,13 @@
   <p:clrMapOvr>
     <a:masterClrMapping/>
   </p:clrMapOvr>
+  <p:timing>
+    <p:tnLst>
+      <p:par>
+        <p:cTn id="1" dur="indefinite" restart="never" nodeType="tmRoot"/>
+      </p:par>
+    </p:tnLst>
+  </p:timing>
 </p:sld>
 </file>
 
@@ -29432,6 +29642,13 @@
   <p:clrMapOvr>
     <a:masterClrMapping/>
   </p:clrMapOvr>
+  <p:timing>
+    <p:tnLst>
+      <p:par>
+        <p:cTn id="1" dur="indefinite" restart="never" nodeType="tmRoot"/>
+      </p:par>
+    </p:tnLst>
+  </p:timing>
 </p:sld>
 </file>
 
@@ -30441,6 +30658,13 @@
   <p:clrMapOvr>
     <a:masterClrMapping/>
   </p:clrMapOvr>
+  <p:timing>
+    <p:tnLst>
+      <p:par>
+        <p:cTn id="1" dur="indefinite" restart="never" nodeType="tmRoot"/>
+      </p:par>
+    </p:tnLst>
+  </p:timing>
 </p:sld>
 </file>
 
@@ -31468,6 +31692,13 @@
   <p:clrMapOvr>
     <a:masterClrMapping/>
   </p:clrMapOvr>
+  <p:timing>
+    <p:tnLst>
+      <p:par>
+        <p:cTn id="1" dur="indefinite" restart="never" nodeType="tmRoot"/>
+      </p:par>
+    </p:tnLst>
+  </p:timing>
 </p:sld>
 </file>
 
@@ -31805,6 +32036,13 @@
   <p:clrMapOvr>
     <a:masterClrMapping/>
   </p:clrMapOvr>
+  <p:timing>
+    <p:tnLst>
+      <p:par>
+        <p:cTn id="1" dur="indefinite" restart="never" nodeType="tmRoot"/>
+      </p:par>
+    </p:tnLst>
+  </p:timing>
 </p:sld>
 </file>
 
@@ -31899,7 +32137,7 @@
         </p:blipFill>
         <p:spPr>
           <a:xfrm>
-            <a:off x="420484" y="1386357"/>
+            <a:off x="417652" y="1949450"/>
             <a:ext cx="9235795" cy="4499279"/>
           </a:xfrm>
           <a:prstGeom prst="rect">
@@ -31912,6 +32150,13 @@
   <p:clrMapOvr>
     <a:masterClrMapping/>
   </p:clrMapOvr>
+  <p:timing>
+    <p:tnLst>
+      <p:par>
+        <p:cTn id="1" dur="indefinite" restart="never" nodeType="tmRoot"/>
+      </p:par>
+    </p:tnLst>
+  </p:timing>
 </p:sld>
 </file>
 
@@ -33040,6 +33285,13 @@
   <p:clrMapOvr>
     <a:masterClrMapping/>
   </p:clrMapOvr>
+  <p:timing>
+    <p:tnLst>
+      <p:par>
+        <p:cTn id="1" dur="indefinite" restart="never" nodeType="tmRoot"/>
+      </p:par>
+    </p:tnLst>
+  </p:timing>
 </p:sld>
 </file>
 
@@ -33849,6 +34101,13 @@
   <p:clrMapOvr>
     <a:masterClrMapping/>
   </p:clrMapOvr>
+  <p:timing>
+    <p:tnLst>
+      <p:par>
+        <p:cTn id="1" dur="indefinite" restart="never" nodeType="tmRoot"/>
+      </p:par>
+    </p:tnLst>
+  </p:timing>
 </p:sld>
 </file>
 
@@ -33880,6 +34139,10 @@
           </p:nvPr>
         </p:nvSpPr>
         <p:spPr>
+          <a:xfrm>
+            <a:off x="210117" y="501650"/>
+            <a:ext cx="9219962" cy="573362"/>
+          </a:xfrm>
           <a:prstGeom prst="rect">
             <a:avLst/>
           </a:prstGeom>
@@ -33939,7 +34202,7 @@
         </p:blipFill>
         <p:spPr>
           <a:xfrm>
-            <a:off x="441379" y="844550"/>
+            <a:off x="210117" y="1636897"/>
             <a:ext cx="9173109" cy="5985705"/>
           </a:xfrm>
           <a:prstGeom prst="rect">
@@ -33952,6 +34215,13 @@
   <p:clrMapOvr>
     <a:masterClrMapping/>
   </p:clrMapOvr>
+  <p:timing>
+    <p:tnLst>
+      <p:par>
+        <p:cTn id="1" dur="indefinite" restart="never" nodeType="tmRoot"/>
+      </p:par>
+    </p:tnLst>
+  </p:timing>
 </p:sld>
 </file>
 
@@ -34437,6 +34707,13 @@
   <p:clrMapOvr>
     <a:masterClrMapping/>
   </p:clrMapOvr>
+  <p:timing>
+    <p:tnLst>
+      <p:par>
+        <p:cTn id="1" dur="indefinite" restart="never" nodeType="tmRoot"/>
+      </p:par>
+    </p:tnLst>
+  </p:timing>
 </p:sld>
 </file>
 
@@ -34528,6 +34805,13 @@
   <p:clrMapOvr>
     <a:masterClrMapping/>
   </p:clrMapOvr>
+  <p:timing>
+    <p:tnLst>
+      <p:par>
+        <p:cTn id="1" dur="indefinite" restart="never" nodeType="tmRoot"/>
+      </p:par>
+    </p:tnLst>
+  </p:timing>
 </p:sld>
 </file>
 
@@ -35104,6 +35388,13 @@
   <p:clrMapOvr>
     <a:masterClrMapping/>
   </p:clrMapOvr>
+  <p:timing>
+    <p:tnLst>
+      <p:par>
+        <p:cTn id="1" dur="indefinite" restart="never" nodeType="tmRoot"/>
+      </p:par>
+    </p:tnLst>
+  </p:timing>
 </p:sld>
 </file>
 
@@ -35976,6 +36267,13 @@
   <p:clrMapOvr>
     <a:masterClrMapping/>
   </p:clrMapOvr>
+  <p:timing>
+    <p:tnLst>
+      <p:par>
+        <p:cTn id="1" dur="indefinite" restart="never" nodeType="tmRoot"/>
+      </p:par>
+    </p:tnLst>
+  </p:timing>
 </p:sld>
 </file>
 
@@ -36095,6 +36393,13 @@
   <p:clrMapOvr>
     <a:masterClrMapping/>
   </p:clrMapOvr>
+  <p:timing>
+    <p:tnLst>
+      <p:par>
+        <p:cTn id="1" dur="indefinite" restart="never" nodeType="tmRoot"/>
+      </p:par>
+    </p:tnLst>
+  </p:timing>
 </p:sld>
 </file>
 
@@ -37021,6 +37326,13 @@
   <p:clrMapOvr>
     <a:masterClrMapping/>
   </p:clrMapOvr>
+  <p:timing>
+    <p:tnLst>
+      <p:par>
+        <p:cTn id="1" dur="indefinite" restart="never" nodeType="tmRoot"/>
+      </p:par>
+    </p:tnLst>
+  </p:timing>
 </p:sld>
 </file>
 
@@ -37870,6 +38182,13 @@
   <p:clrMapOvr>
     <a:masterClrMapping/>
   </p:clrMapOvr>
+  <p:timing>
+    <p:tnLst>
+      <p:par>
+        <p:cTn id="1" dur="indefinite" restart="never" nodeType="tmRoot"/>
+      </p:par>
+    </p:tnLst>
+  </p:timing>
 </p:sld>
 </file>
 
@@ -38765,6 +39084,13 @@
   <p:clrMapOvr>
     <a:masterClrMapping/>
   </p:clrMapOvr>
+  <p:timing>
+    <p:tnLst>
+      <p:par>
+        <p:cTn id="1" dur="indefinite" restart="never" nodeType="tmRoot"/>
+      </p:par>
+    </p:tnLst>
+  </p:timing>
 </p:sld>
 </file>
 
@@ -39792,6 +40118,13 @@
   <p:clrMapOvr>
     <a:masterClrMapping/>
   </p:clrMapOvr>
+  <p:timing>
+    <p:tnLst>
+      <p:par>
+        <p:cTn id="1" dur="indefinite" restart="never" nodeType="tmRoot"/>
+      </p:par>
+    </p:tnLst>
+  </p:timing>
 </p:sld>
 </file>
 
@@ -40154,7 +40487,7 @@
               </a:rPr>
               <a:t>Customers</a:t>
             </a:r>
-            <a:endParaRPr sz="2200">
+            <a:endParaRPr sz="2200" dirty="0">
               <a:latin typeface="Arial"/>
               <a:cs typeface="Arial"/>
             </a:endParaRPr>
@@ -40420,7 +40753,7 @@
               </a:rPr>
               <a:t>requirements</a:t>
             </a:r>
-            <a:endParaRPr sz="1800">
+            <a:endParaRPr sz="1800" dirty="0">
               <a:latin typeface="Arial MT"/>
               <a:cs typeface="Arial MT"/>
             </a:endParaRPr>
@@ -40441,7 +40774,7 @@
               </a:rPr>
               <a:t>Managers</a:t>
             </a:r>
-            <a:endParaRPr sz="2200">
+            <a:endParaRPr sz="2200" dirty="0">
               <a:latin typeface="Arial"/>
               <a:cs typeface="Arial"/>
             </a:endParaRPr>
@@ -40693,7 +41026,7 @@
               </a:rPr>
               <a:t>process</a:t>
             </a:r>
-            <a:endParaRPr sz="1800">
+            <a:endParaRPr sz="1800" dirty="0">
               <a:latin typeface="Arial MT"/>
               <a:cs typeface="Arial MT"/>
             </a:endParaRPr>
@@ -40728,7 +41061,7 @@
               </a:rPr>
               <a:t>Engineers</a:t>
             </a:r>
-            <a:endParaRPr sz="2200">
+            <a:endParaRPr sz="2200" dirty="0">
               <a:latin typeface="Arial"/>
               <a:cs typeface="Arial"/>
             </a:endParaRPr>
@@ -40889,7 +41222,7 @@
               </a:rPr>
               <a:t>developed</a:t>
             </a:r>
-            <a:endParaRPr sz="1800">
+            <a:endParaRPr sz="1800" dirty="0">
               <a:latin typeface="Arial MT"/>
               <a:cs typeface="Arial MT"/>
             </a:endParaRPr>
@@ -40938,7 +41271,7 @@
               </a:rPr>
               <a:t>Engineers</a:t>
             </a:r>
-            <a:endParaRPr sz="2200">
+            <a:endParaRPr sz="2200" dirty="0">
               <a:latin typeface="Arial"/>
               <a:cs typeface="Arial"/>
             </a:endParaRPr>
@@ -41085,7 +41418,7 @@
               </a:rPr>
               <a:t>system</a:t>
             </a:r>
-            <a:endParaRPr sz="1800">
+            <a:endParaRPr sz="1800" dirty="0">
               <a:latin typeface="Arial MT"/>
               <a:cs typeface="Arial MT"/>
             </a:endParaRPr>
@@ -41134,7 +41467,7 @@
               </a:rPr>
               <a:t>Engineers</a:t>
             </a:r>
-            <a:endParaRPr sz="2200">
+            <a:endParaRPr sz="2200" dirty="0">
               <a:latin typeface="Arial"/>
               <a:cs typeface="Arial"/>
             </a:endParaRPr>
@@ -41330,7 +41663,7 @@
               </a:rPr>
               <a:t>parts</a:t>
             </a:r>
-            <a:endParaRPr sz="1800">
+            <a:endParaRPr sz="1800" dirty="0">
               <a:latin typeface="Arial MT"/>
               <a:cs typeface="Arial MT"/>
             </a:endParaRPr>
@@ -41342,6 +41675,13 @@
   <p:clrMapOvr>
     <a:masterClrMapping/>
   </p:clrMapOvr>
+  <p:timing>
+    <p:tnLst>
+      <p:par>
+        <p:cTn id="1" dur="indefinite" restart="never" nodeType="tmRoot"/>
+      </p:par>
+    </p:tnLst>
+  </p:timing>
 </p:sld>
 </file>
 
@@ -41881,6 +42221,13 @@
   <p:clrMapOvr>
     <a:masterClrMapping/>
   </p:clrMapOvr>
+  <p:timing>
+    <p:tnLst>
+      <p:par>
+        <p:cTn id="1" dur="indefinite" restart="never" nodeType="tmRoot"/>
+      </p:par>
+    </p:tnLst>
+  </p:timing>
 </p:sld>
 </file>
 
@@ -42411,6 +42758,13 @@
   <p:clrMapOvr>
     <a:masterClrMapping/>
   </p:clrMapOvr>
+  <p:timing>
+    <p:tnLst>
+      <p:par>
+        <p:cTn id="1" dur="indefinite" restart="never" nodeType="tmRoot"/>
+      </p:par>
+    </p:tnLst>
+  </p:timing>
 </p:sld>
 </file>
 
@@ -43410,6 +43764,13 @@
   <p:clrMapOvr>
     <a:masterClrMapping/>
   </p:clrMapOvr>
+  <p:timing>
+    <p:tnLst>
+      <p:par>
+        <p:cTn id="1" dur="indefinite" restart="never" nodeType="tmRoot"/>
+      </p:par>
+    </p:tnLst>
+  </p:timing>
 </p:sld>
 </file>
 
@@ -44125,6 +44486,13 @@
   <p:clrMapOvr>
     <a:masterClrMapping/>
   </p:clrMapOvr>
+  <p:timing>
+    <p:tnLst>
+      <p:par>
+        <p:cTn id="1" dur="indefinite" restart="never" nodeType="tmRoot"/>
+      </p:par>
+    </p:tnLst>
+  </p:timing>
 </p:sld>
 </file>
 
@@ -44156,6 +44524,10 @@
           </p:nvPr>
         </p:nvSpPr>
         <p:spPr>
+          <a:xfrm>
+            <a:off x="692388" y="566292"/>
+            <a:ext cx="8686324" cy="1132618"/>
+          </a:xfrm>
           <a:prstGeom prst="rect">
             <a:avLst/>
           </a:prstGeom>
@@ -44175,49 +44547,10 @@
               </a:spcBef>
             </a:pPr>
             <a:r>
-              <a:rPr spc="-25" dirty="0"/>
-              <a:t>Distributori</a:t>
-            </a:r>
-            <a:r>
-              <a:rPr spc="-90" dirty="0"/>
-              <a:t> </a:t>
-            </a:r>
-            <a:r>
-              <a:rPr spc="-25" dirty="0"/>
-              <a:t>Automatici</a:t>
-            </a:r>
-            <a:r>
-              <a:rPr spc="-90" dirty="0"/>
-              <a:t> </a:t>
-            </a:r>
-            <a:r>
-              <a:rPr dirty="0"/>
-              <a:t>di</a:t>
-            </a:r>
-            <a:r>
-              <a:rPr spc="-90" dirty="0"/>
-              <a:t> </a:t>
-            </a:r>
-            <a:r>
-              <a:rPr dirty="0"/>
-              <a:t>Cibo</a:t>
-            </a:r>
-            <a:r>
-              <a:rPr spc="-110" dirty="0"/>
-              <a:t> </a:t>
-            </a:r>
-            <a:r>
-              <a:rPr dirty="0"/>
-              <a:t>e</a:t>
-            </a:r>
-            <a:r>
-              <a:rPr spc="-100" dirty="0"/>
-              <a:t> </a:t>
-            </a:r>
-            <a:r>
-              <a:rPr spc="-10" dirty="0"/>
-              <a:t>Bevande</a:t>
-            </a:r>
+              <a:rPr lang="en-US" dirty="0"/>
+              <a:t>Vending Machines for Food and Beverages</a:t>
+            </a:r>
+            <a:endParaRPr spc="-10" dirty="0"/>
           </a:p>
         </p:txBody>
       </p:sp>
@@ -44251,8 +44584,8 @@
         </p:nvSpPr>
         <p:spPr>
           <a:xfrm>
-            <a:off x="910589" y="2245680"/>
-            <a:ext cx="8627110" cy="4759960"/>
+            <a:off x="1149350" y="2264815"/>
+            <a:ext cx="8627110" cy="4869923"/>
           </a:xfrm>
           <a:prstGeom prst="rect">
             <a:avLst/>
@@ -44273,1236 +44606,92 @@
               </a:spcBef>
             </a:pPr>
             <a:r>
-              <a:rPr sz="2200" dirty="0">
-                <a:latin typeface="Arial MT"/>
-                <a:cs typeface="Arial MT"/>
-              </a:rPr>
-              <a:t>Un</a:t>
-            </a:r>
-            <a:r>
-              <a:rPr sz="2200" spc="-45" dirty="0">
-                <a:latin typeface="Arial MT"/>
-                <a:cs typeface="Arial MT"/>
-              </a:rPr>
-              <a:t> </a:t>
-            </a:r>
-            <a:r>
-              <a:rPr sz="2200" dirty="0">
-                <a:latin typeface="Arial MT"/>
-                <a:cs typeface="Arial MT"/>
-              </a:rPr>
-              <a:t>distributore</a:t>
-            </a:r>
-            <a:r>
-              <a:rPr sz="2200" spc="-45" dirty="0">
-                <a:latin typeface="Arial MT"/>
-                <a:cs typeface="Arial MT"/>
-              </a:rPr>
-              <a:t> </a:t>
-            </a:r>
-            <a:r>
-              <a:rPr sz="2200" dirty="0">
-                <a:latin typeface="Arial MT"/>
-                <a:cs typeface="Arial MT"/>
-              </a:rPr>
-              <a:t>automatico</a:t>
-            </a:r>
-            <a:r>
-              <a:rPr sz="2200" spc="-50" dirty="0">
-                <a:latin typeface="Arial MT"/>
-                <a:cs typeface="Arial MT"/>
-              </a:rPr>
-              <a:t> </a:t>
-            </a:r>
-            <a:r>
-              <a:rPr sz="2200" dirty="0">
-                <a:latin typeface="Arial MT"/>
-                <a:cs typeface="Arial MT"/>
-              </a:rPr>
-              <a:t>di</a:t>
-            </a:r>
-            <a:r>
-              <a:rPr sz="2200" spc="-50" dirty="0">
-                <a:latin typeface="Arial MT"/>
-                <a:cs typeface="Arial MT"/>
-              </a:rPr>
-              <a:t> </a:t>
-            </a:r>
-            <a:r>
-              <a:rPr sz="2200" dirty="0">
-                <a:latin typeface="Arial MT"/>
-                <a:cs typeface="Arial MT"/>
-              </a:rPr>
-              <a:t>cibi</a:t>
-            </a:r>
-            <a:r>
-              <a:rPr sz="2200" spc="-40" dirty="0">
-                <a:latin typeface="Arial MT"/>
-                <a:cs typeface="Arial MT"/>
-              </a:rPr>
-              <a:t> </a:t>
-            </a:r>
-            <a:r>
-              <a:rPr sz="2200" dirty="0">
-                <a:latin typeface="Arial MT"/>
-                <a:cs typeface="Arial MT"/>
-              </a:rPr>
-              <a:t>e</a:t>
-            </a:r>
-            <a:r>
-              <a:rPr sz="2200" spc="-50" dirty="0">
-                <a:latin typeface="Arial MT"/>
-                <a:cs typeface="Arial MT"/>
-              </a:rPr>
-              <a:t> </a:t>
-            </a:r>
-            <a:r>
-              <a:rPr sz="2200" dirty="0">
-                <a:latin typeface="Arial MT"/>
-                <a:cs typeface="Arial MT"/>
-              </a:rPr>
-              <a:t>bevande</a:t>
-            </a:r>
-            <a:r>
-              <a:rPr sz="2200" spc="-55" dirty="0">
-                <a:latin typeface="Arial MT"/>
-                <a:cs typeface="Arial MT"/>
-              </a:rPr>
-              <a:t> </a:t>
-            </a:r>
-            <a:r>
-              <a:rPr sz="2200" dirty="0">
-                <a:latin typeface="Arial MT"/>
-                <a:cs typeface="Arial MT"/>
-              </a:rPr>
-              <a:t>permette</a:t>
-            </a:r>
-            <a:r>
-              <a:rPr sz="2200" spc="-55" dirty="0">
-                <a:latin typeface="Arial MT"/>
-                <a:cs typeface="Arial MT"/>
-              </a:rPr>
-              <a:t> </a:t>
-            </a:r>
-            <a:r>
-              <a:rPr sz="2200" dirty="0">
-                <a:latin typeface="Arial MT"/>
-                <a:cs typeface="Arial MT"/>
-              </a:rPr>
-              <a:t>la</a:t>
-            </a:r>
-            <a:r>
-              <a:rPr sz="2200" spc="-40" dirty="0">
-                <a:latin typeface="Arial MT"/>
-                <a:cs typeface="Arial MT"/>
-              </a:rPr>
-              <a:t> </a:t>
-            </a:r>
-            <a:r>
-              <a:rPr sz="2200" dirty="0">
-                <a:latin typeface="Arial MT"/>
-                <a:cs typeface="Arial MT"/>
-              </a:rPr>
-              <a:t>selezione</a:t>
-            </a:r>
-            <a:r>
-              <a:rPr sz="2200" spc="-55" dirty="0">
-                <a:latin typeface="Arial MT"/>
-                <a:cs typeface="Arial MT"/>
-              </a:rPr>
-              <a:t> </a:t>
-            </a:r>
-            <a:r>
-              <a:rPr sz="2200" spc="-50" dirty="0">
-                <a:latin typeface="Arial MT"/>
-                <a:cs typeface="Arial MT"/>
-              </a:rPr>
-              <a:t>e </a:t>
-            </a:r>
-            <a:r>
-              <a:rPr sz="2200" dirty="0">
-                <a:latin typeface="Arial MT"/>
-                <a:cs typeface="Arial MT"/>
-              </a:rPr>
-              <a:t>l'acquisto</a:t>
-            </a:r>
-            <a:r>
-              <a:rPr sz="2200" spc="-50" dirty="0">
-                <a:latin typeface="Arial MT"/>
-                <a:cs typeface="Arial MT"/>
-              </a:rPr>
-              <a:t> </a:t>
-            </a:r>
-            <a:r>
-              <a:rPr sz="2200" dirty="0">
-                <a:latin typeface="Arial MT"/>
-                <a:cs typeface="Arial MT"/>
-              </a:rPr>
-              <a:t>di</a:t>
-            </a:r>
-            <a:r>
-              <a:rPr sz="2200" spc="-40" dirty="0">
-                <a:latin typeface="Arial MT"/>
-                <a:cs typeface="Arial MT"/>
-              </a:rPr>
-              <a:t> </a:t>
-            </a:r>
-            <a:r>
-              <a:rPr sz="2200" dirty="0">
-                <a:latin typeface="Arial MT"/>
-                <a:cs typeface="Arial MT"/>
-              </a:rPr>
-              <a:t>cibo</a:t>
-            </a:r>
-            <a:r>
-              <a:rPr sz="2200" spc="-40" dirty="0">
-                <a:latin typeface="Arial MT"/>
-                <a:cs typeface="Arial MT"/>
-              </a:rPr>
-              <a:t> </a:t>
-            </a:r>
-            <a:r>
-              <a:rPr sz="2200" dirty="0">
-                <a:latin typeface="Arial MT"/>
-                <a:cs typeface="Arial MT"/>
-              </a:rPr>
-              <a:t>o</a:t>
-            </a:r>
-            <a:r>
-              <a:rPr sz="2200" spc="-45" dirty="0">
-                <a:latin typeface="Arial MT"/>
-                <a:cs typeface="Arial MT"/>
-              </a:rPr>
-              <a:t> </a:t>
-            </a:r>
-            <a:r>
-              <a:rPr sz="2200" dirty="0">
-                <a:latin typeface="Arial MT"/>
-                <a:cs typeface="Arial MT"/>
-              </a:rPr>
-              <a:t>bevande</a:t>
-            </a:r>
-            <a:r>
-              <a:rPr sz="2200" spc="-45" dirty="0">
-                <a:latin typeface="Arial MT"/>
-                <a:cs typeface="Arial MT"/>
-              </a:rPr>
-              <a:t> </a:t>
-            </a:r>
-            <a:r>
-              <a:rPr sz="2200" dirty="0">
-                <a:latin typeface="Arial MT"/>
-                <a:cs typeface="Arial MT"/>
-              </a:rPr>
-              <a:t>dietro</a:t>
-            </a:r>
-            <a:r>
-              <a:rPr sz="2200" spc="-50" dirty="0">
-                <a:latin typeface="Arial MT"/>
-                <a:cs typeface="Arial MT"/>
-              </a:rPr>
-              <a:t> </a:t>
-            </a:r>
-            <a:r>
-              <a:rPr sz="2200" dirty="0">
-                <a:latin typeface="Arial MT"/>
-                <a:cs typeface="Arial MT"/>
-              </a:rPr>
-              <a:t>il</a:t>
-            </a:r>
-            <a:r>
-              <a:rPr sz="2200" spc="-30" dirty="0">
-                <a:latin typeface="Arial MT"/>
-                <a:cs typeface="Arial MT"/>
-              </a:rPr>
-              <a:t> </a:t>
-            </a:r>
-            <a:r>
-              <a:rPr sz="2200" dirty="0">
-                <a:latin typeface="Arial MT"/>
-                <a:cs typeface="Arial MT"/>
-              </a:rPr>
-              <a:t>pagamento</a:t>
-            </a:r>
-            <a:r>
-              <a:rPr sz="2200" spc="-45" dirty="0">
-                <a:latin typeface="Arial MT"/>
-                <a:cs typeface="Arial MT"/>
-              </a:rPr>
-              <a:t> </a:t>
-            </a:r>
-            <a:r>
-              <a:rPr sz="2200" dirty="0">
-                <a:latin typeface="Arial MT"/>
-                <a:cs typeface="Arial MT"/>
-              </a:rPr>
-              <a:t>della</a:t>
-            </a:r>
-            <a:r>
-              <a:rPr sz="2200" spc="-45" dirty="0">
-                <a:latin typeface="Arial MT"/>
-                <a:cs typeface="Arial MT"/>
-              </a:rPr>
-              <a:t> </a:t>
-            </a:r>
-            <a:r>
-              <a:rPr sz="2200" spc="-10" dirty="0">
-                <a:latin typeface="Arial MT"/>
-                <a:cs typeface="Arial MT"/>
-              </a:rPr>
-              <a:t>rispondente </a:t>
-            </a:r>
-            <a:r>
-              <a:rPr sz="2200" dirty="0">
-                <a:latin typeface="Arial MT"/>
-                <a:cs typeface="Arial MT"/>
-              </a:rPr>
-              <a:t>somma</a:t>
-            </a:r>
-            <a:r>
-              <a:rPr sz="2200" spc="-55" dirty="0">
-                <a:latin typeface="Arial MT"/>
-                <a:cs typeface="Arial MT"/>
-              </a:rPr>
-              <a:t> </a:t>
-            </a:r>
-            <a:r>
-              <a:rPr sz="2200" dirty="0">
-                <a:latin typeface="Arial MT"/>
-                <a:cs typeface="Arial MT"/>
-              </a:rPr>
-              <a:t>di</a:t>
-            </a:r>
-            <a:r>
-              <a:rPr sz="2200" spc="-50" dirty="0">
-                <a:latin typeface="Arial MT"/>
-                <a:cs typeface="Arial MT"/>
-              </a:rPr>
-              <a:t> </a:t>
-            </a:r>
-            <a:r>
-              <a:rPr sz="2200" dirty="0">
-                <a:latin typeface="Arial MT"/>
-                <a:cs typeface="Arial MT"/>
-              </a:rPr>
-              <a:t>denaro.</a:t>
-            </a:r>
-            <a:r>
-              <a:rPr sz="2200" spc="-45" dirty="0">
-                <a:latin typeface="Arial MT"/>
-                <a:cs typeface="Arial MT"/>
-              </a:rPr>
-              <a:t> </a:t>
-            </a:r>
-            <a:r>
-              <a:rPr sz="2200" dirty="0">
-                <a:latin typeface="Arial MT"/>
-                <a:cs typeface="Arial MT"/>
-              </a:rPr>
-              <a:t>Per</a:t>
-            </a:r>
-            <a:r>
-              <a:rPr sz="2200" spc="-45" dirty="0">
-                <a:latin typeface="Arial MT"/>
-                <a:cs typeface="Arial MT"/>
-              </a:rPr>
-              <a:t> </a:t>
-            </a:r>
-            <a:r>
-              <a:rPr sz="2200" dirty="0">
-                <a:latin typeface="Arial MT"/>
-                <a:cs typeface="Arial MT"/>
-              </a:rPr>
-              <a:t>poter</a:t>
-            </a:r>
-            <a:r>
-              <a:rPr sz="2200" spc="-45" dirty="0">
-                <a:latin typeface="Arial MT"/>
-                <a:cs typeface="Arial MT"/>
-              </a:rPr>
-              <a:t> </a:t>
-            </a:r>
-            <a:r>
-              <a:rPr sz="2200" dirty="0">
-                <a:latin typeface="Arial MT"/>
-                <a:cs typeface="Arial MT"/>
-              </a:rPr>
-              <a:t>acquistare</a:t>
-            </a:r>
-            <a:r>
-              <a:rPr sz="2200" spc="-45" dirty="0">
-                <a:latin typeface="Arial MT"/>
-                <a:cs typeface="Arial MT"/>
-              </a:rPr>
-              <a:t> </a:t>
-            </a:r>
-            <a:r>
-              <a:rPr sz="2200" dirty="0">
-                <a:latin typeface="Arial MT"/>
-                <a:cs typeface="Arial MT"/>
-              </a:rPr>
-              <a:t>un</a:t>
-            </a:r>
-            <a:r>
-              <a:rPr sz="2200" spc="-50" dirty="0">
-                <a:latin typeface="Arial MT"/>
-                <a:cs typeface="Arial MT"/>
-              </a:rPr>
-              <a:t> </a:t>
-            </a:r>
-            <a:r>
-              <a:rPr sz="2200" dirty="0">
-                <a:latin typeface="Arial MT"/>
-                <a:cs typeface="Arial MT"/>
-              </a:rPr>
-              <a:t>prodotto</a:t>
-            </a:r>
-            <a:r>
-              <a:rPr sz="2200" spc="-55" dirty="0">
-                <a:latin typeface="Arial MT"/>
-                <a:cs typeface="Arial MT"/>
-              </a:rPr>
-              <a:t> </a:t>
-            </a:r>
-            <a:r>
-              <a:rPr sz="2200" dirty="0">
-                <a:latin typeface="Arial MT"/>
-                <a:cs typeface="Arial MT"/>
-              </a:rPr>
-              <a:t>il</a:t>
-            </a:r>
-            <a:r>
-              <a:rPr sz="2200" spc="-40" dirty="0">
-                <a:latin typeface="Arial MT"/>
-                <a:cs typeface="Arial MT"/>
-              </a:rPr>
-              <a:t> </a:t>
-            </a:r>
-            <a:r>
-              <a:rPr sz="2200" dirty="0">
-                <a:latin typeface="Arial MT"/>
-                <a:cs typeface="Arial MT"/>
-              </a:rPr>
-              <a:t>cliente</a:t>
-            </a:r>
-            <a:r>
-              <a:rPr sz="2200" spc="-50" dirty="0">
-                <a:latin typeface="Arial MT"/>
-                <a:cs typeface="Arial MT"/>
-              </a:rPr>
-              <a:t> </a:t>
-            </a:r>
-            <a:r>
-              <a:rPr sz="2200" spc="-10" dirty="0">
-                <a:latin typeface="Arial MT"/>
-                <a:cs typeface="Arial MT"/>
-              </a:rPr>
-              <a:t>dovrà </a:t>
-            </a:r>
-            <a:r>
-              <a:rPr sz="2200" dirty="0">
-                <a:latin typeface="Arial MT"/>
-                <a:cs typeface="Arial MT"/>
-              </a:rPr>
-              <a:t>depositare</a:t>
-            </a:r>
-            <a:r>
-              <a:rPr sz="2200" spc="-50" dirty="0">
-                <a:latin typeface="Arial MT"/>
-                <a:cs typeface="Arial MT"/>
-              </a:rPr>
-              <a:t> </a:t>
-            </a:r>
-            <a:r>
-              <a:rPr sz="2200" dirty="0">
-                <a:latin typeface="Arial MT"/>
-                <a:cs typeface="Arial MT"/>
-              </a:rPr>
-              <a:t>la</a:t>
-            </a:r>
-            <a:r>
-              <a:rPr sz="2200" spc="-60" dirty="0">
-                <a:latin typeface="Arial MT"/>
-                <a:cs typeface="Arial MT"/>
-              </a:rPr>
-              <a:t> </a:t>
-            </a:r>
-            <a:r>
-              <a:rPr sz="2200" dirty="0">
-                <a:latin typeface="Arial MT"/>
-                <a:cs typeface="Arial MT"/>
-              </a:rPr>
-              <a:t>somma</a:t>
-            </a:r>
-            <a:r>
-              <a:rPr sz="2200" spc="-50" dirty="0">
-                <a:latin typeface="Arial MT"/>
-                <a:cs typeface="Arial MT"/>
-              </a:rPr>
-              <a:t> </a:t>
-            </a:r>
-            <a:r>
-              <a:rPr sz="2200" dirty="0">
-                <a:latin typeface="Arial MT"/>
-                <a:cs typeface="Arial MT"/>
-              </a:rPr>
-              <a:t>necessaria</a:t>
-            </a:r>
-            <a:r>
-              <a:rPr sz="2200" spc="-55" dirty="0">
-                <a:latin typeface="Arial MT"/>
-                <a:cs typeface="Arial MT"/>
-              </a:rPr>
-              <a:t> </a:t>
-            </a:r>
-            <a:r>
-              <a:rPr sz="2200" dirty="0">
-                <a:latin typeface="Arial MT"/>
-                <a:cs typeface="Arial MT"/>
-              </a:rPr>
-              <a:t>e</a:t>
-            </a:r>
-            <a:r>
-              <a:rPr sz="2200" spc="-55" dirty="0">
-                <a:latin typeface="Arial MT"/>
-                <a:cs typeface="Arial MT"/>
-              </a:rPr>
-              <a:t> </a:t>
-            </a:r>
-            <a:r>
-              <a:rPr sz="2200" dirty="0">
-                <a:latin typeface="Arial MT"/>
-                <a:cs typeface="Arial MT"/>
-              </a:rPr>
-              <a:t>selezionare</a:t>
-            </a:r>
-            <a:r>
-              <a:rPr sz="2200" spc="-50" dirty="0">
-                <a:latin typeface="Arial MT"/>
-                <a:cs typeface="Arial MT"/>
-              </a:rPr>
-              <a:t> </a:t>
-            </a:r>
-            <a:r>
-              <a:rPr sz="2200" dirty="0">
-                <a:latin typeface="Arial MT"/>
-                <a:cs typeface="Arial MT"/>
-              </a:rPr>
-              <a:t>il</a:t>
-            </a:r>
-            <a:r>
-              <a:rPr sz="2200" spc="-40" dirty="0">
-                <a:latin typeface="Arial MT"/>
-                <a:cs typeface="Arial MT"/>
-              </a:rPr>
-              <a:t> </a:t>
-            </a:r>
-            <a:r>
-              <a:rPr sz="2200" dirty="0">
-                <a:latin typeface="Arial MT"/>
-                <a:cs typeface="Arial MT"/>
-              </a:rPr>
-              <a:t>prodotto</a:t>
-            </a:r>
-            <a:r>
-              <a:rPr sz="2200" spc="-55" dirty="0">
-                <a:latin typeface="Arial MT"/>
-                <a:cs typeface="Arial MT"/>
-              </a:rPr>
-              <a:t> </a:t>
-            </a:r>
-            <a:r>
-              <a:rPr sz="2200" spc="-10" dirty="0">
-                <a:latin typeface="Arial MT"/>
-                <a:cs typeface="Arial MT"/>
-              </a:rPr>
-              <a:t>prescelto. </a:t>
-            </a:r>
-            <a:r>
-              <a:rPr sz="2200" dirty="0">
-                <a:latin typeface="Arial MT"/>
-                <a:cs typeface="Arial MT"/>
-              </a:rPr>
-              <a:t>La</a:t>
-            </a:r>
-            <a:r>
-              <a:rPr sz="2200" spc="-65" dirty="0">
-                <a:latin typeface="Arial MT"/>
-                <a:cs typeface="Arial MT"/>
-              </a:rPr>
-              <a:t> </a:t>
-            </a:r>
-            <a:r>
-              <a:rPr sz="2200" dirty="0">
-                <a:latin typeface="Arial MT"/>
-                <a:cs typeface="Arial MT"/>
-              </a:rPr>
-              <a:t>conferma</a:t>
-            </a:r>
-            <a:r>
-              <a:rPr sz="2200" spc="-70" dirty="0">
-                <a:latin typeface="Arial MT"/>
-                <a:cs typeface="Arial MT"/>
-              </a:rPr>
-              <a:t> </a:t>
-            </a:r>
-            <a:r>
-              <a:rPr sz="2200" dirty="0">
-                <a:latin typeface="Arial MT"/>
-                <a:cs typeface="Arial MT"/>
-              </a:rPr>
-              <a:t>dell'aquisto</a:t>
-            </a:r>
-            <a:r>
-              <a:rPr sz="2200" spc="-60" dirty="0">
-                <a:latin typeface="Arial MT"/>
-                <a:cs typeface="Arial MT"/>
-              </a:rPr>
-              <a:t> </a:t>
-            </a:r>
-            <a:r>
-              <a:rPr sz="2200" dirty="0">
-                <a:latin typeface="Arial MT"/>
-                <a:cs typeface="Arial MT"/>
-              </a:rPr>
-              <a:t>avverrà</a:t>
-            </a:r>
-            <a:r>
-              <a:rPr sz="2200" spc="-60" dirty="0">
-                <a:latin typeface="Arial MT"/>
-                <a:cs typeface="Arial MT"/>
-              </a:rPr>
-              <a:t> </a:t>
-            </a:r>
-            <a:r>
-              <a:rPr sz="2200" dirty="0">
-                <a:latin typeface="Arial MT"/>
-                <a:cs typeface="Arial MT"/>
-              </a:rPr>
-              <a:t>pigiando</a:t>
-            </a:r>
-            <a:r>
-              <a:rPr sz="2200" spc="-70" dirty="0">
-                <a:latin typeface="Arial MT"/>
-                <a:cs typeface="Arial MT"/>
-              </a:rPr>
-              <a:t> </a:t>
-            </a:r>
-            <a:r>
-              <a:rPr sz="2200" dirty="0">
-                <a:latin typeface="Arial MT"/>
-                <a:cs typeface="Arial MT"/>
-              </a:rPr>
-              <a:t>il</a:t>
-            </a:r>
-            <a:r>
-              <a:rPr sz="2200" spc="-65" dirty="0">
-                <a:latin typeface="Arial MT"/>
-                <a:cs typeface="Arial MT"/>
-              </a:rPr>
-              <a:t> </a:t>
-            </a:r>
-            <a:r>
-              <a:rPr sz="2200" dirty="0">
-                <a:latin typeface="Arial MT"/>
-                <a:cs typeface="Arial MT"/>
-              </a:rPr>
-              <a:t>corrispondente</a:t>
-            </a:r>
-            <a:r>
-              <a:rPr sz="2200" spc="-70" dirty="0">
-                <a:latin typeface="Arial MT"/>
-                <a:cs typeface="Arial MT"/>
-              </a:rPr>
-              <a:t> </a:t>
-            </a:r>
-            <a:r>
-              <a:rPr sz="2200" spc="-10" dirty="0">
-                <a:latin typeface="Arial MT"/>
-                <a:cs typeface="Arial MT"/>
-              </a:rPr>
-              <a:t>pulsante </a:t>
-            </a:r>
-            <a:r>
-              <a:rPr sz="2200" dirty="0">
-                <a:latin typeface="Arial MT"/>
-                <a:cs typeface="Arial MT"/>
-              </a:rPr>
-              <a:t>oppure,</a:t>
-            </a:r>
-            <a:r>
-              <a:rPr sz="2200" spc="-50" dirty="0">
-                <a:latin typeface="Arial MT"/>
-                <a:cs typeface="Arial MT"/>
-              </a:rPr>
-              <a:t> </a:t>
-            </a:r>
-            <a:r>
-              <a:rPr sz="2200" dirty="0">
-                <a:latin typeface="Arial MT"/>
-                <a:cs typeface="Arial MT"/>
-              </a:rPr>
-              <a:t>per</a:t>
-            </a:r>
-            <a:r>
-              <a:rPr sz="2200" spc="-50" dirty="0">
-                <a:latin typeface="Arial MT"/>
-                <a:cs typeface="Arial MT"/>
-              </a:rPr>
-              <a:t> </a:t>
-            </a:r>
-            <a:r>
-              <a:rPr sz="2200" dirty="0">
-                <a:latin typeface="Arial MT"/>
-                <a:cs typeface="Arial MT"/>
-              </a:rPr>
-              <a:t>i</a:t>
-            </a:r>
-            <a:r>
-              <a:rPr sz="2200" spc="-55" dirty="0">
-                <a:latin typeface="Arial MT"/>
-                <a:cs typeface="Arial MT"/>
-              </a:rPr>
-              <a:t> </a:t>
-            </a:r>
-            <a:r>
-              <a:rPr sz="2200" dirty="0">
-                <a:latin typeface="Arial MT"/>
-                <a:cs typeface="Arial MT"/>
-              </a:rPr>
-              <a:t>clienti</a:t>
-            </a:r>
-            <a:r>
-              <a:rPr sz="2200" spc="-45" dirty="0">
-                <a:latin typeface="Arial MT"/>
-                <a:cs typeface="Arial MT"/>
-              </a:rPr>
-              <a:t> </a:t>
-            </a:r>
-            <a:r>
-              <a:rPr sz="2200" dirty="0">
-                <a:latin typeface="Arial MT"/>
-                <a:cs typeface="Arial MT"/>
-              </a:rPr>
-              <a:t>muniti</a:t>
-            </a:r>
-            <a:r>
-              <a:rPr sz="2200" spc="-40" dirty="0">
-                <a:latin typeface="Arial MT"/>
-                <a:cs typeface="Arial MT"/>
-              </a:rPr>
-              <a:t> </a:t>
-            </a:r>
-            <a:r>
-              <a:rPr sz="2200" dirty="0">
-                <a:latin typeface="Arial MT"/>
-                <a:cs typeface="Arial MT"/>
-              </a:rPr>
-              <a:t>di</a:t>
-            </a:r>
-            <a:r>
-              <a:rPr sz="2200" spc="-55" dirty="0">
-                <a:latin typeface="Arial MT"/>
-                <a:cs typeface="Arial MT"/>
-              </a:rPr>
-              <a:t> </a:t>
-            </a:r>
-            <a:r>
-              <a:rPr sz="2200" dirty="0">
-                <a:latin typeface="Arial MT"/>
-                <a:cs typeface="Arial MT"/>
-              </a:rPr>
-              <a:t>chiavetta,</a:t>
-            </a:r>
-            <a:r>
-              <a:rPr sz="2200" spc="-45" dirty="0">
-                <a:latin typeface="Arial MT"/>
-                <a:cs typeface="Arial MT"/>
-              </a:rPr>
-              <a:t> </a:t>
-            </a:r>
-            <a:r>
-              <a:rPr sz="2200" dirty="0">
-                <a:latin typeface="Arial MT"/>
-                <a:cs typeface="Arial MT"/>
-              </a:rPr>
-              <a:t>tramite</a:t>
-            </a:r>
-            <a:r>
-              <a:rPr sz="2200" spc="-50" dirty="0">
-                <a:latin typeface="Arial MT"/>
-                <a:cs typeface="Arial MT"/>
-              </a:rPr>
-              <a:t> </a:t>
-            </a:r>
-            <a:r>
-              <a:rPr sz="2200" dirty="0">
-                <a:latin typeface="Arial MT"/>
-                <a:cs typeface="Arial MT"/>
-              </a:rPr>
-              <a:t>l'inserimento</a:t>
-            </a:r>
-            <a:r>
-              <a:rPr sz="2200" spc="-45" dirty="0">
-                <a:latin typeface="Arial MT"/>
-                <a:cs typeface="Arial MT"/>
-              </a:rPr>
-              <a:t> </a:t>
-            </a:r>
-            <a:r>
-              <a:rPr sz="2200" dirty="0">
-                <a:latin typeface="Arial MT"/>
-                <a:cs typeface="Arial MT"/>
-              </a:rPr>
-              <a:t>di</a:t>
-            </a:r>
-            <a:r>
-              <a:rPr sz="2200" spc="-45" dirty="0">
-                <a:latin typeface="Arial MT"/>
-                <a:cs typeface="Arial MT"/>
-              </a:rPr>
-              <a:t> </a:t>
-            </a:r>
-            <a:r>
-              <a:rPr sz="2200" spc="-25" dirty="0">
-                <a:latin typeface="Arial MT"/>
-                <a:cs typeface="Arial MT"/>
-              </a:rPr>
-              <a:t>un </a:t>
-            </a:r>
-            <a:r>
-              <a:rPr sz="2200" dirty="0">
-                <a:latin typeface="Arial MT"/>
-                <a:cs typeface="Arial MT"/>
-              </a:rPr>
-              <a:t>codice</a:t>
-            </a:r>
-            <a:r>
-              <a:rPr sz="2200" spc="-30" dirty="0">
-                <a:latin typeface="Arial MT"/>
-                <a:cs typeface="Arial MT"/>
-              </a:rPr>
-              <a:t> </a:t>
-            </a:r>
-            <a:r>
-              <a:rPr sz="2200" dirty="0">
-                <a:latin typeface="Arial MT"/>
-                <a:cs typeface="Arial MT"/>
-              </a:rPr>
-              <a:t>personale.</a:t>
-            </a:r>
-            <a:r>
-              <a:rPr sz="2200" spc="-40" dirty="0">
-                <a:latin typeface="Arial MT"/>
-                <a:cs typeface="Arial MT"/>
-              </a:rPr>
-              <a:t> </a:t>
-            </a:r>
-            <a:r>
-              <a:rPr sz="2200" dirty="0">
-                <a:latin typeface="Arial MT"/>
-                <a:cs typeface="Arial MT"/>
-              </a:rPr>
-              <a:t>Se</a:t>
-            </a:r>
-            <a:r>
-              <a:rPr sz="2200" spc="-40" dirty="0">
-                <a:latin typeface="Arial MT"/>
-                <a:cs typeface="Arial MT"/>
-              </a:rPr>
-              <a:t> </a:t>
-            </a:r>
-            <a:r>
-              <a:rPr sz="2200" dirty="0">
-                <a:latin typeface="Arial MT"/>
-                <a:cs typeface="Arial MT"/>
-              </a:rPr>
-              <a:t>non</a:t>
-            </a:r>
-            <a:r>
-              <a:rPr sz="2200" spc="-35" dirty="0">
-                <a:latin typeface="Arial MT"/>
-                <a:cs typeface="Arial MT"/>
-              </a:rPr>
-              <a:t> </a:t>
-            </a:r>
-            <a:r>
-              <a:rPr sz="2200" dirty="0">
-                <a:latin typeface="Arial MT"/>
-                <a:cs typeface="Arial MT"/>
-              </a:rPr>
-              <a:t>sono</a:t>
-            </a:r>
-            <a:r>
-              <a:rPr sz="2200" spc="-40" dirty="0">
-                <a:latin typeface="Arial MT"/>
-                <a:cs typeface="Arial MT"/>
-              </a:rPr>
-              <a:t> </a:t>
-            </a:r>
-            <a:r>
-              <a:rPr sz="2200" dirty="0">
-                <a:latin typeface="Arial MT"/>
-                <a:cs typeface="Arial MT"/>
-              </a:rPr>
-              <a:t>stati</a:t>
-            </a:r>
-            <a:r>
-              <a:rPr sz="2200" spc="-35" dirty="0">
-                <a:latin typeface="Arial MT"/>
-                <a:cs typeface="Arial MT"/>
-              </a:rPr>
-              <a:t> </a:t>
-            </a:r>
-            <a:r>
-              <a:rPr sz="2200" dirty="0">
-                <a:latin typeface="Arial MT"/>
-                <a:cs typeface="Arial MT"/>
-              </a:rPr>
-              <a:t>inseriti</a:t>
-            </a:r>
-            <a:r>
-              <a:rPr sz="2200" spc="-35" dirty="0">
-                <a:latin typeface="Arial MT"/>
-                <a:cs typeface="Arial MT"/>
-              </a:rPr>
-              <a:t> </a:t>
-            </a:r>
-            <a:r>
-              <a:rPr sz="2200" dirty="0">
-                <a:latin typeface="Arial MT"/>
-                <a:cs typeface="Arial MT"/>
-              </a:rPr>
-              <a:t>soldi</a:t>
-            </a:r>
-            <a:r>
-              <a:rPr sz="2200" spc="-35" dirty="0">
-                <a:latin typeface="Arial MT"/>
-                <a:cs typeface="Arial MT"/>
-              </a:rPr>
-              <a:t> </a:t>
-            </a:r>
-            <a:r>
-              <a:rPr sz="2200" dirty="0">
-                <a:latin typeface="Arial MT"/>
-                <a:cs typeface="Arial MT"/>
-              </a:rPr>
-              <a:t>la</a:t>
-            </a:r>
-            <a:r>
-              <a:rPr sz="2200" spc="-30" dirty="0">
-                <a:latin typeface="Arial MT"/>
-                <a:cs typeface="Arial MT"/>
-              </a:rPr>
-              <a:t> </a:t>
-            </a:r>
-            <a:r>
-              <a:rPr sz="2200" dirty="0">
-                <a:latin typeface="Arial MT"/>
-                <a:cs typeface="Arial MT"/>
-              </a:rPr>
-              <a:t>pressione</a:t>
-            </a:r>
-            <a:r>
-              <a:rPr sz="2200" spc="-40" dirty="0">
-                <a:latin typeface="Arial MT"/>
-                <a:cs typeface="Arial MT"/>
-              </a:rPr>
-              <a:t> </a:t>
-            </a:r>
-            <a:r>
-              <a:rPr sz="2200" spc="-25" dirty="0">
-                <a:latin typeface="Arial MT"/>
-                <a:cs typeface="Arial MT"/>
-              </a:rPr>
-              <a:t>del </a:t>
-            </a:r>
-            <a:r>
-              <a:rPr sz="2200" dirty="0">
-                <a:latin typeface="Arial MT"/>
-                <a:cs typeface="Arial MT"/>
-              </a:rPr>
-              <a:t>pulsante</a:t>
-            </a:r>
-            <a:r>
-              <a:rPr sz="2200" spc="-50" dirty="0">
-                <a:latin typeface="Arial MT"/>
-                <a:cs typeface="Arial MT"/>
-              </a:rPr>
-              <a:t> </a:t>
-            </a:r>
-            <a:r>
-              <a:rPr sz="2200" dirty="0">
-                <a:latin typeface="Arial MT"/>
-                <a:cs typeface="Arial MT"/>
-              </a:rPr>
-              <a:t>permetterà</a:t>
-            </a:r>
-            <a:r>
-              <a:rPr sz="2200" spc="-45" dirty="0">
-                <a:latin typeface="Arial MT"/>
-                <a:cs typeface="Arial MT"/>
-              </a:rPr>
-              <a:t> </a:t>
-            </a:r>
-            <a:r>
-              <a:rPr sz="2200" dirty="0">
-                <a:latin typeface="Arial MT"/>
-                <a:cs typeface="Arial MT"/>
-              </a:rPr>
-              <a:t>di</a:t>
-            </a:r>
-            <a:r>
-              <a:rPr sz="2200" spc="-40" dirty="0">
-                <a:latin typeface="Arial MT"/>
-                <a:cs typeface="Arial MT"/>
-              </a:rPr>
-              <a:t> </a:t>
-            </a:r>
-            <a:r>
-              <a:rPr sz="2200" dirty="0">
-                <a:latin typeface="Arial MT"/>
-                <a:cs typeface="Arial MT"/>
-              </a:rPr>
-              <a:t>visualizzare</a:t>
-            </a:r>
-            <a:r>
-              <a:rPr sz="2200" spc="-30" dirty="0">
-                <a:latin typeface="Arial MT"/>
-                <a:cs typeface="Arial MT"/>
-              </a:rPr>
-              <a:t> </a:t>
-            </a:r>
-            <a:r>
-              <a:rPr sz="2200" dirty="0">
-                <a:latin typeface="Arial MT"/>
-                <a:cs typeface="Arial MT"/>
-              </a:rPr>
-              <a:t>il</a:t>
-            </a:r>
-            <a:r>
-              <a:rPr sz="2200" spc="-40" dirty="0">
-                <a:latin typeface="Arial MT"/>
-                <a:cs typeface="Arial MT"/>
-              </a:rPr>
-              <a:t> </a:t>
-            </a:r>
-            <a:r>
-              <a:rPr sz="2200" dirty="0">
-                <a:latin typeface="Arial MT"/>
-                <a:cs typeface="Arial MT"/>
-              </a:rPr>
-              <a:t>costo</a:t>
-            </a:r>
-            <a:r>
-              <a:rPr sz="2200" spc="-45" dirty="0">
-                <a:latin typeface="Arial MT"/>
-                <a:cs typeface="Arial MT"/>
-              </a:rPr>
-              <a:t> </a:t>
-            </a:r>
-            <a:r>
-              <a:rPr sz="2200" dirty="0">
-                <a:latin typeface="Arial MT"/>
-                <a:cs typeface="Arial MT"/>
-              </a:rPr>
-              <a:t>di</a:t>
-            </a:r>
-            <a:r>
-              <a:rPr sz="2200" spc="-30" dirty="0">
-                <a:latin typeface="Arial MT"/>
-                <a:cs typeface="Arial MT"/>
-              </a:rPr>
-              <a:t> </a:t>
-            </a:r>
-            <a:r>
-              <a:rPr sz="2200" dirty="0">
-                <a:latin typeface="Arial MT"/>
-                <a:cs typeface="Arial MT"/>
-              </a:rPr>
-              <a:t>un</a:t>
-            </a:r>
-            <a:r>
-              <a:rPr sz="2200" spc="-30" dirty="0">
-                <a:latin typeface="Arial MT"/>
-                <a:cs typeface="Arial MT"/>
-              </a:rPr>
-              <a:t> </a:t>
-            </a:r>
-            <a:r>
-              <a:rPr sz="2200" spc="-10" dirty="0">
-                <a:latin typeface="Arial MT"/>
-                <a:cs typeface="Arial MT"/>
-              </a:rPr>
-              <a:t>prodotto.</a:t>
-            </a:r>
-            <a:endParaRPr sz="2200">
-              <a:latin typeface="Arial MT"/>
-              <a:cs typeface="Arial MT"/>
+              <a:rPr lang="en-US" sz="2000" dirty="0">
+                <a:latin typeface="Arial" panose="020B0604020202020204" pitchFamily="34" charset="0"/>
+                <a:cs typeface="Arial" panose="020B0604020202020204" pitchFamily="34" charset="0"/>
+              </a:rPr>
+              <a:t>A vending machine for food and drinks allows the selection and purchase of items upon payment of the corresponding amount.</a:t>
+            </a:r>
+            <a:br>
+              <a:rPr lang="en-US" sz="2000" dirty="0">
+                <a:latin typeface="Arial" panose="020B0604020202020204" pitchFamily="34" charset="0"/>
+                <a:cs typeface="Arial" panose="020B0604020202020204" pitchFamily="34" charset="0"/>
+              </a:rPr>
+            </a:br>
+            <a:r>
+              <a:rPr lang="en-US" sz="2000" dirty="0">
+                <a:latin typeface="Arial" panose="020B0604020202020204" pitchFamily="34" charset="0"/>
+                <a:cs typeface="Arial" panose="020B0604020202020204" pitchFamily="34" charset="0"/>
+              </a:rPr>
+              <a:t>To buy a product, the customer must deposit the required amount and select the desired product.</a:t>
+            </a:r>
+            <a:br>
+              <a:rPr lang="en-US" sz="2000" dirty="0">
+                <a:latin typeface="Arial" panose="020B0604020202020204" pitchFamily="34" charset="0"/>
+                <a:cs typeface="Arial" panose="020B0604020202020204" pitchFamily="34" charset="0"/>
+              </a:rPr>
+            </a:br>
+            <a:r>
+              <a:rPr lang="en-US" sz="2000" dirty="0">
+                <a:latin typeface="Arial" panose="020B0604020202020204" pitchFamily="34" charset="0"/>
+                <a:cs typeface="Arial" panose="020B0604020202020204" pitchFamily="34" charset="0"/>
+              </a:rPr>
+              <a:t>Purchase confirmation is done by pressing the corresponding button or, for customers with a key device, by entering a personal code</a:t>
+            </a:r>
+            <a:r>
+              <a:rPr lang="en-US" sz="2000" dirty="0" smtClean="0">
+                <a:latin typeface="Arial" panose="020B0604020202020204" pitchFamily="34" charset="0"/>
+                <a:cs typeface="Arial" panose="020B0604020202020204" pitchFamily="34" charset="0"/>
+              </a:rPr>
+              <a:t>.</a:t>
+            </a:r>
+          </a:p>
+          <a:p>
+            <a:pPr marL="12700" marR="173355">
+              <a:lnSpc>
+                <a:spcPct val="156900"/>
+              </a:lnSpc>
+              <a:spcBef>
+                <a:spcPts val="95"/>
+              </a:spcBef>
+            </a:pPr>
+            <a:endParaRPr lang="en-US" sz="2000" dirty="0">
+              <a:latin typeface="Arial" panose="020B0604020202020204" pitchFamily="34" charset="0"/>
+              <a:cs typeface="Arial" panose="020B0604020202020204" pitchFamily="34" charset="0"/>
             </a:endParaRPr>
           </a:p>
           <a:p>
-            <a:pPr marL="12700">
+            <a:pPr marL="12700" marR="173355">
               <a:lnSpc>
-                <a:spcPct val="100000"/>
+                <a:spcPct val="156900"/>
               </a:lnSpc>
               <a:spcBef>
-                <a:spcPts val="1510"/>
+                <a:spcPts val="95"/>
               </a:spcBef>
             </a:pPr>
             <a:r>
-              <a:rPr sz="2200" b="1" dirty="0">
-                <a:solidFill>
-                  <a:srgbClr val="DB2200"/>
-                </a:solidFill>
-                <a:latin typeface="Arial"/>
-                <a:cs typeface="Arial"/>
-              </a:rPr>
-              <a:t>Come</a:t>
-            </a:r>
-            <a:r>
-              <a:rPr sz="2200" b="1" spc="-75" dirty="0">
-                <a:solidFill>
-                  <a:srgbClr val="DB2200"/>
-                </a:solidFill>
-                <a:latin typeface="Arial"/>
-                <a:cs typeface="Arial"/>
-              </a:rPr>
-              <a:t> </a:t>
-            </a:r>
-            <a:r>
-              <a:rPr sz="2200" b="1" dirty="0">
-                <a:solidFill>
-                  <a:srgbClr val="DB2200"/>
-                </a:solidFill>
-                <a:latin typeface="Arial"/>
-                <a:cs typeface="Arial"/>
-              </a:rPr>
-              <a:t>giudicate</a:t>
-            </a:r>
-            <a:r>
-              <a:rPr sz="2200" b="1" spc="-70" dirty="0">
-                <a:solidFill>
-                  <a:srgbClr val="DB2200"/>
-                </a:solidFill>
-                <a:latin typeface="Arial"/>
-                <a:cs typeface="Arial"/>
-              </a:rPr>
-              <a:t> </a:t>
-            </a:r>
-            <a:r>
-              <a:rPr sz="2200" b="1" dirty="0">
-                <a:solidFill>
-                  <a:srgbClr val="DB2200"/>
-                </a:solidFill>
-                <a:latin typeface="Arial"/>
-                <a:cs typeface="Arial"/>
-              </a:rPr>
-              <a:t>questo</a:t>
-            </a:r>
-            <a:r>
-              <a:rPr sz="2200" b="1" spc="-70" dirty="0">
-                <a:solidFill>
-                  <a:srgbClr val="DB2200"/>
-                </a:solidFill>
-                <a:latin typeface="Arial"/>
-                <a:cs typeface="Arial"/>
-              </a:rPr>
-              <a:t> </a:t>
-            </a:r>
-            <a:r>
-              <a:rPr sz="2200" b="1" dirty="0">
-                <a:solidFill>
-                  <a:srgbClr val="DB2200"/>
-                </a:solidFill>
-                <a:latin typeface="Arial"/>
-                <a:cs typeface="Arial"/>
-              </a:rPr>
-              <a:t>requisito?</a:t>
-            </a:r>
-            <a:r>
-              <a:rPr sz="2200" b="1" spc="-75" dirty="0">
-                <a:solidFill>
-                  <a:srgbClr val="DB2200"/>
-                </a:solidFill>
-                <a:latin typeface="Arial"/>
-                <a:cs typeface="Arial"/>
-              </a:rPr>
-              <a:t> </a:t>
-            </a:r>
-            <a:r>
-              <a:rPr sz="2200" b="1" dirty="0">
-                <a:solidFill>
-                  <a:srgbClr val="DB2200"/>
-                </a:solidFill>
-                <a:latin typeface="Arial"/>
-                <a:cs typeface="Arial"/>
-              </a:rPr>
-              <a:t>Vi</a:t>
-            </a:r>
-            <a:r>
-              <a:rPr sz="2200" b="1" spc="-70" dirty="0">
-                <a:solidFill>
-                  <a:srgbClr val="DB2200"/>
-                </a:solidFill>
-                <a:latin typeface="Arial"/>
-                <a:cs typeface="Arial"/>
-              </a:rPr>
-              <a:t> </a:t>
-            </a:r>
-            <a:r>
-              <a:rPr sz="2200" b="1" dirty="0">
-                <a:solidFill>
-                  <a:srgbClr val="DB2200"/>
-                </a:solidFill>
-                <a:latin typeface="Arial"/>
-                <a:cs typeface="Arial"/>
-              </a:rPr>
-              <a:t>sembra</a:t>
-            </a:r>
-            <a:r>
-              <a:rPr sz="2200" b="1" spc="-75" dirty="0">
-                <a:solidFill>
-                  <a:srgbClr val="DB2200"/>
-                </a:solidFill>
-                <a:latin typeface="Arial"/>
-                <a:cs typeface="Arial"/>
-              </a:rPr>
-              <a:t> </a:t>
-            </a:r>
-            <a:r>
-              <a:rPr sz="2200" b="1" dirty="0">
-                <a:solidFill>
-                  <a:srgbClr val="DB2200"/>
-                </a:solidFill>
-                <a:latin typeface="Arial"/>
-                <a:cs typeface="Arial"/>
-              </a:rPr>
-              <a:t>abbastanza</a:t>
-            </a:r>
-            <a:r>
-              <a:rPr sz="2200" b="1" spc="-75" dirty="0">
-                <a:solidFill>
-                  <a:srgbClr val="DB2200"/>
-                </a:solidFill>
-                <a:latin typeface="Arial"/>
-                <a:cs typeface="Arial"/>
-              </a:rPr>
-              <a:t> </a:t>
-            </a:r>
-            <a:r>
-              <a:rPr sz="2200" b="1" spc="-10" dirty="0">
-                <a:solidFill>
-                  <a:srgbClr val="DB2200"/>
-                </a:solidFill>
-                <a:latin typeface="Arial"/>
-                <a:cs typeface="Arial"/>
-              </a:rPr>
-              <a:t>chiaro?</a:t>
-            </a:r>
-            <a:endParaRPr sz="2200">
-              <a:latin typeface="Arial"/>
-              <a:cs typeface="Arial"/>
+              <a:rPr lang="en-US" sz="2000" dirty="0">
+                <a:latin typeface="Arial" panose="020B0604020202020204" pitchFamily="34" charset="0"/>
+                <a:cs typeface="Arial" panose="020B0604020202020204" pitchFamily="34" charset="0"/>
+              </a:rPr>
+              <a:t/>
+            </a:r>
+            <a:br>
+              <a:rPr lang="en-US" sz="2000" dirty="0">
+                <a:latin typeface="Arial" panose="020B0604020202020204" pitchFamily="34" charset="0"/>
+                <a:cs typeface="Arial" panose="020B0604020202020204" pitchFamily="34" charset="0"/>
+              </a:rPr>
+            </a:br>
+            <a:r>
+              <a:rPr lang="en-US" sz="2000" dirty="0">
+                <a:latin typeface="Arial" panose="020B0604020202020204" pitchFamily="34" charset="0"/>
+                <a:cs typeface="Arial" panose="020B0604020202020204" pitchFamily="34" charset="0"/>
+              </a:rPr>
+              <a:t>If no money has been inserted, pressing the button will display the product's price.</a:t>
+            </a:r>
+            <a:endParaRPr sz="2000" dirty="0">
+              <a:latin typeface="Arial" panose="020B0604020202020204" pitchFamily="34" charset="0"/>
+              <a:cs typeface="Arial" panose="020B0604020202020204" pitchFamily="34" charset="0"/>
             </a:endParaRPr>
           </a:p>
         </p:txBody>
@@ -45521,7 +44710,7 @@
         </p:blipFill>
         <p:spPr>
           <a:xfrm>
-            <a:off x="488707" y="6707664"/>
+            <a:off x="487032" y="6369050"/>
             <a:ext cx="379333" cy="347186"/>
           </a:xfrm>
           <a:prstGeom prst="rect">
@@ -45534,6 +44723,13 @@
   <p:clrMapOvr>
     <a:masterClrMapping/>
   </p:clrMapOvr>
+  <p:timing>
+    <p:tnLst>
+      <p:par>
+        <p:cTn id="1" dur="indefinite" restart="never" nodeType="tmRoot"/>
+      </p:par>
+    </p:tnLst>
+  </p:timing>
 </p:sld>
 </file>
 
@@ -45800,8 +44996,8 @@
         </p:nvSpPr>
         <p:spPr>
           <a:xfrm>
-            <a:off x="910589" y="1512992"/>
-            <a:ext cx="8540115" cy="5130800"/>
+            <a:off x="1304606" y="1615893"/>
+            <a:ext cx="8540115" cy="4937249"/>
           </a:xfrm>
           <a:prstGeom prst="rect">
             <a:avLst/>
@@ -45813,1550 +45009,336 @@
           </a:bodyPr>
           <a:lstStyle/>
           <a:p>
-            <a:pPr marL="12700">
-              <a:lnSpc>
-                <a:spcPct val="100000"/>
-              </a:lnSpc>
-              <a:spcBef>
-                <a:spcPts val="100"/>
-              </a:spcBef>
-            </a:pPr>
-            <a:r>
-              <a:rPr sz="2200" dirty="0">
-                <a:latin typeface="Arial MT"/>
-                <a:cs typeface="Arial MT"/>
-              </a:rPr>
-              <a:t>Chiaramente</a:t>
-            </a:r>
-            <a:r>
-              <a:rPr sz="2200" spc="-65" dirty="0">
-                <a:latin typeface="Arial MT"/>
-                <a:cs typeface="Arial MT"/>
-              </a:rPr>
-              <a:t> </a:t>
-            </a:r>
-            <a:r>
-              <a:rPr sz="2200" dirty="0">
-                <a:latin typeface="Arial MT"/>
-                <a:cs typeface="Arial MT"/>
-              </a:rPr>
-              <a:t>il</a:t>
-            </a:r>
-            <a:r>
-              <a:rPr sz="2200" spc="-45" dirty="0">
-                <a:latin typeface="Arial MT"/>
-                <a:cs typeface="Arial MT"/>
-              </a:rPr>
-              <a:t> </a:t>
-            </a:r>
-            <a:r>
-              <a:rPr sz="2200" dirty="0">
-                <a:latin typeface="Arial MT"/>
-                <a:cs typeface="Arial MT"/>
-              </a:rPr>
-              <a:t>requisito</a:t>
-            </a:r>
-            <a:r>
-              <a:rPr sz="2200" spc="-55" dirty="0">
-                <a:latin typeface="Arial MT"/>
-                <a:cs typeface="Arial MT"/>
-              </a:rPr>
-              <a:t> </a:t>
-            </a:r>
-            <a:r>
-              <a:rPr sz="2200" dirty="0">
-                <a:latin typeface="Arial MT"/>
-                <a:cs typeface="Arial MT"/>
-              </a:rPr>
-              <a:t>è</a:t>
-            </a:r>
-            <a:r>
-              <a:rPr sz="2200" spc="-60" dirty="0">
-                <a:latin typeface="Arial MT"/>
-                <a:cs typeface="Arial MT"/>
-              </a:rPr>
-              <a:t> </a:t>
-            </a:r>
-            <a:r>
-              <a:rPr sz="2200" dirty="0">
-                <a:latin typeface="Arial MT"/>
-                <a:cs typeface="Arial MT"/>
-              </a:rPr>
-              <a:t>ambiguo</a:t>
-            </a:r>
-            <a:r>
-              <a:rPr sz="2200" spc="-50" dirty="0">
-                <a:latin typeface="Arial MT"/>
-                <a:cs typeface="Arial MT"/>
-              </a:rPr>
-              <a:t> </a:t>
-            </a:r>
-            <a:r>
-              <a:rPr sz="2200" dirty="0">
-                <a:latin typeface="Arial MT"/>
-                <a:cs typeface="Arial MT"/>
-              </a:rPr>
-              <a:t>e</a:t>
-            </a:r>
-            <a:r>
-              <a:rPr sz="2200" spc="-60" dirty="0">
-                <a:latin typeface="Arial MT"/>
-                <a:cs typeface="Arial MT"/>
-              </a:rPr>
-              <a:t> </a:t>
-            </a:r>
-            <a:r>
-              <a:rPr sz="2200" dirty="0">
-                <a:latin typeface="Arial MT"/>
-                <a:cs typeface="Arial MT"/>
-              </a:rPr>
-              <a:t>presenta</a:t>
-            </a:r>
-            <a:r>
-              <a:rPr sz="2200" spc="-50" dirty="0">
-                <a:latin typeface="Arial MT"/>
-                <a:cs typeface="Arial MT"/>
-              </a:rPr>
-              <a:t> </a:t>
-            </a:r>
-            <a:r>
-              <a:rPr sz="2200" dirty="0">
-                <a:latin typeface="Arial MT"/>
-                <a:cs typeface="Arial MT"/>
-              </a:rPr>
-              <a:t>molte</a:t>
-            </a:r>
-            <a:r>
-              <a:rPr sz="2200" spc="-60" dirty="0">
-                <a:latin typeface="Arial MT"/>
-                <a:cs typeface="Arial MT"/>
-              </a:rPr>
-              <a:t> </a:t>
-            </a:r>
-            <a:r>
-              <a:rPr sz="2200" spc="-10" dirty="0">
-                <a:latin typeface="Arial MT"/>
-                <a:cs typeface="Arial MT"/>
-              </a:rPr>
-              <a:t>omissioni:</a:t>
-            </a:r>
-            <a:endParaRPr sz="2200">
-              <a:latin typeface="Arial MT"/>
-              <a:cs typeface="Arial MT"/>
+            <a:r>
+              <a:rPr lang="en-US" sz="2000" dirty="0">
+                <a:latin typeface="Arial" panose="020B0604020202020204" pitchFamily="34" charset="0"/>
+                <a:cs typeface="Arial" panose="020B0604020202020204" pitchFamily="34" charset="0"/>
+              </a:rPr>
+              <a:t>Clearly, the requirement is </a:t>
+            </a:r>
+            <a:r>
+              <a:rPr lang="en-US" sz="2000" b="1" dirty="0">
+                <a:latin typeface="Arial" panose="020B0604020202020204" pitchFamily="34" charset="0"/>
+                <a:cs typeface="Arial" panose="020B0604020202020204" pitchFamily="34" charset="0"/>
+              </a:rPr>
+              <a:t>ambiguous</a:t>
+            </a:r>
+            <a:r>
+              <a:rPr lang="en-US" sz="2000" dirty="0">
+                <a:latin typeface="Arial" panose="020B0604020202020204" pitchFamily="34" charset="0"/>
+                <a:cs typeface="Arial" panose="020B0604020202020204" pitchFamily="34" charset="0"/>
+              </a:rPr>
+              <a:t> and has </a:t>
+            </a:r>
+            <a:r>
+              <a:rPr lang="en-US" sz="2000" b="1" dirty="0">
+                <a:latin typeface="Arial" panose="020B0604020202020204" pitchFamily="34" charset="0"/>
+                <a:cs typeface="Arial" panose="020B0604020202020204" pitchFamily="34" charset="0"/>
+              </a:rPr>
+              <a:t>many omissions</a:t>
+            </a:r>
+            <a:r>
+              <a:rPr lang="en-US" sz="2000" dirty="0" smtClean="0">
+                <a:latin typeface="Arial" panose="020B0604020202020204" pitchFamily="34" charset="0"/>
+                <a:cs typeface="Arial" panose="020B0604020202020204" pitchFamily="34" charset="0"/>
+              </a:rPr>
+              <a:t>:</a:t>
+            </a:r>
+            <a:endParaRPr lang="en-US" sz="2000" dirty="0">
+              <a:latin typeface="Arial" panose="020B0604020202020204" pitchFamily="34" charset="0"/>
+              <a:cs typeface="Arial" panose="020B0604020202020204" pitchFamily="34" charset="0"/>
             </a:endParaRPr>
           </a:p>
           <a:p>
-            <a:pPr marL="194945" marR="309880">
-              <a:lnSpc>
-                <a:spcPct val="156900"/>
-              </a:lnSpc>
-              <a:spcBef>
-                <a:spcPts val="210"/>
-              </a:spcBef>
-            </a:pPr>
-            <a:r>
-              <a:rPr sz="1800" dirty="0">
-                <a:latin typeface="Arial MT"/>
-                <a:cs typeface="Arial MT"/>
-              </a:rPr>
-              <a:t>Cosa</a:t>
-            </a:r>
-            <a:r>
-              <a:rPr sz="1800" spc="-30" dirty="0">
-                <a:latin typeface="Arial MT"/>
-                <a:cs typeface="Arial MT"/>
-              </a:rPr>
-              <a:t> </a:t>
-            </a:r>
-            <a:r>
-              <a:rPr sz="1800" dirty="0">
-                <a:latin typeface="Arial MT"/>
-                <a:cs typeface="Arial MT"/>
-              </a:rPr>
-              <a:t>accade</a:t>
-            </a:r>
-            <a:r>
-              <a:rPr sz="1800" spc="-30" dirty="0">
-                <a:latin typeface="Arial MT"/>
-                <a:cs typeface="Arial MT"/>
-              </a:rPr>
-              <a:t> </a:t>
-            </a:r>
-            <a:r>
-              <a:rPr sz="1800" dirty="0">
-                <a:latin typeface="Arial MT"/>
-                <a:cs typeface="Arial MT"/>
-              </a:rPr>
-              <a:t>se</a:t>
-            </a:r>
-            <a:r>
-              <a:rPr sz="1800" spc="-30" dirty="0">
-                <a:latin typeface="Arial MT"/>
-                <a:cs typeface="Arial MT"/>
-              </a:rPr>
-              <a:t> </a:t>
-            </a:r>
-            <a:r>
-              <a:rPr sz="1800" dirty="0">
-                <a:latin typeface="Arial MT"/>
-                <a:cs typeface="Arial MT"/>
-              </a:rPr>
-              <a:t>il</a:t>
-            </a:r>
-            <a:r>
-              <a:rPr sz="1800" spc="-35" dirty="0">
-                <a:latin typeface="Arial MT"/>
-                <a:cs typeface="Arial MT"/>
-              </a:rPr>
-              <a:t> </a:t>
-            </a:r>
-            <a:r>
-              <a:rPr sz="1800" dirty="0">
-                <a:latin typeface="Arial MT"/>
-                <a:cs typeface="Arial MT"/>
-              </a:rPr>
-              <a:t>cliente</a:t>
-            </a:r>
-            <a:r>
-              <a:rPr sz="1800" spc="-30" dirty="0">
-                <a:latin typeface="Arial MT"/>
-                <a:cs typeface="Arial MT"/>
-              </a:rPr>
-              <a:t> </a:t>
-            </a:r>
-            <a:r>
-              <a:rPr sz="1800" dirty="0">
-                <a:latin typeface="Arial MT"/>
-                <a:cs typeface="Arial MT"/>
-              </a:rPr>
-              <a:t>seleziona</a:t>
-            </a:r>
-            <a:r>
-              <a:rPr sz="1800" spc="-30" dirty="0">
-                <a:latin typeface="Arial MT"/>
-                <a:cs typeface="Arial MT"/>
-              </a:rPr>
-              <a:t> </a:t>
-            </a:r>
-            <a:r>
-              <a:rPr sz="1800" dirty="0">
-                <a:latin typeface="Arial MT"/>
-                <a:cs typeface="Arial MT"/>
-              </a:rPr>
-              <a:t>un</a:t>
-            </a:r>
-            <a:r>
-              <a:rPr sz="1800" spc="-25" dirty="0">
-                <a:latin typeface="Arial MT"/>
-                <a:cs typeface="Arial MT"/>
-              </a:rPr>
-              <a:t> </a:t>
-            </a:r>
-            <a:r>
-              <a:rPr sz="1800" dirty="0">
-                <a:latin typeface="Arial MT"/>
-                <a:cs typeface="Arial MT"/>
-              </a:rPr>
-              <a:t>prodotto</a:t>
-            </a:r>
-            <a:r>
-              <a:rPr sz="1800" spc="-30" dirty="0">
-                <a:latin typeface="Arial MT"/>
-                <a:cs typeface="Arial MT"/>
-              </a:rPr>
-              <a:t> </a:t>
-            </a:r>
-            <a:r>
-              <a:rPr sz="1800" dirty="0">
-                <a:latin typeface="Arial MT"/>
-                <a:cs typeface="Arial MT"/>
-              </a:rPr>
-              <a:t>più</a:t>
-            </a:r>
-            <a:r>
-              <a:rPr sz="1800" spc="-30" dirty="0">
-                <a:latin typeface="Arial MT"/>
-                <a:cs typeface="Arial MT"/>
-              </a:rPr>
-              <a:t> </a:t>
-            </a:r>
-            <a:r>
-              <a:rPr sz="1800" dirty="0">
-                <a:latin typeface="Arial MT"/>
-                <a:cs typeface="Arial MT"/>
-              </a:rPr>
-              <a:t>costoso</a:t>
-            </a:r>
-            <a:r>
-              <a:rPr sz="1800" spc="-25" dirty="0">
-                <a:latin typeface="Arial MT"/>
-                <a:cs typeface="Arial MT"/>
-              </a:rPr>
-              <a:t> </a:t>
-            </a:r>
-            <a:r>
-              <a:rPr sz="1800" dirty="0">
-                <a:latin typeface="Arial MT"/>
-                <a:cs typeface="Arial MT"/>
-              </a:rPr>
-              <a:t>rispetto</a:t>
-            </a:r>
-            <a:r>
-              <a:rPr sz="1800" spc="-30" dirty="0">
-                <a:latin typeface="Arial MT"/>
-                <a:cs typeface="Arial MT"/>
-              </a:rPr>
-              <a:t> </a:t>
-            </a:r>
-            <a:r>
-              <a:rPr sz="1800" dirty="0">
-                <a:latin typeface="Arial MT"/>
-                <a:cs typeface="Arial MT"/>
-              </a:rPr>
-              <a:t>alla</a:t>
-            </a:r>
-            <a:r>
-              <a:rPr sz="1800" spc="-30" dirty="0">
-                <a:latin typeface="Arial MT"/>
-                <a:cs typeface="Arial MT"/>
-              </a:rPr>
-              <a:t> </a:t>
-            </a:r>
-            <a:r>
-              <a:rPr sz="1800" spc="-10" dirty="0">
-                <a:latin typeface="Arial MT"/>
-                <a:cs typeface="Arial MT"/>
-              </a:rPr>
-              <a:t>somma inserita?</a:t>
-            </a:r>
-            <a:endParaRPr sz="1800">
-              <a:latin typeface="Arial MT"/>
-              <a:cs typeface="Arial MT"/>
+            <a:r>
+              <a:rPr lang="en-US" sz="2000" dirty="0">
+                <a:latin typeface="Arial" panose="020B0604020202020204" pitchFamily="34" charset="0"/>
+                <a:cs typeface="Arial" panose="020B0604020202020204" pitchFamily="34" charset="0"/>
+              </a:rPr>
+              <a:t>What happens if the customer selects a product that costs </a:t>
+            </a:r>
+            <a:r>
+              <a:rPr lang="en-US" sz="2000" b="1" dirty="0">
+                <a:latin typeface="Arial" panose="020B0604020202020204" pitchFamily="34" charset="0"/>
+                <a:cs typeface="Arial" panose="020B0604020202020204" pitchFamily="34" charset="0"/>
+              </a:rPr>
+              <a:t>more than the inserted amount</a:t>
+            </a:r>
+            <a:r>
+              <a:rPr lang="en-US" sz="2000" dirty="0">
+                <a:latin typeface="Arial" panose="020B0604020202020204" pitchFamily="34" charset="0"/>
+                <a:cs typeface="Arial" panose="020B0604020202020204" pitchFamily="34" charset="0"/>
+              </a:rPr>
+              <a:t>?</a:t>
+            </a:r>
+          </a:p>
+          <a:p>
+            <a:endParaRPr lang="en-US" sz="2000" dirty="0" smtClean="0">
+              <a:latin typeface="Arial" panose="020B0604020202020204" pitchFamily="34" charset="0"/>
+              <a:cs typeface="Arial" panose="020B0604020202020204" pitchFamily="34" charset="0"/>
             </a:endParaRPr>
           </a:p>
           <a:p>
-            <a:pPr marL="194945" marR="11430">
-              <a:lnSpc>
-                <a:spcPct val="157200"/>
-              </a:lnSpc>
-              <a:spcBef>
-                <a:spcPts val="5"/>
-              </a:spcBef>
-            </a:pPr>
-            <a:r>
-              <a:rPr sz="1800" dirty="0">
-                <a:latin typeface="Arial MT"/>
-                <a:cs typeface="Arial MT"/>
-              </a:rPr>
-              <a:t>Selezione</a:t>
-            </a:r>
-            <a:r>
-              <a:rPr sz="1800" spc="-40" dirty="0">
-                <a:latin typeface="Arial MT"/>
-                <a:cs typeface="Arial MT"/>
-              </a:rPr>
-              <a:t> </a:t>
-            </a:r>
-            <a:r>
-              <a:rPr sz="1800" dirty="0">
-                <a:latin typeface="Arial MT"/>
-                <a:cs typeface="Arial MT"/>
-              </a:rPr>
-              <a:t>del</a:t>
-            </a:r>
-            <a:r>
-              <a:rPr sz="1800" spc="-40" dirty="0">
-                <a:latin typeface="Arial MT"/>
-                <a:cs typeface="Arial MT"/>
-              </a:rPr>
-              <a:t> </a:t>
-            </a:r>
-            <a:r>
-              <a:rPr sz="1800" dirty="0">
-                <a:latin typeface="Arial MT"/>
-                <a:cs typeface="Arial MT"/>
-              </a:rPr>
-              <a:t>prodotto</a:t>
-            </a:r>
-            <a:r>
-              <a:rPr sz="1800" spc="-40" dirty="0">
-                <a:latin typeface="Arial MT"/>
-                <a:cs typeface="Arial MT"/>
-              </a:rPr>
-              <a:t> </a:t>
-            </a:r>
-            <a:r>
-              <a:rPr sz="1800" dirty="0">
-                <a:latin typeface="Arial MT"/>
-                <a:cs typeface="Arial MT"/>
-              </a:rPr>
-              <a:t>ed</a:t>
-            </a:r>
-            <a:r>
-              <a:rPr sz="1800" spc="-30" dirty="0">
-                <a:latin typeface="Arial MT"/>
-                <a:cs typeface="Arial MT"/>
-              </a:rPr>
-              <a:t> </a:t>
-            </a:r>
-            <a:r>
-              <a:rPr sz="1800" dirty="0">
-                <a:latin typeface="Arial MT"/>
-                <a:cs typeface="Arial MT"/>
-              </a:rPr>
-              <a:t>inserimento</a:t>
-            </a:r>
-            <a:r>
-              <a:rPr sz="1800" spc="-40" dirty="0">
-                <a:latin typeface="Arial MT"/>
-                <a:cs typeface="Arial MT"/>
-              </a:rPr>
-              <a:t> </a:t>
-            </a:r>
-            <a:r>
-              <a:rPr sz="1800" dirty="0">
-                <a:latin typeface="Arial MT"/>
-                <a:cs typeface="Arial MT"/>
-              </a:rPr>
-              <a:t>dei</a:t>
-            </a:r>
-            <a:r>
-              <a:rPr sz="1800" spc="-35" dirty="0">
-                <a:latin typeface="Arial MT"/>
-                <a:cs typeface="Arial MT"/>
-              </a:rPr>
-              <a:t> </a:t>
-            </a:r>
-            <a:r>
-              <a:rPr sz="1800" dirty="0">
-                <a:latin typeface="Arial MT"/>
-                <a:cs typeface="Arial MT"/>
-              </a:rPr>
-              <a:t>soldi</a:t>
-            </a:r>
-            <a:r>
-              <a:rPr sz="1800" spc="-45" dirty="0">
-                <a:latin typeface="Arial MT"/>
-                <a:cs typeface="Arial MT"/>
-              </a:rPr>
-              <a:t> </a:t>
-            </a:r>
-            <a:r>
-              <a:rPr sz="1800" dirty="0">
-                <a:latin typeface="Arial MT"/>
-                <a:cs typeface="Arial MT"/>
-              </a:rPr>
-              <a:t>devono</a:t>
-            </a:r>
-            <a:r>
-              <a:rPr sz="1800" spc="-40" dirty="0">
-                <a:latin typeface="Arial MT"/>
-                <a:cs typeface="Arial MT"/>
-              </a:rPr>
-              <a:t> </a:t>
-            </a:r>
-            <a:r>
-              <a:rPr sz="1800" dirty="0">
-                <a:latin typeface="Arial MT"/>
-                <a:cs typeface="Arial MT"/>
-              </a:rPr>
-              <a:t>rispettare</a:t>
-            </a:r>
-            <a:r>
-              <a:rPr sz="1800" spc="-40" dirty="0">
-                <a:latin typeface="Arial MT"/>
-                <a:cs typeface="Arial MT"/>
-              </a:rPr>
-              <a:t> </a:t>
-            </a:r>
-            <a:r>
-              <a:rPr sz="1800" dirty="0">
-                <a:latin typeface="Arial MT"/>
-                <a:cs typeface="Arial MT"/>
-              </a:rPr>
-              <a:t>un</a:t>
-            </a:r>
-            <a:r>
-              <a:rPr sz="1800" spc="-40" dirty="0">
-                <a:latin typeface="Arial MT"/>
-                <a:cs typeface="Arial MT"/>
-              </a:rPr>
-              <a:t> </a:t>
-            </a:r>
-            <a:r>
-              <a:rPr sz="1800" dirty="0">
-                <a:latin typeface="Arial MT"/>
-                <a:cs typeface="Arial MT"/>
-              </a:rPr>
-              <a:t>ordine?</a:t>
-            </a:r>
-            <a:r>
-              <a:rPr sz="1800" spc="-35" dirty="0">
-                <a:latin typeface="Arial MT"/>
-                <a:cs typeface="Arial MT"/>
-              </a:rPr>
-              <a:t> </a:t>
-            </a:r>
-            <a:r>
-              <a:rPr sz="1800" spc="-25" dirty="0">
-                <a:latin typeface="Arial MT"/>
-                <a:cs typeface="Arial MT"/>
-              </a:rPr>
-              <a:t>Se </a:t>
-            </a:r>
-            <a:r>
-              <a:rPr sz="1800" dirty="0">
-                <a:latin typeface="Arial MT"/>
-                <a:cs typeface="Arial MT"/>
-              </a:rPr>
-              <a:t>seleziono</a:t>
-            </a:r>
-            <a:r>
-              <a:rPr sz="1800" spc="-40" dirty="0">
-                <a:latin typeface="Arial MT"/>
-                <a:cs typeface="Arial MT"/>
-              </a:rPr>
-              <a:t> </a:t>
-            </a:r>
-            <a:r>
-              <a:rPr sz="1800" dirty="0">
-                <a:latin typeface="Arial MT"/>
-                <a:cs typeface="Arial MT"/>
-              </a:rPr>
-              <a:t>un</a:t>
-            </a:r>
-            <a:r>
-              <a:rPr sz="1800" spc="-35" dirty="0">
-                <a:latin typeface="Arial MT"/>
-                <a:cs typeface="Arial MT"/>
-              </a:rPr>
-              <a:t> </a:t>
-            </a:r>
-            <a:r>
-              <a:rPr sz="1800" dirty="0">
-                <a:latin typeface="Arial MT"/>
-                <a:cs typeface="Arial MT"/>
-              </a:rPr>
-              <a:t>prodotto</a:t>
-            </a:r>
-            <a:r>
-              <a:rPr sz="1800" spc="-35" dirty="0">
-                <a:latin typeface="Arial MT"/>
-                <a:cs typeface="Arial MT"/>
-              </a:rPr>
-              <a:t> </a:t>
-            </a:r>
-            <a:r>
-              <a:rPr sz="1800" dirty="0">
-                <a:latin typeface="Arial MT"/>
-                <a:cs typeface="Arial MT"/>
-              </a:rPr>
-              <a:t>per</a:t>
-            </a:r>
-            <a:r>
-              <a:rPr sz="1800" spc="-20" dirty="0">
-                <a:latin typeface="Arial MT"/>
-                <a:cs typeface="Arial MT"/>
-              </a:rPr>
-              <a:t> </a:t>
-            </a:r>
-            <a:r>
-              <a:rPr sz="1800" dirty="0">
-                <a:latin typeface="Arial MT"/>
-                <a:cs typeface="Arial MT"/>
-              </a:rPr>
-              <a:t>visualizzare</a:t>
-            </a:r>
-            <a:r>
-              <a:rPr sz="1800" spc="-35" dirty="0">
-                <a:latin typeface="Arial MT"/>
-                <a:cs typeface="Arial MT"/>
-              </a:rPr>
-              <a:t> </a:t>
-            </a:r>
-            <a:r>
-              <a:rPr sz="1800" dirty="0">
-                <a:latin typeface="Arial MT"/>
-                <a:cs typeface="Arial MT"/>
-              </a:rPr>
-              <a:t>il</a:t>
-            </a:r>
-            <a:r>
-              <a:rPr sz="1800" spc="-35" dirty="0">
-                <a:latin typeface="Arial MT"/>
-                <a:cs typeface="Arial MT"/>
-              </a:rPr>
-              <a:t> </a:t>
-            </a:r>
-            <a:r>
-              <a:rPr sz="1800" dirty="0">
-                <a:latin typeface="Arial MT"/>
-                <a:cs typeface="Arial MT"/>
-              </a:rPr>
-              <a:t>prezzo</a:t>
-            </a:r>
-            <a:r>
-              <a:rPr sz="1800" spc="-35" dirty="0">
-                <a:latin typeface="Arial MT"/>
-                <a:cs typeface="Arial MT"/>
-              </a:rPr>
-              <a:t> </a:t>
-            </a:r>
-            <a:r>
-              <a:rPr sz="1800" dirty="0">
-                <a:latin typeface="Arial MT"/>
-                <a:cs typeface="Arial MT"/>
-              </a:rPr>
-              <a:t>dunque</a:t>
-            </a:r>
-            <a:r>
-              <a:rPr sz="1800" spc="-35" dirty="0">
-                <a:latin typeface="Arial MT"/>
-                <a:cs typeface="Arial MT"/>
-              </a:rPr>
-              <a:t> </a:t>
-            </a:r>
-            <a:r>
-              <a:rPr sz="1800" dirty="0">
-                <a:latin typeface="Arial MT"/>
-                <a:cs typeface="Arial MT"/>
-              </a:rPr>
-              <a:t>inserisco</a:t>
-            </a:r>
-            <a:r>
-              <a:rPr sz="1800" spc="-35" dirty="0">
-                <a:latin typeface="Arial MT"/>
-                <a:cs typeface="Arial MT"/>
-              </a:rPr>
-              <a:t> </a:t>
-            </a:r>
-            <a:r>
-              <a:rPr sz="1800" dirty="0">
-                <a:latin typeface="Arial MT"/>
-                <a:cs typeface="Arial MT"/>
-              </a:rPr>
-              <a:t>dei</a:t>
-            </a:r>
-            <a:r>
-              <a:rPr sz="1800" spc="-30" dirty="0">
-                <a:latin typeface="Arial MT"/>
-                <a:cs typeface="Arial MT"/>
-              </a:rPr>
-              <a:t> </a:t>
-            </a:r>
-            <a:r>
-              <a:rPr sz="1800" dirty="0">
-                <a:latin typeface="Arial MT"/>
-                <a:cs typeface="Arial MT"/>
-              </a:rPr>
-              <a:t>soldi</a:t>
-            </a:r>
-            <a:r>
-              <a:rPr sz="1800" spc="-30" dirty="0">
-                <a:latin typeface="Arial MT"/>
-                <a:cs typeface="Arial MT"/>
-              </a:rPr>
-              <a:t> </a:t>
-            </a:r>
-            <a:r>
-              <a:rPr sz="1800" dirty="0">
-                <a:latin typeface="Arial MT"/>
-                <a:cs typeface="Arial MT"/>
-              </a:rPr>
-              <a:t>e</a:t>
-            </a:r>
-            <a:r>
-              <a:rPr sz="1800" spc="-40" dirty="0">
-                <a:latin typeface="Arial MT"/>
-                <a:cs typeface="Arial MT"/>
-              </a:rPr>
-              <a:t> </a:t>
-            </a:r>
-            <a:r>
-              <a:rPr sz="1800" dirty="0">
-                <a:latin typeface="Arial MT"/>
-                <a:cs typeface="Arial MT"/>
-              </a:rPr>
-              <a:t>pigio</a:t>
-            </a:r>
-            <a:r>
-              <a:rPr sz="1800" spc="-35" dirty="0">
-                <a:latin typeface="Arial MT"/>
-                <a:cs typeface="Arial MT"/>
-              </a:rPr>
-              <a:t> </a:t>
-            </a:r>
-            <a:r>
-              <a:rPr sz="1800" spc="-25" dirty="0">
-                <a:latin typeface="Arial MT"/>
-                <a:cs typeface="Arial MT"/>
-              </a:rPr>
-              <a:t>il </a:t>
-            </a:r>
-            <a:r>
-              <a:rPr sz="1800" dirty="0">
-                <a:latin typeface="Arial MT"/>
-                <a:cs typeface="Arial MT"/>
-              </a:rPr>
-              <a:t>pulsante</a:t>
-            </a:r>
-            <a:r>
-              <a:rPr sz="1800" spc="-45" dirty="0">
-                <a:latin typeface="Arial MT"/>
-                <a:cs typeface="Arial MT"/>
-              </a:rPr>
-              <a:t> </a:t>
-            </a:r>
-            <a:r>
-              <a:rPr sz="1800" dirty="0">
-                <a:latin typeface="Arial MT"/>
-                <a:cs typeface="Arial MT"/>
-              </a:rPr>
-              <a:t>corrispondente</a:t>
-            </a:r>
-            <a:r>
-              <a:rPr sz="1800" spc="-40" dirty="0">
-                <a:latin typeface="Arial MT"/>
-                <a:cs typeface="Arial MT"/>
-              </a:rPr>
-              <a:t> </a:t>
-            </a:r>
-            <a:r>
-              <a:rPr sz="1800" dirty="0">
-                <a:latin typeface="Arial MT"/>
-                <a:cs typeface="Arial MT"/>
-              </a:rPr>
-              <a:t>di</a:t>
-            </a:r>
-            <a:r>
-              <a:rPr sz="1800" spc="-35" dirty="0">
-                <a:latin typeface="Arial MT"/>
-                <a:cs typeface="Arial MT"/>
-              </a:rPr>
-              <a:t> </a:t>
-            </a:r>
-            <a:r>
-              <a:rPr sz="1800" dirty="0">
-                <a:latin typeface="Arial MT"/>
-                <a:cs typeface="Arial MT"/>
-              </a:rPr>
-              <a:t>conferma</a:t>
-            </a:r>
-            <a:r>
-              <a:rPr sz="1800" spc="-55" dirty="0">
-                <a:latin typeface="Arial MT"/>
-                <a:cs typeface="Arial MT"/>
-              </a:rPr>
-              <a:t> </a:t>
-            </a:r>
-            <a:r>
-              <a:rPr sz="1800" dirty="0">
-                <a:latin typeface="Arial MT"/>
-                <a:cs typeface="Arial MT"/>
-              </a:rPr>
-              <a:t>il</a:t>
-            </a:r>
-            <a:r>
-              <a:rPr sz="1800" spc="-35" dirty="0">
-                <a:latin typeface="Arial MT"/>
-                <a:cs typeface="Arial MT"/>
-              </a:rPr>
-              <a:t> </a:t>
-            </a:r>
-            <a:r>
-              <a:rPr sz="1800" dirty="0">
-                <a:latin typeface="Arial MT"/>
-                <a:cs typeface="Arial MT"/>
-              </a:rPr>
-              <a:t>prodotto</a:t>
-            </a:r>
-            <a:r>
-              <a:rPr sz="1800" spc="-40" dirty="0">
-                <a:latin typeface="Arial MT"/>
-                <a:cs typeface="Arial MT"/>
-              </a:rPr>
-              <a:t> </a:t>
-            </a:r>
-            <a:r>
-              <a:rPr sz="1800" dirty="0">
-                <a:latin typeface="Arial MT"/>
-                <a:cs typeface="Arial MT"/>
-              </a:rPr>
-              <a:t>sarà</a:t>
-            </a:r>
-            <a:r>
-              <a:rPr sz="1800" spc="-40" dirty="0">
-                <a:latin typeface="Arial MT"/>
-                <a:cs typeface="Arial MT"/>
-              </a:rPr>
-              <a:t> </a:t>
-            </a:r>
-            <a:r>
-              <a:rPr sz="1800" dirty="0">
-                <a:latin typeface="Arial MT"/>
-                <a:cs typeface="Arial MT"/>
-              </a:rPr>
-              <a:t>erogato</a:t>
-            </a:r>
-            <a:r>
-              <a:rPr sz="1800" spc="-55" dirty="0">
-                <a:latin typeface="Arial MT"/>
-                <a:cs typeface="Arial MT"/>
-              </a:rPr>
-              <a:t> </a:t>
-            </a:r>
-            <a:r>
-              <a:rPr sz="1800" dirty="0">
-                <a:latin typeface="Arial MT"/>
-                <a:cs typeface="Arial MT"/>
-              </a:rPr>
-              <a:t>oppure</a:t>
-            </a:r>
-            <a:r>
-              <a:rPr sz="1800" spc="-40" dirty="0">
-                <a:latin typeface="Arial MT"/>
-                <a:cs typeface="Arial MT"/>
-              </a:rPr>
-              <a:t> </a:t>
-            </a:r>
-            <a:r>
-              <a:rPr sz="1800" spc="-25" dirty="0">
-                <a:latin typeface="Arial MT"/>
-                <a:cs typeface="Arial MT"/>
-              </a:rPr>
-              <a:t>no?</a:t>
-            </a:r>
-            <a:endParaRPr sz="1800">
-              <a:latin typeface="Arial MT"/>
-              <a:cs typeface="Arial MT"/>
+            <a:r>
+              <a:rPr lang="en-US" sz="2000" dirty="0" smtClean="0">
+                <a:latin typeface="Arial" panose="020B0604020202020204" pitchFamily="34" charset="0"/>
+                <a:cs typeface="Arial" panose="020B0604020202020204" pitchFamily="34" charset="0"/>
+              </a:rPr>
+              <a:t>Does </a:t>
+            </a:r>
+            <a:r>
+              <a:rPr lang="en-US" sz="2000" dirty="0">
+                <a:latin typeface="Arial" panose="020B0604020202020204" pitchFamily="34" charset="0"/>
+                <a:cs typeface="Arial" panose="020B0604020202020204" pitchFamily="34" charset="0"/>
+              </a:rPr>
+              <a:t>the </a:t>
+            </a:r>
+            <a:r>
+              <a:rPr lang="en-US" sz="2000" b="1" dirty="0">
+                <a:latin typeface="Arial" panose="020B0604020202020204" pitchFamily="34" charset="0"/>
+                <a:cs typeface="Arial" panose="020B0604020202020204" pitchFamily="34" charset="0"/>
+              </a:rPr>
+              <a:t>order of product selection and money insertion</a:t>
+            </a:r>
+            <a:r>
+              <a:rPr lang="en-US" sz="2000" dirty="0">
+                <a:latin typeface="Arial" panose="020B0604020202020204" pitchFamily="34" charset="0"/>
+                <a:cs typeface="Arial" panose="020B0604020202020204" pitchFamily="34" charset="0"/>
+              </a:rPr>
+              <a:t> matter?</a:t>
+            </a:r>
+          </a:p>
+          <a:p>
+            <a:r>
+              <a:rPr lang="en-US" sz="2000" dirty="0" smtClean="0">
+                <a:latin typeface="Arial" panose="020B0604020202020204" pitchFamily="34" charset="0"/>
+                <a:cs typeface="Arial" panose="020B0604020202020204" pitchFamily="34" charset="0"/>
+              </a:rPr>
+              <a:t>If </a:t>
+            </a:r>
+            <a:r>
+              <a:rPr lang="en-US" sz="2000" dirty="0">
+                <a:latin typeface="Arial" panose="020B0604020202020204" pitchFamily="34" charset="0"/>
+                <a:cs typeface="Arial" panose="020B0604020202020204" pitchFamily="34" charset="0"/>
+              </a:rPr>
+              <a:t>I select a product to see the price, then insert money and press the confirmation button — will the product be dispensed or not?</a:t>
+            </a:r>
+          </a:p>
+          <a:p>
+            <a:endParaRPr lang="en-US" sz="2000" dirty="0" smtClean="0">
+              <a:latin typeface="Arial" panose="020B0604020202020204" pitchFamily="34" charset="0"/>
+              <a:cs typeface="Arial" panose="020B0604020202020204" pitchFamily="34" charset="0"/>
             </a:endParaRPr>
           </a:p>
           <a:p>
-            <a:pPr marL="194945" marR="5080">
-              <a:lnSpc>
-                <a:spcPct val="156900"/>
-              </a:lnSpc>
-              <a:spcBef>
-                <a:spcPts val="10"/>
-              </a:spcBef>
-            </a:pPr>
-            <a:r>
-              <a:rPr sz="1800" dirty="0">
-                <a:latin typeface="Arial MT"/>
-                <a:cs typeface="Arial MT"/>
-              </a:rPr>
-              <a:t>La</a:t>
-            </a:r>
-            <a:r>
-              <a:rPr sz="1800" spc="-20" dirty="0">
-                <a:latin typeface="Arial MT"/>
-                <a:cs typeface="Arial MT"/>
-              </a:rPr>
-              <a:t> </a:t>
-            </a:r>
-            <a:r>
-              <a:rPr sz="1800" dirty="0">
-                <a:latin typeface="Arial MT"/>
-                <a:cs typeface="Arial MT"/>
-              </a:rPr>
-              <a:t>selezione</a:t>
-            </a:r>
-            <a:r>
-              <a:rPr sz="1800" spc="-30" dirty="0">
-                <a:latin typeface="Arial MT"/>
-                <a:cs typeface="Arial MT"/>
-              </a:rPr>
-              <a:t> </a:t>
-            </a:r>
-            <a:r>
-              <a:rPr sz="1800" dirty="0">
-                <a:latin typeface="Arial MT"/>
-                <a:cs typeface="Arial MT"/>
-              </a:rPr>
-              <a:t>del</a:t>
-            </a:r>
-            <a:r>
-              <a:rPr sz="1800" spc="-25" dirty="0">
-                <a:latin typeface="Arial MT"/>
-                <a:cs typeface="Arial MT"/>
-              </a:rPr>
-              <a:t> </a:t>
-            </a:r>
-            <a:r>
-              <a:rPr sz="1800" dirty="0">
-                <a:latin typeface="Arial MT"/>
-                <a:cs typeface="Arial MT"/>
-              </a:rPr>
-              <a:t>prodotto</a:t>
-            </a:r>
-            <a:r>
-              <a:rPr sz="1800" spc="-25" dirty="0">
-                <a:latin typeface="Arial MT"/>
-                <a:cs typeface="Arial MT"/>
-              </a:rPr>
-              <a:t> </a:t>
-            </a:r>
-            <a:r>
-              <a:rPr sz="1800" dirty="0">
-                <a:latin typeface="Arial MT"/>
-                <a:cs typeface="Arial MT"/>
-              </a:rPr>
-              <a:t>e</a:t>
-            </a:r>
-            <a:r>
-              <a:rPr sz="1800" spc="-30" dirty="0">
-                <a:latin typeface="Arial MT"/>
-                <a:cs typeface="Arial MT"/>
-              </a:rPr>
-              <a:t> </a:t>
-            </a:r>
-            <a:r>
-              <a:rPr sz="1800" dirty="0">
-                <a:latin typeface="Arial MT"/>
-                <a:cs typeface="Arial MT"/>
-              </a:rPr>
-              <a:t>la</a:t>
-            </a:r>
-            <a:r>
-              <a:rPr sz="1800" spc="-25" dirty="0">
-                <a:latin typeface="Arial MT"/>
-                <a:cs typeface="Arial MT"/>
-              </a:rPr>
-              <a:t> </a:t>
-            </a:r>
-            <a:r>
-              <a:rPr sz="1800" dirty="0">
-                <a:latin typeface="Arial MT"/>
-                <a:cs typeface="Arial MT"/>
-              </a:rPr>
-              <a:t>conferma</a:t>
-            </a:r>
-            <a:r>
-              <a:rPr sz="1800" spc="-40" dirty="0">
-                <a:latin typeface="Arial MT"/>
-                <a:cs typeface="Arial MT"/>
-              </a:rPr>
-              <a:t> </a:t>
-            </a:r>
-            <a:r>
-              <a:rPr sz="1800" dirty="0">
-                <a:latin typeface="Arial MT"/>
-                <a:cs typeface="Arial MT"/>
-              </a:rPr>
-              <a:t>dovrà</a:t>
-            </a:r>
-            <a:r>
-              <a:rPr sz="1800" spc="-30" dirty="0">
-                <a:latin typeface="Arial MT"/>
-                <a:cs typeface="Arial MT"/>
-              </a:rPr>
-              <a:t> </a:t>
-            </a:r>
-            <a:r>
-              <a:rPr sz="1800" dirty="0">
-                <a:latin typeface="Arial MT"/>
-                <a:cs typeface="Arial MT"/>
-              </a:rPr>
-              <a:t>avvenire</a:t>
-            </a:r>
-            <a:r>
-              <a:rPr sz="1800" spc="-25" dirty="0">
-                <a:latin typeface="Arial MT"/>
-                <a:cs typeface="Arial MT"/>
-              </a:rPr>
-              <a:t> </a:t>
-            </a:r>
-            <a:r>
-              <a:rPr sz="1800" dirty="0">
-                <a:latin typeface="Arial MT"/>
-                <a:cs typeface="Arial MT"/>
-              </a:rPr>
-              <a:t>tramite</a:t>
-            </a:r>
-            <a:r>
-              <a:rPr sz="1800" spc="-30" dirty="0">
-                <a:latin typeface="Arial MT"/>
-                <a:cs typeface="Arial MT"/>
-              </a:rPr>
-              <a:t> </a:t>
-            </a:r>
-            <a:r>
-              <a:rPr sz="1800" dirty="0">
-                <a:latin typeface="Arial MT"/>
-                <a:cs typeface="Arial MT"/>
-              </a:rPr>
-              <a:t>lo</a:t>
-            </a:r>
-            <a:r>
-              <a:rPr sz="1800" spc="-35" dirty="0">
-                <a:latin typeface="Arial MT"/>
-                <a:cs typeface="Arial MT"/>
-              </a:rPr>
-              <a:t> </a:t>
-            </a:r>
-            <a:r>
-              <a:rPr sz="1800" dirty="0">
-                <a:latin typeface="Arial MT"/>
-                <a:cs typeface="Arial MT"/>
-              </a:rPr>
-              <a:t>stesso</a:t>
-            </a:r>
-            <a:r>
-              <a:rPr sz="1800" spc="-30" dirty="0">
-                <a:latin typeface="Arial MT"/>
-                <a:cs typeface="Arial MT"/>
-              </a:rPr>
-              <a:t> </a:t>
-            </a:r>
-            <a:r>
-              <a:rPr sz="1800" spc="-10" dirty="0">
-                <a:latin typeface="Arial MT"/>
-                <a:cs typeface="Arial MT"/>
-              </a:rPr>
-              <a:t>pulsante? </a:t>
-            </a:r>
-            <a:r>
-              <a:rPr sz="1800" dirty="0">
-                <a:latin typeface="Arial MT"/>
-                <a:cs typeface="Arial MT"/>
-              </a:rPr>
-              <a:t>Cosa</a:t>
-            </a:r>
-            <a:r>
-              <a:rPr sz="1800" spc="-40" dirty="0">
-                <a:latin typeface="Arial MT"/>
-                <a:cs typeface="Arial MT"/>
-              </a:rPr>
-              <a:t> </a:t>
-            </a:r>
-            <a:r>
-              <a:rPr sz="1800" dirty="0">
-                <a:latin typeface="Arial MT"/>
-                <a:cs typeface="Arial MT"/>
-              </a:rPr>
-              <a:t>accade</a:t>
-            </a:r>
-            <a:r>
-              <a:rPr sz="1800" spc="-30" dirty="0">
-                <a:latin typeface="Arial MT"/>
-                <a:cs typeface="Arial MT"/>
-              </a:rPr>
-              <a:t> </a:t>
-            </a:r>
-            <a:r>
-              <a:rPr sz="1800" dirty="0">
-                <a:latin typeface="Arial MT"/>
-                <a:cs typeface="Arial MT"/>
-              </a:rPr>
-              <a:t>se</a:t>
-            </a:r>
-            <a:r>
-              <a:rPr sz="1800" spc="-25" dirty="0">
-                <a:latin typeface="Arial MT"/>
-                <a:cs typeface="Arial MT"/>
-              </a:rPr>
-              <a:t> </a:t>
-            </a:r>
-            <a:r>
-              <a:rPr sz="1800" dirty="0">
-                <a:latin typeface="Arial MT"/>
-                <a:cs typeface="Arial MT"/>
-              </a:rPr>
-              <a:t>inserisco</a:t>
-            </a:r>
-            <a:r>
-              <a:rPr sz="1800" spc="-30" dirty="0">
-                <a:latin typeface="Arial MT"/>
-                <a:cs typeface="Arial MT"/>
-              </a:rPr>
-              <a:t> </a:t>
-            </a:r>
-            <a:r>
-              <a:rPr sz="1800" dirty="0">
-                <a:latin typeface="Arial MT"/>
-                <a:cs typeface="Arial MT"/>
-              </a:rPr>
-              <a:t>soldi</a:t>
-            </a:r>
-            <a:r>
-              <a:rPr sz="1800" spc="-20" dirty="0">
-                <a:latin typeface="Arial MT"/>
-                <a:cs typeface="Arial MT"/>
-              </a:rPr>
-              <a:t> </a:t>
-            </a:r>
-            <a:r>
-              <a:rPr sz="1800" dirty="0">
-                <a:latin typeface="Arial MT"/>
-                <a:cs typeface="Arial MT"/>
-              </a:rPr>
-              <a:t>mentre</a:t>
-            </a:r>
-            <a:r>
-              <a:rPr sz="1800" spc="-30" dirty="0">
-                <a:latin typeface="Arial MT"/>
-                <a:cs typeface="Arial MT"/>
-              </a:rPr>
-              <a:t> </a:t>
-            </a:r>
-            <a:r>
-              <a:rPr sz="1800" dirty="0">
-                <a:latin typeface="Arial MT"/>
-                <a:cs typeface="Arial MT"/>
-              </a:rPr>
-              <a:t>una</a:t>
-            </a:r>
-            <a:r>
-              <a:rPr sz="1800" spc="-25" dirty="0">
-                <a:latin typeface="Arial MT"/>
-                <a:cs typeface="Arial MT"/>
-              </a:rPr>
-              <a:t> </a:t>
-            </a:r>
-            <a:r>
-              <a:rPr sz="1800" dirty="0">
-                <a:latin typeface="Arial MT"/>
-                <a:cs typeface="Arial MT"/>
-              </a:rPr>
-              <a:t>chiave</a:t>
-            </a:r>
-            <a:r>
-              <a:rPr sz="1800" spc="-30" dirty="0">
-                <a:latin typeface="Arial MT"/>
-                <a:cs typeface="Arial MT"/>
-              </a:rPr>
-              <a:t> </a:t>
-            </a:r>
-            <a:r>
-              <a:rPr sz="1800" dirty="0">
-                <a:latin typeface="Arial MT"/>
-                <a:cs typeface="Arial MT"/>
-              </a:rPr>
-              <a:t>è</a:t>
-            </a:r>
-            <a:r>
-              <a:rPr sz="1800" spc="-25" dirty="0">
-                <a:latin typeface="Arial MT"/>
-                <a:cs typeface="Arial MT"/>
-              </a:rPr>
-              <a:t> </a:t>
-            </a:r>
-            <a:r>
-              <a:rPr sz="1800" spc="-10" dirty="0">
-                <a:latin typeface="Arial MT"/>
-                <a:cs typeface="Arial MT"/>
-              </a:rPr>
-              <a:t>inserita?</a:t>
-            </a:r>
-            <a:endParaRPr sz="1800">
-              <a:latin typeface="Arial MT"/>
-              <a:cs typeface="Arial MT"/>
+            <a:endParaRPr lang="en-US" sz="2000" dirty="0">
+              <a:latin typeface="Arial" panose="020B0604020202020204" pitchFamily="34" charset="0"/>
+              <a:cs typeface="Arial" panose="020B0604020202020204" pitchFamily="34" charset="0"/>
             </a:endParaRPr>
           </a:p>
           <a:p>
-            <a:pPr marL="194945">
-              <a:lnSpc>
-                <a:spcPct val="100000"/>
-              </a:lnSpc>
-              <a:spcBef>
-                <a:spcPts val="1240"/>
-              </a:spcBef>
-            </a:pPr>
-            <a:r>
-              <a:rPr sz="1800" dirty="0">
-                <a:latin typeface="Arial MT"/>
-                <a:cs typeface="Arial MT"/>
-              </a:rPr>
-              <a:t>Cosa</a:t>
-            </a:r>
-            <a:r>
-              <a:rPr sz="1800" spc="-35" dirty="0">
-                <a:latin typeface="Arial MT"/>
-                <a:cs typeface="Arial MT"/>
-              </a:rPr>
-              <a:t> </a:t>
-            </a:r>
-            <a:r>
-              <a:rPr sz="1800" dirty="0">
-                <a:latin typeface="Arial MT"/>
-                <a:cs typeface="Arial MT"/>
-              </a:rPr>
-              <a:t>accade</a:t>
-            </a:r>
-            <a:r>
-              <a:rPr sz="1800" spc="-30" dirty="0">
-                <a:latin typeface="Arial MT"/>
-                <a:cs typeface="Arial MT"/>
-              </a:rPr>
-              <a:t> </a:t>
-            </a:r>
-            <a:r>
-              <a:rPr sz="1800" dirty="0">
-                <a:latin typeface="Arial MT"/>
-                <a:cs typeface="Arial MT"/>
-              </a:rPr>
-              <a:t>se</a:t>
-            </a:r>
-            <a:r>
-              <a:rPr sz="1800" spc="-25" dirty="0">
-                <a:latin typeface="Arial MT"/>
-                <a:cs typeface="Arial MT"/>
-              </a:rPr>
-              <a:t> </a:t>
-            </a:r>
-            <a:r>
-              <a:rPr sz="1800" dirty="0">
-                <a:latin typeface="Arial MT"/>
-                <a:cs typeface="Arial MT"/>
-              </a:rPr>
-              <a:t>il</a:t>
-            </a:r>
-            <a:r>
-              <a:rPr sz="1800" spc="-25" dirty="0">
-                <a:latin typeface="Arial MT"/>
-                <a:cs typeface="Arial MT"/>
-              </a:rPr>
-              <a:t> </a:t>
-            </a:r>
-            <a:r>
-              <a:rPr sz="1800" dirty="0">
-                <a:latin typeface="Arial MT"/>
-                <a:cs typeface="Arial MT"/>
-              </a:rPr>
-              <a:t>codice</a:t>
-            </a:r>
-            <a:r>
-              <a:rPr sz="1800" spc="-25" dirty="0">
-                <a:latin typeface="Arial MT"/>
-                <a:cs typeface="Arial MT"/>
-              </a:rPr>
-              <a:t> </a:t>
-            </a:r>
-            <a:r>
-              <a:rPr sz="1800" dirty="0">
-                <a:latin typeface="Arial MT"/>
-                <a:cs typeface="Arial MT"/>
-              </a:rPr>
-              <a:t>personale</a:t>
-            </a:r>
-            <a:r>
-              <a:rPr sz="1800" spc="-25" dirty="0">
-                <a:latin typeface="Arial MT"/>
-                <a:cs typeface="Arial MT"/>
-              </a:rPr>
-              <a:t> </a:t>
-            </a:r>
-            <a:r>
-              <a:rPr sz="1800" dirty="0">
-                <a:latin typeface="Arial MT"/>
-                <a:cs typeface="Arial MT"/>
-              </a:rPr>
-              <a:t>è</a:t>
-            </a:r>
-            <a:r>
-              <a:rPr sz="1800" spc="-25" dirty="0">
-                <a:latin typeface="Arial MT"/>
-                <a:cs typeface="Arial MT"/>
-              </a:rPr>
-              <a:t> </a:t>
-            </a:r>
-            <a:r>
-              <a:rPr sz="1800" spc="-10" dirty="0">
-                <a:latin typeface="Arial MT"/>
-                <a:cs typeface="Arial MT"/>
-              </a:rPr>
-              <a:t>errato?</a:t>
-            </a:r>
-            <a:endParaRPr sz="1800">
-              <a:latin typeface="Arial MT"/>
-              <a:cs typeface="Arial MT"/>
+            <a:r>
+              <a:rPr lang="en-US" sz="2000" dirty="0" smtClean="0">
+                <a:latin typeface="Arial" panose="020B0604020202020204" pitchFamily="34" charset="0"/>
+                <a:cs typeface="Arial" panose="020B0604020202020204" pitchFamily="34" charset="0"/>
+              </a:rPr>
+              <a:t>Is </a:t>
+            </a:r>
+            <a:r>
+              <a:rPr lang="en-US" sz="2000" b="1" dirty="0">
+                <a:latin typeface="Arial" panose="020B0604020202020204" pitchFamily="34" charset="0"/>
+                <a:cs typeface="Arial" panose="020B0604020202020204" pitchFamily="34" charset="0"/>
+              </a:rPr>
+              <a:t>product selection and confirmation</a:t>
+            </a:r>
+            <a:r>
+              <a:rPr lang="en-US" sz="2000" dirty="0">
+                <a:latin typeface="Arial" panose="020B0604020202020204" pitchFamily="34" charset="0"/>
+                <a:cs typeface="Arial" panose="020B0604020202020204" pitchFamily="34" charset="0"/>
+              </a:rPr>
+              <a:t> done with the </a:t>
+            </a:r>
+            <a:r>
+              <a:rPr lang="en-US" sz="2000" b="1" dirty="0">
+                <a:latin typeface="Arial" panose="020B0604020202020204" pitchFamily="34" charset="0"/>
+                <a:cs typeface="Arial" panose="020B0604020202020204" pitchFamily="34" charset="0"/>
+              </a:rPr>
+              <a:t>same button</a:t>
+            </a:r>
+            <a:r>
+              <a:rPr lang="en-US" sz="2000" dirty="0">
+                <a:latin typeface="Arial" panose="020B0604020202020204" pitchFamily="34" charset="0"/>
+                <a:cs typeface="Arial" panose="020B0604020202020204" pitchFamily="34" charset="0"/>
+              </a:rPr>
+              <a:t>?</a:t>
+            </a:r>
+          </a:p>
+          <a:p>
+            <a:endParaRPr lang="en-US" sz="2000" dirty="0" smtClean="0">
+              <a:latin typeface="Arial" panose="020B0604020202020204" pitchFamily="34" charset="0"/>
+              <a:cs typeface="Arial" panose="020B0604020202020204" pitchFamily="34" charset="0"/>
             </a:endParaRPr>
           </a:p>
           <a:p>
-            <a:pPr marL="194945" marR="1060450">
-              <a:lnSpc>
-                <a:spcPts val="3400"/>
-              </a:lnSpc>
-              <a:spcBef>
-                <a:spcPts val="310"/>
-              </a:spcBef>
-            </a:pPr>
-            <a:r>
-              <a:rPr sz="1800" dirty="0">
-                <a:latin typeface="Arial MT"/>
-                <a:cs typeface="Arial MT"/>
-              </a:rPr>
-              <a:t>Come</a:t>
-            </a:r>
-            <a:r>
-              <a:rPr sz="1800" spc="-35" dirty="0">
-                <a:latin typeface="Arial MT"/>
-                <a:cs typeface="Arial MT"/>
-              </a:rPr>
-              <a:t> </a:t>
-            </a:r>
-            <a:r>
-              <a:rPr sz="1800" dirty="0">
-                <a:latin typeface="Arial MT"/>
-                <a:cs typeface="Arial MT"/>
-              </a:rPr>
-              <a:t>posso</a:t>
-            </a:r>
-            <a:r>
-              <a:rPr sz="1800" spc="-40" dirty="0">
-                <a:latin typeface="Arial MT"/>
-                <a:cs typeface="Arial MT"/>
-              </a:rPr>
-              <a:t> </a:t>
-            </a:r>
-            <a:r>
-              <a:rPr sz="1800" dirty="0">
-                <a:latin typeface="Arial MT"/>
-                <a:cs typeface="Arial MT"/>
-              </a:rPr>
-              <a:t>depositare</a:t>
-            </a:r>
-            <a:r>
-              <a:rPr sz="1800" spc="-35" dirty="0">
-                <a:latin typeface="Arial MT"/>
-                <a:cs typeface="Arial MT"/>
-              </a:rPr>
-              <a:t> </a:t>
-            </a:r>
-            <a:r>
-              <a:rPr sz="1800" dirty="0">
-                <a:latin typeface="Arial MT"/>
-                <a:cs typeface="Arial MT"/>
-              </a:rPr>
-              <a:t>soldi</a:t>
-            </a:r>
-            <a:r>
-              <a:rPr sz="1800" spc="-25" dirty="0">
-                <a:latin typeface="Arial MT"/>
-                <a:cs typeface="Arial MT"/>
-              </a:rPr>
-              <a:t> </a:t>
-            </a:r>
-            <a:r>
-              <a:rPr sz="1800" dirty="0">
-                <a:latin typeface="Arial MT"/>
-                <a:cs typeface="Arial MT"/>
-              </a:rPr>
-              <a:t>aumentando</a:t>
-            </a:r>
-            <a:r>
-              <a:rPr sz="1800" spc="-35" dirty="0">
-                <a:latin typeface="Arial MT"/>
-                <a:cs typeface="Arial MT"/>
-              </a:rPr>
-              <a:t> </a:t>
-            </a:r>
-            <a:r>
-              <a:rPr sz="1800" dirty="0">
-                <a:latin typeface="Arial MT"/>
-                <a:cs typeface="Arial MT"/>
-              </a:rPr>
-              <a:t>il</a:t>
-            </a:r>
-            <a:r>
-              <a:rPr sz="1800" spc="-25" dirty="0">
-                <a:latin typeface="Arial MT"/>
-                <a:cs typeface="Arial MT"/>
-              </a:rPr>
-              <a:t> </a:t>
-            </a:r>
-            <a:r>
-              <a:rPr sz="1800" dirty="0">
-                <a:latin typeface="Arial MT"/>
-                <a:cs typeface="Arial MT"/>
-              </a:rPr>
-              <a:t>credito</a:t>
-            </a:r>
-            <a:r>
-              <a:rPr sz="1800" spc="-45" dirty="0">
-                <a:latin typeface="Arial MT"/>
-                <a:cs typeface="Arial MT"/>
-              </a:rPr>
-              <a:t> </a:t>
-            </a:r>
-            <a:r>
-              <a:rPr sz="1800" dirty="0">
-                <a:latin typeface="Arial MT"/>
-                <a:cs typeface="Arial MT"/>
-              </a:rPr>
-              <a:t>su</a:t>
-            </a:r>
-            <a:r>
-              <a:rPr sz="1800" spc="-30" dirty="0">
-                <a:latin typeface="Arial MT"/>
-                <a:cs typeface="Arial MT"/>
-              </a:rPr>
-              <a:t> </a:t>
-            </a:r>
-            <a:r>
-              <a:rPr sz="1800" dirty="0">
-                <a:latin typeface="Arial MT"/>
-                <a:cs typeface="Arial MT"/>
-              </a:rPr>
-              <a:t>di</a:t>
-            </a:r>
-            <a:r>
-              <a:rPr sz="1800" spc="-30" dirty="0">
-                <a:latin typeface="Arial MT"/>
-                <a:cs typeface="Arial MT"/>
-              </a:rPr>
-              <a:t> </a:t>
-            </a:r>
-            <a:r>
-              <a:rPr sz="1800" dirty="0">
-                <a:latin typeface="Arial MT"/>
-                <a:cs typeface="Arial MT"/>
-              </a:rPr>
-              <a:t>una</a:t>
-            </a:r>
-            <a:r>
-              <a:rPr sz="1800" spc="-30" dirty="0">
-                <a:latin typeface="Arial MT"/>
-                <a:cs typeface="Arial MT"/>
-              </a:rPr>
-              <a:t> </a:t>
-            </a:r>
-            <a:r>
-              <a:rPr sz="1800" spc="-10" dirty="0">
-                <a:latin typeface="Arial MT"/>
-                <a:cs typeface="Arial MT"/>
-              </a:rPr>
-              <a:t>chiavetta? </a:t>
-            </a:r>
-            <a:r>
-              <a:rPr sz="1800" dirty="0">
-                <a:latin typeface="Arial MT"/>
-                <a:cs typeface="Arial MT"/>
-              </a:rPr>
-              <a:t>E'</a:t>
-            </a:r>
-            <a:r>
-              <a:rPr sz="1800" spc="-25" dirty="0">
-                <a:latin typeface="Arial MT"/>
-                <a:cs typeface="Arial MT"/>
-              </a:rPr>
-              <a:t> </a:t>
-            </a:r>
-            <a:r>
-              <a:rPr sz="1800" dirty="0">
-                <a:latin typeface="Arial MT"/>
-                <a:cs typeface="Arial MT"/>
-              </a:rPr>
-              <a:t>possibile</a:t>
-            </a:r>
-            <a:r>
-              <a:rPr sz="1800" spc="-35" dirty="0">
-                <a:latin typeface="Arial MT"/>
-                <a:cs typeface="Arial MT"/>
-              </a:rPr>
-              <a:t> </a:t>
-            </a:r>
-            <a:r>
-              <a:rPr sz="1800" dirty="0">
-                <a:latin typeface="Arial MT"/>
-                <a:cs typeface="Arial MT"/>
-              </a:rPr>
-              <a:t>avere</a:t>
-            </a:r>
-            <a:r>
-              <a:rPr sz="1800" spc="-30" dirty="0">
-                <a:latin typeface="Arial MT"/>
-                <a:cs typeface="Arial MT"/>
-              </a:rPr>
-              <a:t> </a:t>
-            </a:r>
-            <a:r>
-              <a:rPr sz="1800" dirty="0">
-                <a:latin typeface="Arial MT"/>
-                <a:cs typeface="Arial MT"/>
-              </a:rPr>
-              <a:t>più</a:t>
-            </a:r>
-            <a:r>
-              <a:rPr sz="1800" spc="-35" dirty="0">
-                <a:latin typeface="Arial MT"/>
-                <a:cs typeface="Arial MT"/>
-              </a:rPr>
-              <a:t> </a:t>
-            </a:r>
-            <a:r>
-              <a:rPr sz="1800" dirty="0">
-                <a:latin typeface="Arial MT"/>
-                <a:cs typeface="Arial MT"/>
-              </a:rPr>
-              <a:t>prodotti</a:t>
-            </a:r>
-            <a:r>
-              <a:rPr sz="1800" spc="-25" dirty="0">
-                <a:latin typeface="Arial MT"/>
-                <a:cs typeface="Arial MT"/>
-              </a:rPr>
-              <a:t> </a:t>
-            </a:r>
-            <a:r>
-              <a:rPr sz="1800" dirty="0">
-                <a:latin typeface="Arial MT"/>
-                <a:cs typeface="Arial MT"/>
-              </a:rPr>
-              <a:t>alla</a:t>
-            </a:r>
-            <a:r>
-              <a:rPr sz="1800" spc="-35" dirty="0">
-                <a:latin typeface="Arial MT"/>
-                <a:cs typeface="Arial MT"/>
-              </a:rPr>
-              <a:t> </a:t>
-            </a:r>
-            <a:r>
-              <a:rPr sz="1800" spc="-10" dirty="0">
-                <a:latin typeface="Arial MT"/>
-                <a:cs typeface="Arial MT"/>
-              </a:rPr>
-              <a:t>volta?</a:t>
-            </a:r>
-            <a:endParaRPr sz="1800">
-              <a:latin typeface="Arial MT"/>
-              <a:cs typeface="Arial MT"/>
+            <a:r>
+              <a:rPr lang="en-US" sz="2000" dirty="0" smtClean="0">
+                <a:latin typeface="Arial" panose="020B0604020202020204" pitchFamily="34" charset="0"/>
+                <a:cs typeface="Arial" panose="020B0604020202020204" pitchFamily="34" charset="0"/>
+              </a:rPr>
+              <a:t>What </a:t>
+            </a:r>
+            <a:r>
+              <a:rPr lang="en-US" sz="2000" dirty="0">
+                <a:latin typeface="Arial" panose="020B0604020202020204" pitchFamily="34" charset="0"/>
+                <a:cs typeface="Arial" panose="020B0604020202020204" pitchFamily="34" charset="0"/>
+              </a:rPr>
+              <a:t>happens if I insert </a:t>
+            </a:r>
+            <a:r>
+              <a:rPr lang="en-US" sz="2000" b="1" dirty="0">
+                <a:latin typeface="Arial" panose="020B0604020202020204" pitchFamily="34" charset="0"/>
+                <a:cs typeface="Arial" panose="020B0604020202020204" pitchFamily="34" charset="0"/>
+              </a:rPr>
+              <a:t>money while a key is already inserted</a:t>
+            </a:r>
+            <a:r>
+              <a:rPr lang="en-US" sz="2000" dirty="0" smtClean="0">
+                <a:latin typeface="Arial" panose="020B0604020202020204" pitchFamily="34" charset="0"/>
+                <a:cs typeface="Arial" panose="020B0604020202020204" pitchFamily="34" charset="0"/>
+              </a:rPr>
+              <a:t>?</a:t>
+            </a:r>
+          </a:p>
+          <a:p>
+            <a:r>
+              <a:rPr lang="en-US" sz="2000" dirty="0" smtClean="0">
+                <a:latin typeface="Arial" panose="020B0604020202020204" pitchFamily="34" charset="0"/>
+                <a:cs typeface="Arial" panose="020B0604020202020204" pitchFamily="34" charset="0"/>
+              </a:rPr>
+              <a:t>What </a:t>
+            </a:r>
+            <a:r>
+              <a:rPr lang="en-US" sz="2000" dirty="0">
+                <a:latin typeface="Arial" panose="020B0604020202020204" pitchFamily="34" charset="0"/>
+                <a:cs typeface="Arial" panose="020B0604020202020204" pitchFamily="34" charset="0"/>
+              </a:rPr>
+              <a:t>happens if the </a:t>
+            </a:r>
+            <a:r>
+              <a:rPr lang="en-US" sz="2000" b="1" dirty="0">
+                <a:latin typeface="Arial" panose="020B0604020202020204" pitchFamily="34" charset="0"/>
+                <a:cs typeface="Arial" panose="020B0604020202020204" pitchFamily="34" charset="0"/>
+              </a:rPr>
+              <a:t>personal code is wrong</a:t>
+            </a:r>
+            <a:r>
+              <a:rPr lang="en-US" sz="2000" dirty="0" smtClean="0">
+                <a:latin typeface="Arial" panose="020B0604020202020204" pitchFamily="34" charset="0"/>
+                <a:cs typeface="Arial" panose="020B0604020202020204" pitchFamily="34" charset="0"/>
+              </a:rPr>
+              <a:t>?</a:t>
+            </a:r>
+          </a:p>
+          <a:p>
+            <a:r>
+              <a:rPr lang="en-US" sz="2000" dirty="0" smtClean="0">
+                <a:latin typeface="Arial" panose="020B0604020202020204" pitchFamily="34" charset="0"/>
+                <a:cs typeface="Arial" panose="020B0604020202020204" pitchFamily="34" charset="0"/>
+              </a:rPr>
+              <a:t>How </a:t>
+            </a:r>
+            <a:r>
+              <a:rPr lang="en-US" sz="2000" dirty="0">
+                <a:latin typeface="Arial" panose="020B0604020202020204" pitchFamily="34" charset="0"/>
+                <a:cs typeface="Arial" panose="020B0604020202020204" pitchFamily="34" charset="0"/>
+              </a:rPr>
+              <a:t>can I </a:t>
+            </a:r>
+            <a:r>
+              <a:rPr lang="en-US" sz="2000" b="1" dirty="0">
+                <a:latin typeface="Arial" panose="020B0604020202020204" pitchFamily="34" charset="0"/>
+                <a:cs typeface="Arial" panose="020B0604020202020204" pitchFamily="34" charset="0"/>
+              </a:rPr>
+              <a:t>add money to increase the balance</a:t>
+            </a:r>
+            <a:r>
+              <a:rPr lang="en-US" sz="2000" dirty="0">
+                <a:latin typeface="Arial" panose="020B0604020202020204" pitchFamily="34" charset="0"/>
+                <a:cs typeface="Arial" panose="020B0604020202020204" pitchFamily="34" charset="0"/>
+              </a:rPr>
+              <a:t> on a key</a:t>
+            </a:r>
+            <a:r>
+              <a:rPr lang="en-US" sz="2000" dirty="0" smtClean="0">
+                <a:latin typeface="Arial" panose="020B0604020202020204" pitchFamily="34" charset="0"/>
+                <a:cs typeface="Arial" panose="020B0604020202020204" pitchFamily="34" charset="0"/>
+              </a:rPr>
+              <a:t>?</a:t>
+            </a:r>
+          </a:p>
+          <a:p>
+            <a:r>
+              <a:rPr lang="en-US" sz="2000" dirty="0" smtClean="0">
+                <a:latin typeface="Arial" panose="020B0604020202020204" pitchFamily="34" charset="0"/>
+                <a:cs typeface="Arial" panose="020B0604020202020204" pitchFamily="34" charset="0"/>
+              </a:rPr>
+              <a:t>Is </a:t>
+            </a:r>
+            <a:r>
+              <a:rPr lang="en-US" sz="2000" dirty="0">
+                <a:latin typeface="Arial" panose="020B0604020202020204" pitchFamily="34" charset="0"/>
+                <a:cs typeface="Arial" panose="020B0604020202020204" pitchFamily="34" charset="0"/>
+              </a:rPr>
+              <a:t>it possible to </a:t>
+            </a:r>
+            <a:r>
+              <a:rPr lang="en-US" sz="2000" b="1" dirty="0">
+                <a:latin typeface="Arial" panose="020B0604020202020204" pitchFamily="34" charset="0"/>
+                <a:cs typeface="Arial" panose="020B0604020202020204" pitchFamily="34" charset="0"/>
+              </a:rPr>
+              <a:t>buy multiple products at once</a:t>
+            </a:r>
+            <a:r>
+              <a:rPr lang="en-US" sz="2000" dirty="0" smtClean="0">
+                <a:latin typeface="Arial" panose="020B0604020202020204" pitchFamily="34" charset="0"/>
+                <a:cs typeface="Arial" panose="020B0604020202020204" pitchFamily="34" charset="0"/>
+              </a:rPr>
+              <a:t>?</a:t>
+            </a:r>
+            <a:endParaRPr lang="en-US" sz="2000" dirty="0">
+              <a:latin typeface="Arial" panose="020B0604020202020204" pitchFamily="34" charset="0"/>
+              <a:cs typeface="Arial" panose="020B0604020202020204" pitchFamily="34" charset="0"/>
             </a:endParaRPr>
           </a:p>
           <a:p>
-            <a:pPr marL="194945">
-              <a:lnSpc>
-                <a:spcPct val="100000"/>
-              </a:lnSpc>
-              <a:spcBef>
-                <a:spcPts val="919"/>
-              </a:spcBef>
-            </a:pPr>
-            <a:r>
-              <a:rPr sz="1800" b="1" dirty="0">
-                <a:solidFill>
-                  <a:srgbClr val="DB2200"/>
-                </a:solidFill>
-                <a:latin typeface="Arial"/>
-                <a:cs typeface="Arial"/>
-              </a:rPr>
-              <a:t>IL</a:t>
-            </a:r>
-            <a:r>
-              <a:rPr sz="1800" b="1" spc="-10" dirty="0">
-                <a:solidFill>
-                  <a:srgbClr val="DB2200"/>
-                </a:solidFill>
-                <a:latin typeface="Arial"/>
-                <a:cs typeface="Arial"/>
-              </a:rPr>
-              <a:t> RESTO!!!</a:t>
-            </a:r>
-            <a:endParaRPr sz="1800">
-              <a:latin typeface="Arial"/>
-              <a:cs typeface="Arial"/>
-            </a:endParaRPr>
+            <a:r>
+              <a:rPr lang="en-US" sz="2000" dirty="0" smtClean="0">
+                <a:latin typeface="Arial" panose="020B0604020202020204" pitchFamily="34" charset="0"/>
+                <a:cs typeface="Arial" panose="020B0604020202020204" pitchFamily="34" charset="0"/>
+              </a:rPr>
+              <a:t>And </a:t>
+            </a:r>
+            <a:r>
+              <a:rPr lang="en-US" sz="2000" dirty="0">
+                <a:latin typeface="Arial" panose="020B0604020202020204" pitchFamily="34" charset="0"/>
+                <a:cs typeface="Arial" panose="020B0604020202020204" pitchFamily="34" charset="0"/>
+              </a:rPr>
+              <a:t>what about the </a:t>
+            </a:r>
+            <a:r>
+              <a:rPr lang="en-US" sz="2000" b="1" dirty="0">
+                <a:latin typeface="Arial" panose="020B0604020202020204" pitchFamily="34" charset="0"/>
+                <a:cs typeface="Arial" panose="020B0604020202020204" pitchFamily="34" charset="0"/>
+              </a:rPr>
+              <a:t>change</a:t>
+            </a:r>
+            <a:r>
+              <a:rPr lang="en-US" sz="2000" dirty="0">
+                <a:latin typeface="Arial" panose="020B0604020202020204" pitchFamily="34" charset="0"/>
+                <a:cs typeface="Arial" panose="020B0604020202020204" pitchFamily="34" charset="0"/>
+              </a:rPr>
+              <a:t>?!</a:t>
+            </a:r>
           </a:p>
         </p:txBody>
       </p:sp>
@@ -47365,6 +45347,13 @@
   <p:clrMapOvr>
     <a:masterClrMapping/>
   </p:clrMapOvr>
+  <p:timing>
+    <p:tnLst>
+      <p:par>
+        <p:cTn id="1" dur="indefinite" restart="never" nodeType="tmRoot"/>
+      </p:par>
+    </p:tnLst>
+  </p:timing>
 </p:sld>
 </file>
 
@@ -47387,8 +45376,8 @@
       </p:grpSpPr>
       <p:sp>
         <p:nvSpPr>
-          <p:cNvPr id="2" name="object 2"/>
-          <p:cNvSpPr txBox="1">
+          <p:cNvPr id="46" name="Title 45"/>
+          <p:cNvSpPr>
             <a:spLocks noGrp="1"/>
           </p:cNvSpPr>
           <p:nvPr>
@@ -47396,2262 +45385,253 @@
           </p:nvPr>
         </p:nvSpPr>
         <p:spPr>
-          <a:prstGeom prst="rect">
-            <a:avLst/>
-          </a:prstGeom>
+          <a:xfrm>
+            <a:off x="692388" y="425450"/>
+            <a:ext cx="8686324" cy="1460574"/>
+          </a:xfrm>
         </p:spPr>
         <p:txBody>
-          <a:bodyPr vert="horz" wrap="square" lIns="0" tIns="13970" rIns="0" bIns="0" rtlCol="0">
-            <a:spAutoFit/>
-          </a:bodyPr>
+          <a:bodyPr/>
           <a:lstStyle/>
           <a:p>
-            <a:pPr marL="1229995">
-              <a:lnSpc>
-                <a:spcPct val="100000"/>
-              </a:lnSpc>
-              <a:spcBef>
-                <a:spcPts val="110"/>
-              </a:spcBef>
-            </a:pPr>
-            <a:r>
-              <a:rPr spc="-10" dirty="0"/>
-              <a:t>DABC</a:t>
-            </a:r>
-            <a:r>
-              <a:rPr spc="-140" dirty="0"/>
-              <a:t> </a:t>
-            </a:r>
-            <a:r>
-              <a:rPr dirty="0"/>
-              <a:t>in</a:t>
-            </a:r>
-            <a:r>
-              <a:rPr spc="-125" dirty="0"/>
-              <a:t> </a:t>
-            </a:r>
-            <a:r>
-              <a:rPr dirty="0"/>
-              <a:t>un</a:t>
-            </a:r>
-            <a:r>
-              <a:rPr spc="-114" dirty="0"/>
-              <a:t> </a:t>
-            </a:r>
-            <a:r>
-              <a:rPr spc="-20" dirty="0"/>
-              <a:t>Formato</a:t>
-            </a:r>
-            <a:r>
-              <a:rPr spc="-125" dirty="0"/>
-              <a:t> </a:t>
-            </a:r>
-            <a:r>
-              <a:rPr spc="-10" dirty="0"/>
-              <a:t>Strutturato</a:t>
+            <a:r>
+              <a:rPr lang="en-US" dirty="0" smtClean="0">
+                <a:latin typeface="Arial" panose="020B0604020202020204" pitchFamily="34" charset="0"/>
+                <a:cs typeface="Arial" panose="020B0604020202020204" pitchFamily="34" charset="0"/>
+              </a:rPr>
+              <a:t>DABC </a:t>
+            </a:r>
+            <a:r>
+              <a:rPr lang="en-US" dirty="0">
+                <a:latin typeface="Arial" panose="020B0604020202020204" pitchFamily="34" charset="0"/>
+                <a:cs typeface="Arial" panose="020B0604020202020204" pitchFamily="34" charset="0"/>
+              </a:rPr>
+              <a:t>in a Structured Format</a:t>
             </a:r>
           </a:p>
         </p:txBody>
       </p:sp>
       <p:sp>
         <p:nvSpPr>
-          <p:cNvPr id="3" name="object 3"/>
-          <p:cNvSpPr txBox="1"/>
-          <p:nvPr/>
+          <p:cNvPr id="47" name="Content Placeholder 46"/>
+          <p:cNvSpPr>
+            <a:spLocks noGrp="1"/>
+          </p:cNvSpPr>
+          <p:nvPr>
+            <p:ph idx="1"/>
+          </p:nvPr>
         </p:nvSpPr>
         <p:spPr>
           <a:xfrm>
-            <a:off x="453390" y="1939290"/>
-            <a:ext cx="9144000" cy="5420360"/>
+            <a:off x="692388" y="2101850"/>
+            <a:ext cx="8686324" cy="4704248"/>
           </a:xfrm>
-          <a:prstGeom prst="rect">
-            <a:avLst/>
-          </a:prstGeom>
         </p:spPr>
         <p:txBody>
-          <a:bodyPr vert="horz" wrap="square" lIns="0" tIns="156210" rIns="0" bIns="0" rtlCol="0">
-            <a:spAutoFit/>
+          <a:bodyPr>
+            <a:normAutofit fontScale="62500" lnSpcReduction="20000"/>
           </a:bodyPr>
           <a:lstStyle/>
           <a:p>
-            <a:pPr marL="12700">
-              <a:lnSpc>
-                <a:spcPct val="100000"/>
-              </a:lnSpc>
-              <a:spcBef>
-                <a:spcPts val="1230"/>
-              </a:spcBef>
-            </a:pPr>
-            <a:r>
-              <a:rPr sz="1600" b="1" dirty="0">
-                <a:latin typeface="Arial"/>
-                <a:cs typeface="Arial"/>
-              </a:rPr>
-              <a:t>Function</a:t>
-            </a:r>
-            <a:r>
-              <a:rPr sz="1600" dirty="0">
-                <a:latin typeface="Arial MT"/>
-                <a:cs typeface="Arial MT"/>
-              </a:rPr>
-              <a:t>:</a:t>
-            </a:r>
-            <a:r>
-              <a:rPr sz="1600" spc="-20" dirty="0">
-                <a:latin typeface="Arial MT"/>
-                <a:cs typeface="Arial MT"/>
-              </a:rPr>
-              <a:t> </a:t>
-            </a:r>
-            <a:r>
-              <a:rPr sz="1600" dirty="0">
-                <a:latin typeface="Arial MT"/>
-                <a:cs typeface="Arial MT"/>
-              </a:rPr>
-              <a:t>Acquisto</a:t>
-            </a:r>
-            <a:r>
-              <a:rPr sz="1600" spc="-25" dirty="0">
-                <a:latin typeface="Arial MT"/>
-                <a:cs typeface="Arial MT"/>
-              </a:rPr>
-              <a:t> </a:t>
-            </a:r>
-            <a:r>
-              <a:rPr sz="1600" dirty="0">
-                <a:latin typeface="Arial MT"/>
-                <a:cs typeface="Arial MT"/>
-              </a:rPr>
-              <a:t>di</a:t>
-            </a:r>
-            <a:r>
-              <a:rPr sz="1600" spc="-20" dirty="0">
-                <a:latin typeface="Arial MT"/>
-                <a:cs typeface="Arial MT"/>
-              </a:rPr>
-              <a:t> </a:t>
-            </a:r>
-            <a:r>
-              <a:rPr sz="1600" dirty="0">
-                <a:latin typeface="Arial MT"/>
-                <a:cs typeface="Arial MT"/>
-              </a:rPr>
-              <a:t>un</a:t>
-            </a:r>
-            <a:r>
-              <a:rPr sz="1600" spc="-20" dirty="0">
-                <a:latin typeface="Arial MT"/>
-                <a:cs typeface="Arial MT"/>
-              </a:rPr>
-              <a:t> </a:t>
-            </a:r>
-            <a:r>
-              <a:rPr sz="1600" dirty="0">
-                <a:latin typeface="Arial MT"/>
-                <a:cs typeface="Arial MT"/>
-              </a:rPr>
-              <a:t>prodotto</a:t>
-            </a:r>
-            <a:r>
-              <a:rPr sz="1600" spc="-25" dirty="0">
-                <a:latin typeface="Arial MT"/>
-                <a:cs typeface="Arial MT"/>
-              </a:rPr>
-              <a:t> </a:t>
-            </a:r>
-            <a:r>
-              <a:rPr sz="1600" dirty="0">
-                <a:latin typeface="Arial MT"/>
-                <a:cs typeface="Arial MT"/>
-              </a:rPr>
-              <a:t>in</a:t>
-            </a:r>
-            <a:r>
-              <a:rPr sz="1600" spc="-25" dirty="0">
-                <a:latin typeface="Arial MT"/>
-                <a:cs typeface="Arial MT"/>
-              </a:rPr>
-              <a:t> </a:t>
-            </a:r>
-            <a:r>
-              <a:rPr sz="1600" spc="-10" dirty="0">
-                <a:latin typeface="Arial MT"/>
-                <a:cs typeface="Arial MT"/>
-              </a:rPr>
-              <a:t>contanti</a:t>
-            </a:r>
-            <a:endParaRPr sz="1600">
-              <a:latin typeface="Arial MT"/>
-              <a:cs typeface="Arial MT"/>
+            <a:r>
+              <a:rPr lang="en-US" b="1" dirty="0">
+                <a:latin typeface="Arial" panose="020B0604020202020204" pitchFamily="34" charset="0"/>
+                <a:cs typeface="Arial" panose="020B0604020202020204" pitchFamily="34" charset="0"/>
+              </a:rPr>
+              <a:t>Function:</a:t>
+            </a:r>
+          </a:p>
+          <a:p>
+            <a:r>
+              <a:rPr lang="en-US" b="1" dirty="0">
+                <a:latin typeface="Arial" panose="020B0604020202020204" pitchFamily="34" charset="0"/>
+                <a:cs typeface="Arial" panose="020B0604020202020204" pitchFamily="34" charset="0"/>
+              </a:rPr>
+              <a:t>Purchase of a product with cash</a:t>
+            </a:r>
+          </a:p>
+          <a:p>
+            <a:r>
+              <a:rPr lang="en-US" b="1" dirty="0">
+                <a:latin typeface="Arial" panose="020B0604020202020204" pitchFamily="34" charset="0"/>
+                <a:cs typeface="Arial" panose="020B0604020202020204" pitchFamily="34" charset="0"/>
+              </a:rPr>
+              <a:t>Description:</a:t>
+            </a:r>
+          </a:p>
+          <a:p>
+            <a:r>
+              <a:rPr lang="en-US" dirty="0">
+                <a:latin typeface="Arial" panose="020B0604020202020204" pitchFamily="34" charset="0"/>
+                <a:cs typeface="Arial" panose="020B0604020202020204" pitchFamily="34" charset="0"/>
+              </a:rPr>
+              <a:t>Process that allows a customer to purchase a product by paying the corresponding amount in cash.</a:t>
+            </a:r>
+          </a:p>
+          <a:p>
+            <a:r>
+              <a:rPr lang="en-US" b="1" dirty="0">
+                <a:latin typeface="Arial" panose="020B0604020202020204" pitchFamily="34" charset="0"/>
+                <a:cs typeface="Arial" panose="020B0604020202020204" pitchFamily="34" charset="0"/>
+              </a:rPr>
+              <a:t>Inputs: </a:t>
+            </a:r>
+            <a:r>
+              <a:rPr lang="en-US" dirty="0">
+                <a:latin typeface="Arial" panose="020B0604020202020204" pitchFamily="34" charset="0"/>
+                <a:cs typeface="Arial" panose="020B0604020202020204" pitchFamily="34" charset="0"/>
+              </a:rPr>
+              <a:t>Coins, Product </a:t>
+            </a:r>
+            <a:r>
+              <a:rPr lang="en-US" dirty="0" err="1">
+                <a:latin typeface="Arial" panose="020B0604020202020204" pitchFamily="34" charset="0"/>
+                <a:cs typeface="Arial" panose="020B0604020202020204" pitchFamily="34" charset="0"/>
+              </a:rPr>
+              <a:t>selection,Confirmation</a:t>
+            </a:r>
+            <a:endParaRPr lang="en-US" dirty="0">
+              <a:latin typeface="Arial" panose="020B0604020202020204" pitchFamily="34" charset="0"/>
+              <a:cs typeface="Arial" panose="020B0604020202020204" pitchFamily="34" charset="0"/>
             </a:endParaRPr>
           </a:p>
           <a:p>
-            <a:pPr marL="469900" marR="661670" indent="-457200">
-              <a:lnSpc>
-                <a:spcPct val="158900"/>
-              </a:lnSpc>
-            </a:pPr>
-            <a:r>
-              <a:rPr sz="1600" b="1" dirty="0">
-                <a:latin typeface="Arial"/>
-                <a:cs typeface="Arial"/>
-              </a:rPr>
-              <a:t>Description</a:t>
-            </a:r>
-            <a:r>
-              <a:rPr sz="1600" dirty="0">
-                <a:latin typeface="Arial MT"/>
-                <a:cs typeface="Arial MT"/>
-              </a:rPr>
-              <a:t>:</a:t>
-            </a:r>
-            <a:r>
-              <a:rPr sz="1600" spc="-25" dirty="0">
-                <a:latin typeface="Arial MT"/>
-                <a:cs typeface="Arial MT"/>
-              </a:rPr>
-              <a:t> </a:t>
-            </a:r>
-            <a:r>
-              <a:rPr sz="1600" dirty="0">
-                <a:latin typeface="Arial MT"/>
-                <a:cs typeface="Arial MT"/>
-              </a:rPr>
-              <a:t>processo</a:t>
-            </a:r>
-            <a:r>
-              <a:rPr sz="1600" spc="-30" dirty="0">
-                <a:latin typeface="Arial MT"/>
-                <a:cs typeface="Arial MT"/>
-              </a:rPr>
-              <a:t> </a:t>
-            </a:r>
-            <a:r>
-              <a:rPr sz="1600" dirty="0">
-                <a:latin typeface="Arial MT"/>
-                <a:cs typeface="Arial MT"/>
-              </a:rPr>
-              <a:t>che</a:t>
-            </a:r>
-            <a:r>
-              <a:rPr sz="1600" spc="-30" dirty="0">
-                <a:latin typeface="Arial MT"/>
-                <a:cs typeface="Arial MT"/>
-              </a:rPr>
-              <a:t> </a:t>
-            </a:r>
-            <a:r>
-              <a:rPr sz="1600" dirty="0">
-                <a:latin typeface="Arial MT"/>
-                <a:cs typeface="Arial MT"/>
-              </a:rPr>
-              <a:t>permette</a:t>
-            </a:r>
-            <a:r>
-              <a:rPr sz="1600" spc="-20" dirty="0">
-                <a:latin typeface="Arial MT"/>
-                <a:cs typeface="Arial MT"/>
-              </a:rPr>
-              <a:t> </a:t>
-            </a:r>
-            <a:r>
-              <a:rPr sz="1600" dirty="0">
-                <a:latin typeface="Arial MT"/>
-                <a:cs typeface="Arial MT"/>
-              </a:rPr>
-              <a:t>ad</a:t>
-            </a:r>
-            <a:r>
-              <a:rPr sz="1600" spc="-20" dirty="0">
-                <a:latin typeface="Arial MT"/>
-                <a:cs typeface="Arial MT"/>
-              </a:rPr>
-              <a:t> </a:t>
-            </a:r>
-            <a:r>
-              <a:rPr sz="1600" dirty="0">
-                <a:latin typeface="Arial MT"/>
-                <a:cs typeface="Arial MT"/>
-              </a:rPr>
-              <a:t>un</a:t>
-            </a:r>
-            <a:r>
-              <a:rPr sz="1600" spc="-15" dirty="0">
-                <a:latin typeface="Arial MT"/>
-                <a:cs typeface="Arial MT"/>
-              </a:rPr>
-              <a:t> </a:t>
-            </a:r>
-            <a:r>
-              <a:rPr sz="1600" dirty="0">
-                <a:latin typeface="Arial MT"/>
-                <a:cs typeface="Arial MT"/>
-              </a:rPr>
-              <a:t>cliente</a:t>
-            </a:r>
-            <a:r>
-              <a:rPr sz="1600" spc="-30" dirty="0">
-                <a:latin typeface="Arial MT"/>
-                <a:cs typeface="Arial MT"/>
-              </a:rPr>
-              <a:t> </a:t>
-            </a:r>
-            <a:r>
-              <a:rPr sz="1600" dirty="0">
-                <a:latin typeface="Arial MT"/>
-                <a:cs typeface="Arial MT"/>
-              </a:rPr>
-              <a:t>di</a:t>
-            </a:r>
-            <a:r>
-              <a:rPr sz="1600" spc="-15" dirty="0">
-                <a:latin typeface="Arial MT"/>
-                <a:cs typeface="Arial MT"/>
-              </a:rPr>
-              <a:t> </a:t>
-            </a:r>
-            <a:r>
-              <a:rPr sz="1600" dirty="0">
-                <a:latin typeface="Arial MT"/>
-                <a:cs typeface="Arial MT"/>
-              </a:rPr>
-              <a:t>acquistare</a:t>
-            </a:r>
-            <a:r>
-              <a:rPr sz="1600" spc="-20" dirty="0">
-                <a:latin typeface="Arial MT"/>
-                <a:cs typeface="Arial MT"/>
-              </a:rPr>
-              <a:t> </a:t>
-            </a:r>
-            <a:r>
-              <a:rPr sz="1600" dirty="0">
-                <a:latin typeface="Arial MT"/>
-                <a:cs typeface="Arial MT"/>
-              </a:rPr>
-              <a:t>un</a:t>
-            </a:r>
-            <a:r>
-              <a:rPr sz="1600" spc="-20" dirty="0">
-                <a:latin typeface="Arial MT"/>
-                <a:cs typeface="Arial MT"/>
-              </a:rPr>
-              <a:t> </a:t>
-            </a:r>
-            <a:r>
-              <a:rPr sz="1600" dirty="0">
-                <a:latin typeface="Arial MT"/>
-                <a:cs typeface="Arial MT"/>
-              </a:rPr>
-              <a:t>bene</a:t>
-            </a:r>
-            <a:r>
-              <a:rPr sz="1600" spc="-20" dirty="0">
-                <a:latin typeface="Arial MT"/>
-                <a:cs typeface="Arial MT"/>
-              </a:rPr>
-              <a:t> </a:t>
-            </a:r>
-            <a:r>
-              <a:rPr sz="1600" dirty="0">
-                <a:latin typeface="Arial MT"/>
-                <a:cs typeface="Arial MT"/>
-              </a:rPr>
-              <a:t>dietro</a:t>
-            </a:r>
-            <a:r>
-              <a:rPr sz="1600" spc="-30" dirty="0">
-                <a:latin typeface="Arial MT"/>
-                <a:cs typeface="Arial MT"/>
-              </a:rPr>
-              <a:t> </a:t>
-            </a:r>
-            <a:r>
-              <a:rPr sz="1600" dirty="0">
-                <a:latin typeface="Arial MT"/>
-                <a:cs typeface="Arial MT"/>
-              </a:rPr>
-              <a:t>pagamento</a:t>
-            </a:r>
-            <a:r>
-              <a:rPr sz="1600" spc="-25" dirty="0">
-                <a:latin typeface="Arial MT"/>
-                <a:cs typeface="Arial MT"/>
-              </a:rPr>
-              <a:t> del </a:t>
-            </a:r>
-            <a:r>
-              <a:rPr sz="1600" dirty="0">
-                <a:latin typeface="Arial MT"/>
-                <a:cs typeface="Arial MT"/>
-              </a:rPr>
-              <a:t>corrispettivo</a:t>
-            </a:r>
-            <a:r>
-              <a:rPr sz="1600" spc="-25" dirty="0">
-                <a:latin typeface="Arial MT"/>
-                <a:cs typeface="Arial MT"/>
-              </a:rPr>
-              <a:t> </a:t>
-            </a:r>
-            <a:r>
-              <a:rPr sz="1600" dirty="0">
-                <a:latin typeface="Arial MT"/>
-                <a:cs typeface="Arial MT"/>
-              </a:rPr>
-              <a:t>in</a:t>
-            </a:r>
-            <a:r>
-              <a:rPr sz="1600" spc="-15" dirty="0">
-                <a:latin typeface="Arial MT"/>
-                <a:cs typeface="Arial MT"/>
-              </a:rPr>
-              <a:t> </a:t>
-            </a:r>
-            <a:r>
-              <a:rPr sz="1600" spc="-10" dirty="0">
-                <a:latin typeface="Arial MT"/>
-                <a:cs typeface="Arial MT"/>
-              </a:rPr>
-              <a:t>denaro</a:t>
-            </a:r>
-            <a:endParaRPr sz="1600">
-              <a:latin typeface="Arial MT"/>
-              <a:cs typeface="Arial MT"/>
-            </a:endParaRPr>
+            <a:r>
+              <a:rPr lang="en-US" b="1" dirty="0">
+                <a:latin typeface="Arial" panose="020B0604020202020204" pitchFamily="34" charset="0"/>
+                <a:cs typeface="Arial" panose="020B0604020202020204" pitchFamily="34" charset="0"/>
+              </a:rPr>
+              <a:t>Output: </a:t>
+            </a:r>
+            <a:r>
+              <a:rPr lang="en-US" dirty="0">
+                <a:latin typeface="Arial" panose="020B0604020202020204" pitchFamily="34" charset="0"/>
+                <a:cs typeface="Arial" panose="020B0604020202020204" pitchFamily="34" charset="0"/>
+              </a:rPr>
+              <a:t>Product, Change (remaining money)</a:t>
+            </a:r>
           </a:p>
           <a:p>
-            <a:pPr marL="12700">
-              <a:lnSpc>
-                <a:spcPct val="100000"/>
-              </a:lnSpc>
-              <a:spcBef>
-                <a:spcPts val="1090"/>
-              </a:spcBef>
-            </a:pPr>
-            <a:r>
-              <a:rPr sz="1600" b="1" dirty="0">
-                <a:latin typeface="Arial"/>
-                <a:cs typeface="Arial"/>
-              </a:rPr>
-              <a:t>Inputs:</a:t>
-            </a:r>
-            <a:r>
-              <a:rPr sz="1600" b="1" spc="-45" dirty="0">
-                <a:latin typeface="Arial"/>
-                <a:cs typeface="Arial"/>
-              </a:rPr>
-              <a:t> </a:t>
-            </a:r>
-            <a:r>
-              <a:rPr sz="1600" dirty="0">
-                <a:latin typeface="Arial MT"/>
-                <a:cs typeface="Arial MT"/>
-              </a:rPr>
-              <a:t>Monete,</a:t>
-            </a:r>
-            <a:r>
-              <a:rPr sz="1600" spc="-20" dirty="0">
-                <a:latin typeface="Arial MT"/>
-                <a:cs typeface="Arial MT"/>
-              </a:rPr>
-              <a:t> </a:t>
-            </a:r>
-            <a:r>
-              <a:rPr sz="1600" dirty="0">
-                <a:latin typeface="Arial MT"/>
-                <a:cs typeface="Arial MT"/>
-              </a:rPr>
-              <a:t>Selezione</a:t>
-            </a:r>
-            <a:r>
-              <a:rPr sz="1600" spc="-35" dirty="0">
-                <a:latin typeface="Arial MT"/>
-                <a:cs typeface="Arial MT"/>
-              </a:rPr>
-              <a:t> </a:t>
-            </a:r>
-            <a:r>
-              <a:rPr sz="1600" dirty="0">
-                <a:latin typeface="Arial MT"/>
-                <a:cs typeface="Arial MT"/>
-              </a:rPr>
-              <a:t>del</a:t>
-            </a:r>
-            <a:r>
-              <a:rPr sz="1600" spc="-20" dirty="0">
-                <a:latin typeface="Arial MT"/>
-                <a:cs typeface="Arial MT"/>
-              </a:rPr>
-              <a:t> </a:t>
-            </a:r>
-            <a:r>
-              <a:rPr sz="1600" dirty="0">
-                <a:latin typeface="Arial MT"/>
-                <a:cs typeface="Arial MT"/>
-              </a:rPr>
-              <a:t>prodotto,</a:t>
-            </a:r>
-            <a:r>
-              <a:rPr sz="1600" spc="-35" dirty="0">
-                <a:latin typeface="Arial MT"/>
-                <a:cs typeface="Arial MT"/>
-              </a:rPr>
-              <a:t> </a:t>
-            </a:r>
-            <a:r>
-              <a:rPr sz="1600" spc="-10" dirty="0">
-                <a:latin typeface="Arial MT"/>
-                <a:cs typeface="Arial MT"/>
-              </a:rPr>
-              <a:t>Conferma</a:t>
-            </a:r>
-            <a:endParaRPr sz="1600">
-              <a:latin typeface="Arial MT"/>
-              <a:cs typeface="Arial MT"/>
-            </a:endParaRPr>
+            <a:r>
+              <a:rPr lang="en-US" b="1" dirty="0">
+                <a:latin typeface="Arial" panose="020B0604020202020204" pitchFamily="34" charset="0"/>
+                <a:cs typeface="Arial" panose="020B0604020202020204" pitchFamily="34" charset="0"/>
+              </a:rPr>
+              <a:t>Actions:</a:t>
+            </a:r>
           </a:p>
           <a:p>
-            <a:pPr marL="12700">
-              <a:lnSpc>
-                <a:spcPct val="100000"/>
-              </a:lnSpc>
-              <a:spcBef>
-                <a:spcPts val="1130"/>
-              </a:spcBef>
-            </a:pPr>
-            <a:r>
-              <a:rPr sz="1600" b="1" dirty="0">
-                <a:latin typeface="Arial"/>
-                <a:cs typeface="Arial"/>
-              </a:rPr>
-              <a:t>Output:</a:t>
-            </a:r>
-            <a:r>
-              <a:rPr sz="1600" b="1" spc="-70" dirty="0">
-                <a:latin typeface="Arial"/>
-                <a:cs typeface="Arial"/>
-              </a:rPr>
-              <a:t> </a:t>
-            </a:r>
-            <a:r>
-              <a:rPr sz="1600" dirty="0">
-                <a:latin typeface="Arial MT"/>
-                <a:cs typeface="Arial MT"/>
-              </a:rPr>
-              <a:t>Prodotto,</a:t>
-            </a:r>
-            <a:r>
-              <a:rPr sz="1600" spc="-70" dirty="0">
-                <a:latin typeface="Arial MT"/>
-                <a:cs typeface="Arial MT"/>
-              </a:rPr>
-              <a:t> </a:t>
-            </a:r>
-            <a:r>
-              <a:rPr sz="1600" spc="-20" dirty="0">
-                <a:latin typeface="Arial MT"/>
-                <a:cs typeface="Arial MT"/>
-              </a:rPr>
-              <a:t>resto</a:t>
-            </a:r>
-            <a:endParaRPr sz="1600">
-              <a:latin typeface="Arial MT"/>
-              <a:cs typeface="Arial MT"/>
-            </a:endParaRPr>
+            <a:pPr lvl="1"/>
+            <a:r>
+              <a:rPr lang="en-US" dirty="0">
+                <a:latin typeface="Arial" panose="020B0604020202020204" pitchFamily="34" charset="0"/>
+                <a:cs typeface="Arial" panose="020B0604020202020204" pitchFamily="34" charset="0"/>
+              </a:rPr>
+              <a:t>The system receives a certain amount of money from the customer through the cash slot.</a:t>
+            </a:r>
           </a:p>
           <a:p>
-            <a:pPr marL="469900" marR="285115" indent="-457200">
-              <a:lnSpc>
-                <a:spcPct val="157400"/>
-              </a:lnSpc>
-              <a:spcBef>
-                <a:spcPts val="25"/>
-              </a:spcBef>
-            </a:pPr>
-            <a:r>
-              <a:rPr sz="1600" b="1" dirty="0">
-                <a:latin typeface="Arial"/>
-                <a:cs typeface="Arial"/>
-              </a:rPr>
-              <a:t>Azioni:</a:t>
-            </a:r>
-            <a:r>
-              <a:rPr sz="1600" b="1" spc="-25" dirty="0">
-                <a:latin typeface="Arial"/>
-                <a:cs typeface="Arial"/>
-              </a:rPr>
-              <a:t> </a:t>
-            </a:r>
-            <a:r>
-              <a:rPr sz="1600" dirty="0">
-                <a:latin typeface="Arial MT"/>
-                <a:cs typeface="Arial MT"/>
-              </a:rPr>
-              <a:t>Il</a:t>
-            </a:r>
-            <a:r>
-              <a:rPr sz="1600" spc="-10" dirty="0">
-                <a:latin typeface="Arial MT"/>
-                <a:cs typeface="Arial MT"/>
-              </a:rPr>
-              <a:t> </a:t>
-            </a:r>
-            <a:r>
-              <a:rPr sz="1600" dirty="0">
-                <a:latin typeface="Arial MT"/>
-                <a:cs typeface="Arial MT"/>
-              </a:rPr>
-              <a:t>sistema</a:t>
-            </a:r>
-            <a:r>
-              <a:rPr sz="1600" spc="-25" dirty="0">
-                <a:latin typeface="Arial MT"/>
-                <a:cs typeface="Arial MT"/>
-              </a:rPr>
-              <a:t> </a:t>
-            </a:r>
-            <a:r>
-              <a:rPr sz="1600" dirty="0">
-                <a:latin typeface="Arial MT"/>
-                <a:cs typeface="Arial MT"/>
-              </a:rPr>
-              <a:t>riceve</a:t>
-            </a:r>
-            <a:r>
-              <a:rPr sz="1600" spc="-30" dirty="0">
-                <a:latin typeface="Arial MT"/>
-                <a:cs typeface="Arial MT"/>
-              </a:rPr>
-              <a:t> </a:t>
-            </a:r>
-            <a:r>
-              <a:rPr sz="1600" dirty="0">
-                <a:latin typeface="Arial MT"/>
-                <a:cs typeface="Arial MT"/>
-              </a:rPr>
-              <a:t>dal</a:t>
-            </a:r>
-            <a:r>
-              <a:rPr sz="1600" spc="-10" dirty="0">
-                <a:latin typeface="Arial MT"/>
-                <a:cs typeface="Arial MT"/>
-              </a:rPr>
-              <a:t> </a:t>
-            </a:r>
-            <a:r>
-              <a:rPr sz="1600" dirty="0">
-                <a:latin typeface="Arial MT"/>
-                <a:cs typeface="Arial MT"/>
-              </a:rPr>
-              <a:t>cliente</a:t>
-            </a:r>
-            <a:r>
-              <a:rPr sz="1600" spc="-25" dirty="0">
-                <a:latin typeface="Arial MT"/>
-                <a:cs typeface="Arial MT"/>
-              </a:rPr>
-              <a:t> </a:t>
-            </a:r>
-            <a:r>
-              <a:rPr sz="1600" dirty="0">
-                <a:latin typeface="Arial MT"/>
-                <a:cs typeface="Arial MT"/>
-              </a:rPr>
-              <a:t>un</a:t>
-            </a:r>
-            <a:r>
-              <a:rPr sz="1600" spc="-15" dirty="0">
-                <a:latin typeface="Arial MT"/>
-                <a:cs typeface="Arial MT"/>
-              </a:rPr>
-              <a:t> </a:t>
-            </a:r>
-            <a:r>
-              <a:rPr sz="1600" dirty="0">
-                <a:latin typeface="Arial MT"/>
-                <a:cs typeface="Arial MT"/>
-              </a:rPr>
-              <a:t>certo</a:t>
-            </a:r>
-            <a:r>
-              <a:rPr sz="1600" spc="-30" dirty="0">
-                <a:latin typeface="Arial MT"/>
-                <a:cs typeface="Arial MT"/>
-              </a:rPr>
-              <a:t> </a:t>
-            </a:r>
-            <a:r>
-              <a:rPr sz="1600" dirty="0">
-                <a:latin typeface="Arial MT"/>
-                <a:cs typeface="Arial MT"/>
-              </a:rPr>
-              <a:t>ammontare</a:t>
-            </a:r>
-            <a:r>
-              <a:rPr sz="1600" spc="-25" dirty="0">
-                <a:latin typeface="Arial MT"/>
-                <a:cs typeface="Arial MT"/>
-              </a:rPr>
-              <a:t> </a:t>
-            </a:r>
-            <a:r>
-              <a:rPr sz="1600" dirty="0">
-                <a:latin typeface="Arial MT"/>
-                <a:cs typeface="Arial MT"/>
-              </a:rPr>
-              <a:t>di</a:t>
-            </a:r>
-            <a:r>
-              <a:rPr sz="1600" spc="-20" dirty="0">
-                <a:latin typeface="Arial MT"/>
-                <a:cs typeface="Arial MT"/>
-              </a:rPr>
-              <a:t> </a:t>
-            </a:r>
-            <a:r>
-              <a:rPr sz="1600" dirty="0">
-                <a:latin typeface="Arial MT"/>
-                <a:cs typeface="Arial MT"/>
-              </a:rPr>
-              <a:t>denaro</a:t>
-            </a:r>
-            <a:r>
-              <a:rPr sz="1600" spc="-25" dirty="0">
-                <a:latin typeface="Arial MT"/>
-                <a:cs typeface="Arial MT"/>
-              </a:rPr>
-              <a:t> </a:t>
-            </a:r>
-            <a:r>
-              <a:rPr sz="1600" dirty="0">
-                <a:latin typeface="Arial MT"/>
-                <a:cs typeface="Arial MT"/>
-              </a:rPr>
-              <a:t>attraverso</a:t>
-            </a:r>
-            <a:r>
-              <a:rPr sz="1600" spc="-30" dirty="0">
-                <a:latin typeface="Arial MT"/>
-                <a:cs typeface="Arial MT"/>
-              </a:rPr>
-              <a:t> </a:t>
-            </a:r>
-            <a:r>
-              <a:rPr sz="1600" dirty="0">
-                <a:latin typeface="Arial MT"/>
-                <a:cs typeface="Arial MT"/>
-              </a:rPr>
-              <a:t>la</a:t>
-            </a:r>
-            <a:r>
-              <a:rPr sz="1600" spc="-15" dirty="0">
-                <a:latin typeface="Arial MT"/>
-                <a:cs typeface="Arial MT"/>
-              </a:rPr>
-              <a:t> </a:t>
-            </a:r>
-            <a:r>
-              <a:rPr sz="1600" dirty="0">
-                <a:latin typeface="Arial MT"/>
-                <a:cs typeface="Arial MT"/>
-              </a:rPr>
-              <a:t>fessura</a:t>
-            </a:r>
-            <a:r>
-              <a:rPr sz="1600" spc="-25" dirty="0">
-                <a:latin typeface="Arial MT"/>
-                <a:cs typeface="Arial MT"/>
-              </a:rPr>
-              <a:t> </a:t>
-            </a:r>
-            <a:r>
-              <a:rPr sz="1600" dirty="0">
-                <a:latin typeface="Arial MT"/>
-                <a:cs typeface="Arial MT"/>
-              </a:rPr>
-              <a:t>per</a:t>
-            </a:r>
-            <a:r>
-              <a:rPr sz="1600" spc="-30" dirty="0">
-                <a:latin typeface="Arial MT"/>
-                <a:cs typeface="Arial MT"/>
-              </a:rPr>
-              <a:t> </a:t>
-            </a:r>
-            <a:r>
-              <a:rPr sz="1600" spc="-25" dirty="0">
-                <a:latin typeface="Arial MT"/>
-                <a:cs typeface="Arial MT"/>
-              </a:rPr>
-              <a:t>il </a:t>
-            </a:r>
-            <a:r>
-              <a:rPr sz="1600" dirty="0">
-                <a:latin typeface="Arial MT"/>
-                <a:cs typeface="Arial MT"/>
-              </a:rPr>
-              <a:t>contante.</a:t>
-            </a:r>
-            <a:r>
-              <a:rPr sz="1600" spc="-20" dirty="0">
-                <a:latin typeface="Arial MT"/>
-                <a:cs typeface="Arial MT"/>
-              </a:rPr>
-              <a:t> </a:t>
-            </a:r>
-            <a:r>
-              <a:rPr sz="1600" dirty="0">
-                <a:latin typeface="Arial MT"/>
-                <a:cs typeface="Arial MT"/>
-              </a:rPr>
-              <a:t>Il</a:t>
-            </a:r>
-            <a:r>
-              <a:rPr sz="1600" spc="-15" dirty="0">
-                <a:latin typeface="Arial MT"/>
-                <a:cs typeface="Arial MT"/>
-              </a:rPr>
-              <a:t> </a:t>
-            </a:r>
-            <a:r>
-              <a:rPr sz="1600" dirty="0">
-                <a:latin typeface="Arial MT"/>
-                <a:cs typeface="Arial MT"/>
-              </a:rPr>
-              <a:t>sistema</a:t>
-            </a:r>
-            <a:r>
-              <a:rPr sz="1600" spc="-20" dirty="0">
-                <a:latin typeface="Arial MT"/>
-                <a:cs typeface="Arial MT"/>
-              </a:rPr>
-              <a:t> </a:t>
-            </a:r>
-            <a:r>
-              <a:rPr sz="1600" dirty="0">
-                <a:latin typeface="Arial MT"/>
-                <a:cs typeface="Arial MT"/>
-              </a:rPr>
-              <a:t>evidenzia</a:t>
-            </a:r>
-            <a:r>
-              <a:rPr sz="1600" spc="-10" dirty="0">
-                <a:latin typeface="Arial MT"/>
-                <a:cs typeface="Arial MT"/>
-              </a:rPr>
-              <a:t> </a:t>
-            </a:r>
-            <a:r>
-              <a:rPr sz="1600" dirty="0">
-                <a:latin typeface="Arial MT"/>
-                <a:cs typeface="Arial MT"/>
-              </a:rPr>
-              <a:t>i</a:t>
-            </a:r>
-            <a:r>
-              <a:rPr sz="1600" spc="-15" dirty="0">
-                <a:latin typeface="Arial MT"/>
-                <a:cs typeface="Arial MT"/>
-              </a:rPr>
-              <a:t> </a:t>
-            </a:r>
-            <a:r>
-              <a:rPr sz="1600" dirty="0">
-                <a:latin typeface="Arial MT"/>
-                <a:cs typeface="Arial MT"/>
-              </a:rPr>
-              <a:t>pulsanti</a:t>
-            </a:r>
-            <a:r>
-              <a:rPr sz="1600" spc="-5" dirty="0">
-                <a:latin typeface="Arial MT"/>
-                <a:cs typeface="Arial MT"/>
-              </a:rPr>
-              <a:t> </a:t>
-            </a:r>
-            <a:r>
-              <a:rPr sz="1600" dirty="0">
-                <a:latin typeface="Arial MT"/>
-                <a:cs typeface="Arial MT"/>
-              </a:rPr>
-              <a:t>di</a:t>
-            </a:r>
-            <a:r>
-              <a:rPr sz="1600" spc="-15" dirty="0">
-                <a:latin typeface="Arial MT"/>
-                <a:cs typeface="Arial MT"/>
-              </a:rPr>
-              <a:t> </a:t>
-            </a:r>
-            <a:r>
-              <a:rPr sz="1600" dirty="0">
-                <a:latin typeface="Arial MT"/>
-                <a:cs typeface="Arial MT"/>
-              </a:rPr>
-              <a:t>conferma</a:t>
-            </a:r>
-            <a:r>
-              <a:rPr sz="1600" spc="-20" dirty="0">
-                <a:latin typeface="Arial MT"/>
-                <a:cs typeface="Arial MT"/>
-              </a:rPr>
-              <a:t> </a:t>
-            </a:r>
-            <a:r>
-              <a:rPr sz="1600" dirty="0">
-                <a:latin typeface="Arial MT"/>
-                <a:cs typeface="Arial MT"/>
-              </a:rPr>
-              <a:t>per</a:t>
-            </a:r>
-            <a:r>
-              <a:rPr sz="1600" spc="-15" dirty="0">
-                <a:latin typeface="Arial MT"/>
-                <a:cs typeface="Arial MT"/>
-              </a:rPr>
-              <a:t> </a:t>
-            </a:r>
-            <a:r>
-              <a:rPr sz="1600" dirty="0">
-                <a:latin typeface="Arial MT"/>
-                <a:cs typeface="Arial MT"/>
-              </a:rPr>
-              <a:t>tutti</a:t>
-            </a:r>
-            <a:r>
-              <a:rPr sz="1600" spc="-15" dirty="0">
-                <a:latin typeface="Arial MT"/>
-                <a:cs typeface="Arial MT"/>
-              </a:rPr>
-              <a:t> </a:t>
-            </a:r>
-            <a:r>
-              <a:rPr sz="1600" dirty="0">
-                <a:latin typeface="Arial MT"/>
-                <a:cs typeface="Arial MT"/>
-              </a:rPr>
-              <a:t>i</a:t>
-            </a:r>
-            <a:r>
-              <a:rPr sz="1600" spc="-15" dirty="0">
-                <a:latin typeface="Arial MT"/>
-                <a:cs typeface="Arial MT"/>
-              </a:rPr>
-              <a:t> </a:t>
-            </a:r>
-            <a:r>
-              <a:rPr sz="1600" dirty="0">
-                <a:latin typeface="Arial MT"/>
-                <a:cs typeface="Arial MT"/>
-              </a:rPr>
-              <a:t>prodotti</a:t>
-            </a:r>
-            <a:r>
-              <a:rPr sz="1600" spc="-5" dirty="0">
-                <a:latin typeface="Arial MT"/>
-                <a:cs typeface="Arial MT"/>
-              </a:rPr>
-              <a:t> </a:t>
-            </a:r>
-            <a:r>
-              <a:rPr sz="1600" dirty="0">
-                <a:latin typeface="Arial MT"/>
-                <a:cs typeface="Arial MT"/>
-              </a:rPr>
-              <a:t>che</a:t>
-            </a:r>
-            <a:r>
-              <a:rPr sz="1600" spc="-20" dirty="0">
-                <a:latin typeface="Arial MT"/>
-                <a:cs typeface="Arial MT"/>
-              </a:rPr>
-              <a:t> </a:t>
-            </a:r>
-            <a:r>
-              <a:rPr sz="1600" dirty="0">
-                <a:latin typeface="Arial MT"/>
-                <a:cs typeface="Arial MT"/>
-              </a:rPr>
-              <a:t>hanno</a:t>
-            </a:r>
-            <a:r>
-              <a:rPr sz="1600" spc="-20" dirty="0">
-                <a:latin typeface="Arial MT"/>
-                <a:cs typeface="Arial MT"/>
-              </a:rPr>
-              <a:t> </a:t>
-            </a:r>
-            <a:r>
-              <a:rPr sz="1600" dirty="0">
-                <a:latin typeface="Arial MT"/>
-                <a:cs typeface="Arial MT"/>
-              </a:rPr>
-              <a:t>un</a:t>
-            </a:r>
-            <a:r>
-              <a:rPr sz="1600" spc="-15" dirty="0">
-                <a:latin typeface="Arial MT"/>
-                <a:cs typeface="Arial MT"/>
-              </a:rPr>
-              <a:t> </a:t>
-            </a:r>
-            <a:r>
-              <a:rPr sz="1600" spc="-10" dirty="0">
-                <a:latin typeface="Arial MT"/>
-                <a:cs typeface="Arial MT"/>
-              </a:rPr>
-              <a:t>prezzo </a:t>
-            </a:r>
-            <a:r>
-              <a:rPr sz="1600" dirty="0">
-                <a:latin typeface="Arial MT"/>
-                <a:cs typeface="Arial MT"/>
-              </a:rPr>
-              <a:t>inferiore</a:t>
-            </a:r>
-            <a:r>
-              <a:rPr sz="1600" spc="-10" dirty="0">
-                <a:latin typeface="Arial MT"/>
-                <a:cs typeface="Arial MT"/>
-              </a:rPr>
-              <a:t> </a:t>
-            </a:r>
-            <a:r>
-              <a:rPr sz="1600" dirty="0">
-                <a:latin typeface="Arial MT"/>
-                <a:cs typeface="Arial MT"/>
-              </a:rPr>
-              <a:t>alla</a:t>
-            </a:r>
-            <a:r>
-              <a:rPr sz="1600" spc="-10" dirty="0">
-                <a:latin typeface="Arial MT"/>
-                <a:cs typeface="Arial MT"/>
-              </a:rPr>
-              <a:t> </a:t>
-            </a:r>
-            <a:r>
-              <a:rPr sz="1600" dirty="0">
-                <a:latin typeface="Arial MT"/>
-                <a:cs typeface="Arial MT"/>
-              </a:rPr>
-              <a:t>somma</a:t>
-            </a:r>
-            <a:r>
-              <a:rPr sz="1600" spc="-10" dirty="0">
-                <a:latin typeface="Arial MT"/>
-                <a:cs typeface="Arial MT"/>
-              </a:rPr>
-              <a:t> </a:t>
-            </a:r>
-            <a:r>
-              <a:rPr sz="1600" dirty="0">
-                <a:latin typeface="Arial MT"/>
-                <a:cs typeface="Arial MT"/>
-              </a:rPr>
-              <a:t>inserita.</a:t>
-            </a:r>
-            <a:r>
-              <a:rPr sz="1600" spc="-10" dirty="0">
-                <a:latin typeface="Arial MT"/>
-                <a:cs typeface="Arial MT"/>
-              </a:rPr>
-              <a:t> </a:t>
-            </a:r>
-            <a:r>
-              <a:rPr sz="1600" dirty="0">
-                <a:latin typeface="Arial MT"/>
-                <a:cs typeface="Arial MT"/>
-              </a:rPr>
-              <a:t>Il</a:t>
-            </a:r>
-            <a:r>
-              <a:rPr sz="1600" spc="-15" dirty="0">
-                <a:latin typeface="Arial MT"/>
-                <a:cs typeface="Arial MT"/>
-              </a:rPr>
-              <a:t> </a:t>
-            </a:r>
-            <a:r>
-              <a:rPr sz="1600" dirty="0">
-                <a:latin typeface="Arial MT"/>
-                <a:cs typeface="Arial MT"/>
-              </a:rPr>
-              <a:t>sistema</a:t>
-            </a:r>
-            <a:r>
-              <a:rPr sz="1600" spc="-25" dirty="0">
-                <a:latin typeface="Arial MT"/>
-                <a:cs typeface="Arial MT"/>
-              </a:rPr>
-              <a:t> </a:t>
-            </a:r>
-            <a:r>
-              <a:rPr sz="1600" dirty="0">
-                <a:latin typeface="Arial MT"/>
-                <a:cs typeface="Arial MT"/>
-              </a:rPr>
-              <a:t>riceve</a:t>
-            </a:r>
-            <a:r>
-              <a:rPr sz="1600" spc="-20" dirty="0">
-                <a:latin typeface="Arial MT"/>
-                <a:cs typeface="Arial MT"/>
-              </a:rPr>
-              <a:t> </a:t>
-            </a:r>
-            <a:r>
-              <a:rPr sz="1600" dirty="0">
-                <a:latin typeface="Arial MT"/>
-                <a:cs typeface="Arial MT"/>
-              </a:rPr>
-              <a:t>la</a:t>
-            </a:r>
-            <a:r>
-              <a:rPr sz="1600" spc="-15" dirty="0">
-                <a:latin typeface="Arial MT"/>
-                <a:cs typeface="Arial MT"/>
-              </a:rPr>
-              <a:t> </a:t>
-            </a:r>
-            <a:r>
-              <a:rPr sz="1600" dirty="0">
-                <a:latin typeface="Arial MT"/>
-                <a:cs typeface="Arial MT"/>
-              </a:rPr>
-              <a:t>selezione</a:t>
-            </a:r>
-            <a:r>
-              <a:rPr sz="1600" spc="-10" dirty="0">
-                <a:latin typeface="Arial MT"/>
-                <a:cs typeface="Arial MT"/>
-              </a:rPr>
-              <a:t> </a:t>
-            </a:r>
-            <a:r>
-              <a:rPr sz="1600" dirty="0">
-                <a:latin typeface="Arial MT"/>
-                <a:cs typeface="Arial MT"/>
-              </a:rPr>
-              <a:t>di un</a:t>
-            </a:r>
-            <a:r>
-              <a:rPr sz="1600" spc="-10" dirty="0">
-                <a:latin typeface="Arial MT"/>
-                <a:cs typeface="Arial MT"/>
-              </a:rPr>
-              <a:t> </a:t>
-            </a:r>
-            <a:r>
-              <a:rPr sz="1600" dirty="0">
-                <a:latin typeface="Arial MT"/>
-                <a:cs typeface="Arial MT"/>
-              </a:rPr>
-              <a:t>prodotto</a:t>
-            </a:r>
-            <a:r>
-              <a:rPr sz="1600" spc="-15" dirty="0">
-                <a:latin typeface="Arial MT"/>
-                <a:cs typeface="Arial MT"/>
-              </a:rPr>
-              <a:t> </a:t>
-            </a:r>
-            <a:r>
-              <a:rPr sz="1600" dirty="0">
-                <a:latin typeface="Arial MT"/>
-                <a:cs typeface="Arial MT"/>
-              </a:rPr>
-              <a:t>tra</a:t>
-            </a:r>
-            <a:r>
-              <a:rPr sz="1600" spc="-20" dirty="0">
-                <a:latin typeface="Arial MT"/>
-                <a:cs typeface="Arial MT"/>
-              </a:rPr>
-              <a:t> </a:t>
-            </a:r>
-            <a:r>
-              <a:rPr sz="1600" dirty="0">
-                <a:latin typeface="Arial MT"/>
-                <a:cs typeface="Arial MT"/>
-              </a:rPr>
-              <a:t>quelli illuminati</a:t>
-            </a:r>
-            <a:r>
-              <a:rPr sz="1600" spc="-15" dirty="0">
-                <a:latin typeface="Arial MT"/>
-                <a:cs typeface="Arial MT"/>
-              </a:rPr>
-              <a:t> </a:t>
-            </a:r>
-            <a:r>
-              <a:rPr sz="1600" spc="-50" dirty="0">
-                <a:latin typeface="Arial MT"/>
-                <a:cs typeface="Arial MT"/>
-              </a:rPr>
-              <a:t>e </a:t>
-            </a:r>
-            <a:r>
-              <a:rPr sz="1600" dirty="0">
-                <a:latin typeface="Arial MT"/>
-                <a:cs typeface="Arial MT"/>
-              </a:rPr>
-              <a:t>attiva</a:t>
-            </a:r>
-            <a:r>
-              <a:rPr sz="1600" spc="-25" dirty="0">
-                <a:latin typeface="Arial MT"/>
-                <a:cs typeface="Arial MT"/>
-              </a:rPr>
-              <a:t> </a:t>
-            </a:r>
-            <a:r>
-              <a:rPr sz="1600" dirty="0">
-                <a:latin typeface="Arial MT"/>
-                <a:cs typeface="Arial MT"/>
-              </a:rPr>
-              <a:t>il</a:t>
-            </a:r>
-            <a:r>
-              <a:rPr sz="1600" spc="-5" dirty="0">
-                <a:latin typeface="Arial MT"/>
-                <a:cs typeface="Arial MT"/>
-              </a:rPr>
-              <a:t> </a:t>
-            </a:r>
-            <a:r>
-              <a:rPr sz="1600" dirty="0">
-                <a:latin typeface="Arial MT"/>
-                <a:cs typeface="Arial MT"/>
-              </a:rPr>
-              <a:t>lampeggio</a:t>
-            </a:r>
-            <a:r>
-              <a:rPr sz="1600" spc="-25" dirty="0">
-                <a:latin typeface="Arial MT"/>
-                <a:cs typeface="Arial MT"/>
-              </a:rPr>
-              <a:t> </a:t>
-            </a:r>
-            <a:r>
-              <a:rPr sz="1600" dirty="0">
-                <a:latin typeface="Arial MT"/>
-                <a:cs typeface="Arial MT"/>
-              </a:rPr>
-              <a:t>del</a:t>
-            </a:r>
-            <a:r>
-              <a:rPr sz="1600" spc="-5" dirty="0">
-                <a:latin typeface="Arial MT"/>
-                <a:cs typeface="Arial MT"/>
-              </a:rPr>
-              <a:t> </a:t>
-            </a:r>
-            <a:r>
-              <a:rPr sz="1600" dirty="0">
-                <a:latin typeface="Arial MT"/>
-                <a:cs typeface="Arial MT"/>
-              </a:rPr>
-              <a:t>relativo</a:t>
-            </a:r>
-            <a:r>
-              <a:rPr sz="1600" spc="-15" dirty="0">
-                <a:latin typeface="Arial MT"/>
-                <a:cs typeface="Arial MT"/>
-              </a:rPr>
-              <a:t> </a:t>
-            </a:r>
-            <a:r>
-              <a:rPr sz="1600" dirty="0">
-                <a:latin typeface="Arial MT"/>
-                <a:cs typeface="Arial MT"/>
-              </a:rPr>
-              <a:t>pulsante.</a:t>
-            </a:r>
-            <a:r>
-              <a:rPr sz="1600" spc="-15" dirty="0">
-                <a:latin typeface="Arial MT"/>
-                <a:cs typeface="Arial MT"/>
-              </a:rPr>
-              <a:t> </a:t>
-            </a:r>
-            <a:r>
-              <a:rPr sz="1600" dirty="0">
-                <a:latin typeface="Arial MT"/>
-                <a:cs typeface="Arial MT"/>
-              </a:rPr>
-              <a:t>Il</a:t>
-            </a:r>
-            <a:r>
-              <a:rPr sz="1600" spc="-10" dirty="0">
-                <a:latin typeface="Arial MT"/>
-                <a:cs typeface="Arial MT"/>
-              </a:rPr>
-              <a:t> </a:t>
-            </a:r>
-            <a:r>
-              <a:rPr sz="1600" dirty="0">
-                <a:latin typeface="Arial MT"/>
-                <a:cs typeface="Arial MT"/>
-              </a:rPr>
-              <a:t>sistema</a:t>
-            </a:r>
-            <a:r>
-              <a:rPr sz="1600" spc="-25" dirty="0">
-                <a:latin typeface="Arial MT"/>
-                <a:cs typeface="Arial MT"/>
-              </a:rPr>
-              <a:t> </a:t>
-            </a:r>
-            <a:r>
-              <a:rPr sz="1600" dirty="0">
-                <a:latin typeface="Arial MT"/>
-                <a:cs typeface="Arial MT"/>
-              </a:rPr>
-              <a:t>riceve</a:t>
-            </a:r>
-            <a:r>
-              <a:rPr sz="1600" spc="-25" dirty="0">
-                <a:latin typeface="Arial MT"/>
-                <a:cs typeface="Arial MT"/>
-              </a:rPr>
-              <a:t> </a:t>
-            </a:r>
-            <a:r>
-              <a:rPr sz="1600" dirty="0">
-                <a:latin typeface="Arial MT"/>
-                <a:cs typeface="Arial MT"/>
-              </a:rPr>
-              <a:t>la</a:t>
-            </a:r>
-            <a:r>
-              <a:rPr sz="1600" spc="-20" dirty="0">
-                <a:latin typeface="Arial MT"/>
-                <a:cs typeface="Arial MT"/>
-              </a:rPr>
-              <a:t> </a:t>
-            </a:r>
-            <a:r>
-              <a:rPr sz="1600" dirty="0">
-                <a:latin typeface="Arial MT"/>
-                <a:cs typeface="Arial MT"/>
-              </a:rPr>
-              <a:t>conferma</a:t>
-            </a:r>
-            <a:r>
-              <a:rPr sz="1600" spc="-15" dirty="0">
-                <a:latin typeface="Arial MT"/>
-                <a:cs typeface="Arial MT"/>
-              </a:rPr>
-              <a:t> </a:t>
-            </a:r>
-            <a:r>
-              <a:rPr sz="1600" dirty="0">
-                <a:latin typeface="Arial MT"/>
-                <a:cs typeface="Arial MT"/>
-              </a:rPr>
-              <a:t>dell'acquisto</a:t>
-            </a:r>
-            <a:r>
-              <a:rPr sz="1600" spc="-20" dirty="0">
-                <a:latin typeface="Arial MT"/>
-                <a:cs typeface="Arial MT"/>
-              </a:rPr>
-              <a:t> </a:t>
-            </a:r>
-            <a:r>
-              <a:rPr sz="1600" dirty="0">
-                <a:latin typeface="Arial MT"/>
-                <a:cs typeface="Arial MT"/>
-              </a:rPr>
-              <a:t>tramite</a:t>
-            </a:r>
-            <a:r>
-              <a:rPr sz="1600" spc="-15" dirty="0">
-                <a:latin typeface="Arial MT"/>
-                <a:cs typeface="Arial MT"/>
-              </a:rPr>
-              <a:t> </a:t>
-            </a:r>
-            <a:r>
-              <a:rPr sz="1600" spc="-25" dirty="0">
-                <a:latin typeface="Arial MT"/>
-                <a:cs typeface="Arial MT"/>
-              </a:rPr>
-              <a:t>la </a:t>
-            </a:r>
-            <a:r>
-              <a:rPr sz="1600" dirty="0">
-                <a:latin typeface="Arial MT"/>
-                <a:cs typeface="Arial MT"/>
-              </a:rPr>
-              <a:t>pressione</a:t>
-            </a:r>
-            <a:r>
-              <a:rPr sz="1600" spc="-25" dirty="0">
-                <a:latin typeface="Arial MT"/>
-                <a:cs typeface="Arial MT"/>
-              </a:rPr>
-              <a:t> </a:t>
-            </a:r>
-            <a:r>
-              <a:rPr sz="1600" dirty="0">
-                <a:latin typeface="Arial MT"/>
-                <a:cs typeface="Arial MT"/>
-              </a:rPr>
-              <a:t>del</a:t>
-            </a:r>
-            <a:r>
-              <a:rPr sz="1600" spc="-20" dirty="0">
-                <a:latin typeface="Arial MT"/>
-                <a:cs typeface="Arial MT"/>
-              </a:rPr>
-              <a:t> </a:t>
-            </a:r>
-            <a:r>
-              <a:rPr sz="1600" dirty="0">
-                <a:latin typeface="Arial MT"/>
-                <a:cs typeface="Arial MT"/>
-              </a:rPr>
-              <a:t>pulsante</a:t>
-            </a:r>
-            <a:r>
-              <a:rPr sz="1600" spc="-20" dirty="0">
-                <a:latin typeface="Arial MT"/>
-                <a:cs typeface="Arial MT"/>
-              </a:rPr>
-              <a:t> </a:t>
-            </a:r>
-            <a:r>
-              <a:rPr sz="1600" dirty="0">
-                <a:latin typeface="Arial MT"/>
-                <a:cs typeface="Arial MT"/>
-              </a:rPr>
-              <a:t>lameggiante</a:t>
-            </a:r>
-            <a:r>
-              <a:rPr sz="1600" spc="-20" dirty="0">
-                <a:latin typeface="Arial MT"/>
-                <a:cs typeface="Arial MT"/>
-              </a:rPr>
-              <a:t> </a:t>
-            </a:r>
-            <a:r>
-              <a:rPr sz="1600" dirty="0">
-                <a:latin typeface="Arial MT"/>
-                <a:cs typeface="Arial MT"/>
-              </a:rPr>
-              <a:t>e</a:t>
-            </a:r>
-            <a:r>
-              <a:rPr sz="1600" spc="-25" dirty="0">
-                <a:latin typeface="Arial MT"/>
-                <a:cs typeface="Arial MT"/>
-              </a:rPr>
-              <a:t> </a:t>
-            </a:r>
-            <a:r>
-              <a:rPr sz="1600" dirty="0">
-                <a:latin typeface="Arial MT"/>
-                <a:cs typeface="Arial MT"/>
-              </a:rPr>
-              <a:t>corrispondentemente</a:t>
-            </a:r>
-            <a:r>
-              <a:rPr sz="1600" spc="-15" dirty="0">
-                <a:latin typeface="Arial MT"/>
-                <a:cs typeface="Arial MT"/>
-              </a:rPr>
-              <a:t> </a:t>
-            </a:r>
-            <a:r>
-              <a:rPr sz="1600" dirty="0">
-                <a:latin typeface="Arial MT"/>
-                <a:cs typeface="Arial MT"/>
-              </a:rPr>
-              <a:t>fornisce</a:t>
-            </a:r>
-            <a:r>
-              <a:rPr sz="1600" spc="-10" dirty="0">
-                <a:latin typeface="Arial MT"/>
-                <a:cs typeface="Arial MT"/>
-              </a:rPr>
-              <a:t> </a:t>
-            </a:r>
-            <a:r>
-              <a:rPr sz="1600" dirty="0">
-                <a:latin typeface="Arial MT"/>
-                <a:cs typeface="Arial MT"/>
-              </a:rPr>
-              <a:t>il</a:t>
-            </a:r>
-            <a:r>
-              <a:rPr sz="1600" spc="-10" dirty="0">
-                <a:latin typeface="Arial MT"/>
-                <a:cs typeface="Arial MT"/>
-              </a:rPr>
-              <a:t> </a:t>
-            </a:r>
-            <a:r>
-              <a:rPr sz="1600" dirty="0">
-                <a:latin typeface="Arial MT"/>
-                <a:cs typeface="Arial MT"/>
-              </a:rPr>
-              <a:t>prodotto</a:t>
-            </a:r>
-            <a:r>
-              <a:rPr sz="1600" spc="-20" dirty="0">
-                <a:latin typeface="Arial MT"/>
-                <a:cs typeface="Arial MT"/>
-              </a:rPr>
-              <a:t> </a:t>
-            </a:r>
-            <a:r>
-              <a:rPr sz="1600" dirty="0">
-                <a:latin typeface="Arial MT"/>
-                <a:cs typeface="Arial MT"/>
-              </a:rPr>
-              <a:t>ed</a:t>
-            </a:r>
-            <a:r>
-              <a:rPr sz="1600" spc="-15" dirty="0">
-                <a:latin typeface="Arial MT"/>
-                <a:cs typeface="Arial MT"/>
-              </a:rPr>
-              <a:t> </a:t>
-            </a:r>
-            <a:r>
-              <a:rPr sz="1600" dirty="0">
-                <a:latin typeface="Arial MT"/>
-                <a:cs typeface="Arial MT"/>
-              </a:rPr>
-              <a:t>il</a:t>
-            </a:r>
-            <a:r>
-              <a:rPr sz="1600" spc="-15" dirty="0">
-                <a:latin typeface="Arial MT"/>
-                <a:cs typeface="Arial MT"/>
-              </a:rPr>
-              <a:t> </a:t>
-            </a:r>
-            <a:r>
-              <a:rPr sz="1600" spc="-10" dirty="0">
-                <a:latin typeface="Arial MT"/>
-                <a:cs typeface="Arial MT"/>
-              </a:rPr>
-              <a:t>resto</a:t>
-            </a:r>
-            <a:endParaRPr sz="1600">
-              <a:latin typeface="Arial MT"/>
-              <a:cs typeface="Arial MT"/>
-            </a:endParaRPr>
+            <a:pPr lvl="1"/>
+            <a:r>
+              <a:rPr lang="en-US" dirty="0">
+                <a:latin typeface="Arial" panose="020B0604020202020204" pitchFamily="34" charset="0"/>
+                <a:cs typeface="Arial" panose="020B0604020202020204" pitchFamily="34" charset="0"/>
+              </a:rPr>
+              <a:t>The system highlights the confirmation buttons for all products whose price is less than or equal to the amount inserted.</a:t>
+            </a:r>
           </a:p>
           <a:p>
-            <a:pPr marL="12700">
-              <a:lnSpc>
-                <a:spcPct val="100000"/>
-              </a:lnSpc>
-              <a:spcBef>
-                <a:spcPts val="1090"/>
-              </a:spcBef>
-            </a:pPr>
-            <a:r>
-              <a:rPr sz="1600" b="1" spc="-10" dirty="0">
-                <a:latin typeface="Arial"/>
-                <a:cs typeface="Arial"/>
-              </a:rPr>
-              <a:t>Pre­</a:t>
-            </a:r>
-            <a:r>
-              <a:rPr sz="1600" b="1" dirty="0">
-                <a:latin typeface="Arial"/>
-                <a:cs typeface="Arial"/>
-              </a:rPr>
-              <a:t>condizioni:</a:t>
-            </a:r>
-            <a:r>
-              <a:rPr sz="1600" b="1" spc="-15" dirty="0">
-                <a:latin typeface="Arial"/>
-                <a:cs typeface="Arial"/>
-              </a:rPr>
-              <a:t> </a:t>
-            </a:r>
-            <a:r>
-              <a:rPr sz="1600" dirty="0">
-                <a:latin typeface="Arial MT"/>
-                <a:cs typeface="Arial MT"/>
-              </a:rPr>
-              <a:t>il</a:t>
-            </a:r>
-            <a:r>
-              <a:rPr sz="1600" spc="-10" dirty="0">
-                <a:latin typeface="Arial MT"/>
-                <a:cs typeface="Arial MT"/>
-              </a:rPr>
-              <a:t> </a:t>
-            </a:r>
-            <a:r>
-              <a:rPr sz="1600" dirty="0">
-                <a:latin typeface="Arial MT"/>
-                <a:cs typeface="Arial MT"/>
-              </a:rPr>
-              <a:t>sistema</a:t>
-            </a:r>
-            <a:r>
-              <a:rPr sz="1600" spc="-15" dirty="0">
-                <a:latin typeface="Arial MT"/>
-                <a:cs typeface="Arial MT"/>
-              </a:rPr>
-              <a:t> </a:t>
-            </a:r>
-            <a:r>
-              <a:rPr sz="1600" dirty="0">
-                <a:latin typeface="Arial MT"/>
-                <a:cs typeface="Arial MT"/>
-              </a:rPr>
-              <a:t>è</a:t>
-            </a:r>
-            <a:r>
-              <a:rPr sz="1600" spc="-5" dirty="0">
-                <a:latin typeface="Arial MT"/>
-                <a:cs typeface="Arial MT"/>
-              </a:rPr>
-              <a:t> </a:t>
-            </a:r>
-            <a:r>
-              <a:rPr sz="1600" dirty="0">
-                <a:latin typeface="Arial MT"/>
-                <a:cs typeface="Arial MT"/>
-              </a:rPr>
-              <a:t>disponibile</a:t>
-            </a:r>
-            <a:r>
-              <a:rPr sz="1600" spc="-20" dirty="0">
-                <a:latin typeface="Arial MT"/>
-                <a:cs typeface="Arial MT"/>
-              </a:rPr>
-              <a:t> </a:t>
-            </a:r>
-            <a:r>
-              <a:rPr sz="1600" dirty="0">
-                <a:latin typeface="Arial MT"/>
-                <a:cs typeface="Arial MT"/>
-              </a:rPr>
-              <a:t>a</a:t>
-            </a:r>
-            <a:r>
-              <a:rPr sz="1600" spc="-15" dirty="0">
-                <a:latin typeface="Arial MT"/>
-                <a:cs typeface="Arial MT"/>
-              </a:rPr>
-              <a:t> </a:t>
-            </a:r>
-            <a:r>
-              <a:rPr sz="1600" dirty="0">
-                <a:latin typeface="Arial MT"/>
-                <a:cs typeface="Arial MT"/>
-              </a:rPr>
-              <a:t>ricevere</a:t>
-            </a:r>
-            <a:r>
-              <a:rPr sz="1600" spc="-5" dirty="0">
-                <a:latin typeface="Arial MT"/>
-                <a:cs typeface="Arial MT"/>
-              </a:rPr>
-              <a:t> </a:t>
-            </a:r>
-            <a:r>
-              <a:rPr sz="1600" dirty="0">
-                <a:latin typeface="Arial MT"/>
-                <a:cs typeface="Arial MT"/>
-              </a:rPr>
-              <a:t>un</a:t>
-            </a:r>
-            <a:r>
-              <a:rPr sz="1600" spc="-5" dirty="0">
-                <a:latin typeface="Arial MT"/>
-                <a:cs typeface="Arial MT"/>
-              </a:rPr>
-              <a:t> </a:t>
-            </a:r>
-            <a:r>
-              <a:rPr sz="1600" dirty="0">
-                <a:latin typeface="Arial MT"/>
-                <a:cs typeface="Arial MT"/>
-              </a:rPr>
-              <a:t>ordine,</a:t>
-            </a:r>
-            <a:r>
-              <a:rPr sz="1600" spc="-20" dirty="0">
-                <a:latin typeface="Arial MT"/>
-                <a:cs typeface="Arial MT"/>
-              </a:rPr>
-              <a:t> </a:t>
-            </a:r>
-            <a:r>
-              <a:rPr sz="1600" dirty="0">
-                <a:latin typeface="Arial MT"/>
-                <a:cs typeface="Arial MT"/>
-              </a:rPr>
-              <a:t>non</a:t>
-            </a:r>
-            <a:r>
-              <a:rPr sz="1600" spc="-20" dirty="0">
-                <a:latin typeface="Arial MT"/>
-                <a:cs typeface="Arial MT"/>
-              </a:rPr>
-              <a:t> </a:t>
-            </a:r>
-            <a:r>
-              <a:rPr sz="1600" dirty="0">
-                <a:latin typeface="Arial MT"/>
-                <a:cs typeface="Arial MT"/>
-              </a:rPr>
-              <a:t>vi</a:t>
-            </a:r>
-            <a:r>
-              <a:rPr sz="1600" spc="-10" dirty="0">
-                <a:latin typeface="Arial MT"/>
-                <a:cs typeface="Arial MT"/>
-              </a:rPr>
-              <a:t> </a:t>
-            </a:r>
-            <a:r>
-              <a:rPr sz="1600" dirty="0">
-                <a:latin typeface="Arial MT"/>
-                <a:cs typeface="Arial MT"/>
-              </a:rPr>
-              <a:t>sono</a:t>
-            </a:r>
-            <a:r>
-              <a:rPr sz="1600" spc="-15" dirty="0">
-                <a:latin typeface="Arial MT"/>
-                <a:cs typeface="Arial MT"/>
-              </a:rPr>
-              <a:t> </a:t>
-            </a:r>
-            <a:r>
-              <a:rPr sz="1600" dirty="0">
-                <a:latin typeface="Arial MT"/>
-                <a:cs typeface="Arial MT"/>
-              </a:rPr>
-              <a:t>altre</a:t>
-            </a:r>
-            <a:r>
-              <a:rPr sz="1600" spc="-15" dirty="0">
-                <a:latin typeface="Arial MT"/>
-                <a:cs typeface="Arial MT"/>
-              </a:rPr>
-              <a:t> </a:t>
-            </a:r>
-            <a:r>
-              <a:rPr sz="1600" dirty="0">
-                <a:latin typeface="Arial MT"/>
-                <a:cs typeface="Arial MT"/>
-              </a:rPr>
-              <a:t>transazioni</a:t>
-            </a:r>
-            <a:r>
-              <a:rPr sz="1600" spc="-5" dirty="0">
-                <a:latin typeface="Arial MT"/>
-                <a:cs typeface="Arial MT"/>
-              </a:rPr>
-              <a:t> </a:t>
-            </a:r>
-            <a:r>
-              <a:rPr sz="1600" dirty="0">
-                <a:latin typeface="Arial MT"/>
-                <a:cs typeface="Arial MT"/>
-              </a:rPr>
-              <a:t>in</a:t>
-            </a:r>
-            <a:r>
-              <a:rPr sz="1600" spc="-15" dirty="0">
-                <a:latin typeface="Arial MT"/>
-                <a:cs typeface="Arial MT"/>
-              </a:rPr>
-              <a:t> </a:t>
-            </a:r>
-            <a:r>
-              <a:rPr sz="1600" spc="-10" dirty="0">
-                <a:latin typeface="Arial MT"/>
-                <a:cs typeface="Arial MT"/>
-              </a:rPr>
-              <a:t>corso</a:t>
-            </a:r>
-            <a:endParaRPr sz="1600">
-              <a:latin typeface="Arial MT"/>
-              <a:cs typeface="Arial MT"/>
-            </a:endParaRPr>
+            <a:pPr lvl="1"/>
+            <a:r>
+              <a:rPr lang="en-US" dirty="0">
+                <a:latin typeface="Arial" panose="020B0604020202020204" pitchFamily="34" charset="0"/>
+                <a:cs typeface="Arial" panose="020B0604020202020204" pitchFamily="34" charset="0"/>
+              </a:rPr>
+              <a:t>The system receives the selection of one product among the highlighted ones and activates the blinking light of the corresponding button.</a:t>
+            </a:r>
           </a:p>
           <a:p>
-            <a:pPr marL="469900" marR="5080" indent="-457200">
-              <a:lnSpc>
-                <a:spcPct val="158100"/>
-              </a:lnSpc>
-              <a:spcBef>
-                <a:spcPts val="15"/>
-              </a:spcBef>
-            </a:pPr>
-            <a:r>
-              <a:rPr sz="1600" b="1" spc="-10" dirty="0">
-                <a:latin typeface="Arial"/>
-                <a:cs typeface="Arial"/>
-              </a:rPr>
-              <a:t>Post­</a:t>
-            </a:r>
-            <a:r>
-              <a:rPr sz="1600" b="1" dirty="0">
-                <a:latin typeface="Arial"/>
-                <a:cs typeface="Arial"/>
-              </a:rPr>
-              <a:t>condizioni:</a:t>
-            </a:r>
-            <a:r>
-              <a:rPr sz="1600" b="1" spc="-25" dirty="0">
-                <a:latin typeface="Arial"/>
-                <a:cs typeface="Arial"/>
-              </a:rPr>
-              <a:t> </a:t>
-            </a:r>
-            <a:r>
-              <a:rPr sz="1600" dirty="0">
-                <a:latin typeface="Arial MT"/>
-                <a:cs typeface="Arial MT"/>
-              </a:rPr>
-              <a:t>La</a:t>
-            </a:r>
-            <a:r>
-              <a:rPr sz="1600" spc="-25" dirty="0">
-                <a:latin typeface="Arial MT"/>
-                <a:cs typeface="Arial MT"/>
-              </a:rPr>
-              <a:t> </a:t>
-            </a:r>
-            <a:r>
-              <a:rPr sz="1600" dirty="0">
-                <a:latin typeface="Arial MT"/>
-                <a:cs typeface="Arial MT"/>
-              </a:rPr>
-              <a:t>somma</a:t>
-            </a:r>
-            <a:r>
-              <a:rPr sz="1600" spc="-25" dirty="0">
-                <a:latin typeface="Arial MT"/>
-                <a:cs typeface="Arial MT"/>
-              </a:rPr>
-              <a:t> </a:t>
-            </a:r>
-            <a:r>
-              <a:rPr sz="1600" dirty="0">
-                <a:latin typeface="Arial MT"/>
-                <a:cs typeface="Arial MT"/>
-              </a:rPr>
-              <a:t>restituita</a:t>
-            </a:r>
-            <a:r>
-              <a:rPr sz="1600" spc="-25" dirty="0">
-                <a:latin typeface="Arial MT"/>
-                <a:cs typeface="Arial MT"/>
-              </a:rPr>
-              <a:t> </a:t>
-            </a:r>
-            <a:r>
-              <a:rPr sz="1600" dirty="0">
-                <a:latin typeface="Arial MT"/>
-                <a:cs typeface="Arial MT"/>
-              </a:rPr>
-              <a:t>è</a:t>
-            </a:r>
-            <a:r>
-              <a:rPr sz="1600" spc="-15" dirty="0">
-                <a:latin typeface="Arial MT"/>
-                <a:cs typeface="Arial MT"/>
-              </a:rPr>
-              <a:t> </a:t>
-            </a:r>
-            <a:r>
-              <a:rPr sz="1600" dirty="0">
-                <a:latin typeface="Arial MT"/>
-                <a:cs typeface="Arial MT"/>
-              </a:rPr>
-              <a:t>pari</a:t>
-            </a:r>
-            <a:r>
-              <a:rPr sz="1600" spc="-15" dirty="0">
-                <a:latin typeface="Arial MT"/>
-                <a:cs typeface="Arial MT"/>
-              </a:rPr>
-              <a:t> </a:t>
-            </a:r>
-            <a:r>
-              <a:rPr sz="1600" dirty="0">
-                <a:latin typeface="Arial MT"/>
-                <a:cs typeface="Arial MT"/>
-              </a:rPr>
-              <a:t>alla</a:t>
-            </a:r>
-            <a:r>
-              <a:rPr sz="1600" spc="-25" dirty="0">
-                <a:latin typeface="Arial MT"/>
-                <a:cs typeface="Arial MT"/>
-              </a:rPr>
-              <a:t> </a:t>
-            </a:r>
-            <a:r>
-              <a:rPr sz="1600" dirty="0">
-                <a:latin typeface="Arial MT"/>
-                <a:cs typeface="Arial MT"/>
-              </a:rPr>
-              <a:t>differenza</a:t>
-            </a:r>
-            <a:r>
-              <a:rPr sz="1600" spc="-15" dirty="0">
-                <a:latin typeface="Arial MT"/>
-                <a:cs typeface="Arial MT"/>
-              </a:rPr>
-              <a:t> </a:t>
-            </a:r>
-            <a:r>
-              <a:rPr sz="1600" dirty="0">
-                <a:latin typeface="Arial MT"/>
-                <a:cs typeface="Arial MT"/>
-              </a:rPr>
-              <a:t>tra</a:t>
-            </a:r>
-            <a:r>
-              <a:rPr sz="1600" spc="-25" dirty="0">
-                <a:latin typeface="Arial MT"/>
-                <a:cs typeface="Arial MT"/>
-              </a:rPr>
-              <a:t> </a:t>
-            </a:r>
-            <a:r>
-              <a:rPr sz="1600" dirty="0">
-                <a:latin typeface="Arial MT"/>
-                <a:cs typeface="Arial MT"/>
-              </a:rPr>
-              <a:t>quanto</a:t>
-            </a:r>
-            <a:r>
-              <a:rPr sz="1600" spc="-30" dirty="0">
-                <a:latin typeface="Arial MT"/>
-                <a:cs typeface="Arial MT"/>
-              </a:rPr>
-              <a:t> </a:t>
-            </a:r>
-            <a:r>
-              <a:rPr sz="1600" dirty="0">
-                <a:latin typeface="Arial MT"/>
-                <a:cs typeface="Arial MT"/>
-              </a:rPr>
-              <a:t>versato</a:t>
-            </a:r>
-            <a:r>
-              <a:rPr sz="1600" spc="-15" dirty="0">
-                <a:latin typeface="Arial MT"/>
-                <a:cs typeface="Arial MT"/>
-              </a:rPr>
-              <a:t> </a:t>
-            </a:r>
-            <a:r>
-              <a:rPr sz="1600" dirty="0">
-                <a:latin typeface="Arial MT"/>
-                <a:cs typeface="Arial MT"/>
-              </a:rPr>
-              <a:t>ed</a:t>
-            </a:r>
-            <a:r>
-              <a:rPr sz="1600" spc="-25" dirty="0">
-                <a:latin typeface="Arial MT"/>
-                <a:cs typeface="Arial MT"/>
-              </a:rPr>
-              <a:t> </a:t>
-            </a:r>
-            <a:r>
-              <a:rPr sz="1600" dirty="0">
-                <a:latin typeface="Arial MT"/>
-                <a:cs typeface="Arial MT"/>
-              </a:rPr>
-              <a:t>il</a:t>
-            </a:r>
-            <a:r>
-              <a:rPr sz="1600" spc="-10" dirty="0">
-                <a:latin typeface="Arial MT"/>
-                <a:cs typeface="Arial MT"/>
-              </a:rPr>
-              <a:t> </a:t>
-            </a:r>
-            <a:r>
-              <a:rPr sz="1600" dirty="0">
-                <a:latin typeface="Arial MT"/>
-                <a:cs typeface="Arial MT"/>
-              </a:rPr>
-              <a:t>prezzo</a:t>
-            </a:r>
-            <a:r>
-              <a:rPr sz="1600" spc="-30" dirty="0">
-                <a:latin typeface="Arial MT"/>
-                <a:cs typeface="Arial MT"/>
-              </a:rPr>
-              <a:t> </a:t>
-            </a:r>
-            <a:r>
-              <a:rPr sz="1600" spc="-25" dirty="0">
-                <a:latin typeface="Arial MT"/>
-                <a:cs typeface="Arial MT"/>
-              </a:rPr>
-              <a:t>del </a:t>
-            </a:r>
-            <a:r>
-              <a:rPr sz="1600" dirty="0">
-                <a:latin typeface="Arial MT"/>
-                <a:cs typeface="Arial MT"/>
-              </a:rPr>
-              <a:t>prodotto</a:t>
-            </a:r>
-            <a:r>
-              <a:rPr sz="1600" spc="-20" dirty="0">
-                <a:latin typeface="Arial MT"/>
-                <a:cs typeface="Arial MT"/>
-              </a:rPr>
-              <a:t> </a:t>
-            </a:r>
-            <a:r>
-              <a:rPr sz="1600" dirty="0">
-                <a:latin typeface="Arial MT"/>
-                <a:cs typeface="Arial MT"/>
-              </a:rPr>
-              <a:t>acquistato,</a:t>
-            </a:r>
-            <a:r>
-              <a:rPr sz="1600" spc="-5" dirty="0">
-                <a:latin typeface="Arial MT"/>
-                <a:cs typeface="Arial MT"/>
-              </a:rPr>
-              <a:t> </a:t>
-            </a:r>
-            <a:r>
-              <a:rPr sz="1600" dirty="0">
-                <a:latin typeface="Arial MT"/>
-                <a:cs typeface="Arial MT"/>
-              </a:rPr>
-              <a:t>il</a:t>
-            </a:r>
-            <a:r>
-              <a:rPr sz="1600" spc="-15" dirty="0">
-                <a:latin typeface="Arial MT"/>
-                <a:cs typeface="Arial MT"/>
-              </a:rPr>
-              <a:t> </a:t>
-            </a:r>
-            <a:r>
-              <a:rPr sz="1600" dirty="0">
-                <a:latin typeface="Arial MT"/>
-                <a:cs typeface="Arial MT"/>
-              </a:rPr>
-              <a:t>prodotto</a:t>
-            </a:r>
-            <a:r>
-              <a:rPr sz="1600" spc="-20" dirty="0">
-                <a:latin typeface="Arial MT"/>
-                <a:cs typeface="Arial MT"/>
-              </a:rPr>
-              <a:t> </a:t>
-            </a:r>
-            <a:r>
-              <a:rPr sz="1600" dirty="0">
-                <a:latin typeface="Arial MT"/>
-                <a:cs typeface="Arial MT"/>
-              </a:rPr>
-              <a:t>fornito</a:t>
-            </a:r>
-            <a:r>
-              <a:rPr sz="1600" spc="-20" dirty="0">
-                <a:latin typeface="Arial MT"/>
-                <a:cs typeface="Arial MT"/>
-              </a:rPr>
-              <a:t> </a:t>
-            </a:r>
-            <a:r>
-              <a:rPr sz="1600" dirty="0">
-                <a:latin typeface="Arial MT"/>
-                <a:cs typeface="Arial MT"/>
-              </a:rPr>
-              <a:t>corrisponde</a:t>
-            </a:r>
-            <a:r>
-              <a:rPr sz="1600" spc="-20" dirty="0">
-                <a:latin typeface="Arial MT"/>
-                <a:cs typeface="Arial MT"/>
-              </a:rPr>
-              <a:t> </a:t>
-            </a:r>
-            <a:r>
-              <a:rPr sz="1600" dirty="0">
-                <a:latin typeface="Arial MT"/>
-                <a:cs typeface="Arial MT"/>
-              </a:rPr>
-              <a:t>a</a:t>
-            </a:r>
-            <a:r>
-              <a:rPr sz="1600" spc="-20" dirty="0">
-                <a:latin typeface="Arial MT"/>
-                <a:cs typeface="Arial MT"/>
-              </a:rPr>
-              <a:t> </a:t>
-            </a:r>
-            <a:r>
-              <a:rPr sz="1600" dirty="0">
-                <a:latin typeface="Arial MT"/>
-                <a:cs typeface="Arial MT"/>
-              </a:rPr>
-              <a:t>quello</a:t>
-            </a:r>
-            <a:r>
-              <a:rPr sz="1600" spc="-10" dirty="0">
-                <a:latin typeface="Arial MT"/>
-                <a:cs typeface="Arial MT"/>
-              </a:rPr>
-              <a:t> </a:t>
-            </a:r>
-            <a:r>
-              <a:rPr sz="1600" dirty="0">
-                <a:latin typeface="Arial MT"/>
-                <a:cs typeface="Arial MT"/>
-              </a:rPr>
-              <a:t>selezionato</a:t>
-            </a:r>
-            <a:r>
-              <a:rPr sz="1600" spc="-20" dirty="0">
-                <a:latin typeface="Arial MT"/>
-                <a:cs typeface="Arial MT"/>
-              </a:rPr>
-              <a:t> </a:t>
-            </a:r>
-            <a:r>
-              <a:rPr sz="1600" dirty="0">
-                <a:latin typeface="Arial MT"/>
-                <a:cs typeface="Arial MT"/>
-              </a:rPr>
-              <a:t>dal</a:t>
-            </a:r>
-            <a:r>
-              <a:rPr sz="1600" spc="-15" dirty="0">
-                <a:latin typeface="Arial MT"/>
-                <a:cs typeface="Arial MT"/>
-              </a:rPr>
-              <a:t> </a:t>
-            </a:r>
-            <a:r>
-              <a:rPr sz="1600" dirty="0">
-                <a:latin typeface="Arial MT"/>
-                <a:cs typeface="Arial MT"/>
-              </a:rPr>
-              <a:t>cliente,</a:t>
-            </a:r>
-            <a:r>
-              <a:rPr sz="1600" spc="-15" dirty="0">
-                <a:latin typeface="Arial MT"/>
-                <a:cs typeface="Arial MT"/>
-              </a:rPr>
-              <a:t> </a:t>
-            </a:r>
-            <a:r>
-              <a:rPr sz="1600" dirty="0">
-                <a:latin typeface="Arial MT"/>
-                <a:cs typeface="Arial MT"/>
-              </a:rPr>
-              <a:t>la</a:t>
-            </a:r>
-            <a:r>
-              <a:rPr sz="1600" spc="-20" dirty="0">
-                <a:latin typeface="Arial MT"/>
-                <a:cs typeface="Arial MT"/>
-              </a:rPr>
-              <a:t> </a:t>
-            </a:r>
-            <a:r>
-              <a:rPr sz="1600" dirty="0">
-                <a:latin typeface="Arial MT"/>
-                <a:cs typeface="Arial MT"/>
-              </a:rPr>
-              <a:t>macchina</a:t>
-            </a:r>
-            <a:r>
-              <a:rPr sz="1600" spc="-20" dirty="0">
-                <a:latin typeface="Arial MT"/>
-                <a:cs typeface="Arial MT"/>
-              </a:rPr>
-              <a:t> </a:t>
-            </a:r>
-            <a:r>
-              <a:rPr sz="1600" spc="-50" dirty="0">
-                <a:latin typeface="Arial MT"/>
-                <a:cs typeface="Arial MT"/>
-              </a:rPr>
-              <a:t>è </a:t>
-            </a:r>
-            <a:r>
-              <a:rPr sz="1600" dirty="0">
-                <a:latin typeface="Arial MT"/>
-                <a:cs typeface="Arial MT"/>
-              </a:rPr>
-              <a:t>pronta</a:t>
-            </a:r>
-            <a:r>
-              <a:rPr sz="1600" spc="-20" dirty="0">
-                <a:latin typeface="Arial MT"/>
-                <a:cs typeface="Arial MT"/>
-              </a:rPr>
-              <a:t> </a:t>
-            </a:r>
-            <a:r>
-              <a:rPr sz="1600" dirty="0">
-                <a:latin typeface="Arial MT"/>
-                <a:cs typeface="Arial MT"/>
-              </a:rPr>
-              <a:t>per</a:t>
-            </a:r>
-            <a:r>
-              <a:rPr sz="1600" spc="-15" dirty="0">
-                <a:latin typeface="Arial MT"/>
-                <a:cs typeface="Arial MT"/>
-              </a:rPr>
-              <a:t> </a:t>
-            </a:r>
-            <a:r>
-              <a:rPr sz="1600" dirty="0">
-                <a:latin typeface="Arial MT"/>
-                <a:cs typeface="Arial MT"/>
-              </a:rPr>
-              <a:t>una</a:t>
-            </a:r>
-            <a:r>
-              <a:rPr sz="1600" spc="-20" dirty="0">
-                <a:latin typeface="Arial MT"/>
-                <a:cs typeface="Arial MT"/>
-              </a:rPr>
-              <a:t> </a:t>
-            </a:r>
-            <a:r>
-              <a:rPr sz="1600" dirty="0">
-                <a:latin typeface="Arial MT"/>
-                <a:cs typeface="Arial MT"/>
-              </a:rPr>
-              <a:t>nuova</a:t>
-            </a:r>
-            <a:r>
-              <a:rPr sz="1600" spc="-10" dirty="0">
-                <a:latin typeface="Arial MT"/>
-                <a:cs typeface="Arial MT"/>
-              </a:rPr>
-              <a:t> transazione</a:t>
-            </a:r>
-            <a:endParaRPr sz="1600">
-              <a:latin typeface="Arial MT"/>
-              <a:cs typeface="Arial MT"/>
+            <a:pPr lvl="1"/>
+            <a:r>
+              <a:rPr lang="en-US" dirty="0">
+                <a:latin typeface="Arial" panose="020B0604020202020204" pitchFamily="34" charset="0"/>
+                <a:cs typeface="Arial" panose="020B0604020202020204" pitchFamily="34" charset="0"/>
+              </a:rPr>
+              <a:t>The system receives the purchase confirmation through the press of the blinking button, and accordingly dispenses the product and the change.</a:t>
+            </a:r>
+          </a:p>
+          <a:p>
+            <a:r>
+              <a:rPr lang="en-US" b="1" dirty="0">
+                <a:latin typeface="Arial" panose="020B0604020202020204" pitchFamily="34" charset="0"/>
+                <a:cs typeface="Arial" panose="020B0604020202020204" pitchFamily="34" charset="0"/>
+              </a:rPr>
+              <a:t>Pre-conditions:</a:t>
+            </a:r>
+          </a:p>
+          <a:p>
+            <a:pPr lvl="1"/>
+            <a:r>
+              <a:rPr lang="en-US" dirty="0">
+                <a:latin typeface="Arial" panose="020B0604020202020204" pitchFamily="34" charset="0"/>
+                <a:cs typeface="Arial" panose="020B0604020202020204" pitchFamily="34" charset="0"/>
+              </a:rPr>
+              <a:t>The system is available to receive an order.</a:t>
+            </a:r>
+          </a:p>
+          <a:p>
+            <a:pPr lvl="1"/>
+            <a:r>
+              <a:rPr lang="en-US" dirty="0">
+                <a:latin typeface="Arial" panose="020B0604020202020204" pitchFamily="34" charset="0"/>
+                <a:cs typeface="Arial" panose="020B0604020202020204" pitchFamily="34" charset="0"/>
+              </a:rPr>
+              <a:t>No other transactions are in progress.</a:t>
+            </a:r>
+          </a:p>
+          <a:p>
+            <a:r>
+              <a:rPr lang="en-US" b="1" dirty="0">
+                <a:latin typeface="Arial" panose="020B0604020202020204" pitchFamily="34" charset="0"/>
+                <a:cs typeface="Arial" panose="020B0604020202020204" pitchFamily="34" charset="0"/>
+              </a:rPr>
+              <a:t>Post-conditions:</a:t>
+            </a:r>
+          </a:p>
+          <a:p>
+            <a:pPr lvl="1"/>
+            <a:r>
+              <a:rPr lang="en-US" dirty="0">
+                <a:latin typeface="Arial" panose="020B0604020202020204" pitchFamily="34" charset="0"/>
+                <a:cs typeface="Arial" panose="020B0604020202020204" pitchFamily="34" charset="0"/>
+              </a:rPr>
+              <a:t>The amount returned is equal to the difference between the amount inserted and the product price.</a:t>
+            </a:r>
+          </a:p>
+          <a:p>
+            <a:pPr lvl="1"/>
+            <a:r>
+              <a:rPr lang="en-US" dirty="0">
+                <a:latin typeface="Arial" panose="020B0604020202020204" pitchFamily="34" charset="0"/>
+                <a:cs typeface="Arial" panose="020B0604020202020204" pitchFamily="34" charset="0"/>
+              </a:rPr>
+              <a:t>The product delivered corresponds to the one selected by the customer.</a:t>
+            </a:r>
+          </a:p>
+          <a:p>
+            <a:pPr lvl="1"/>
+            <a:r>
+              <a:rPr lang="en-US" dirty="0">
+                <a:latin typeface="Arial" panose="020B0604020202020204" pitchFamily="34" charset="0"/>
+                <a:cs typeface="Arial" panose="020B0604020202020204" pitchFamily="34" charset="0"/>
+              </a:rPr>
+              <a:t>The machine is ready for a new transaction.</a:t>
+            </a:r>
+          </a:p>
+          <a:p>
+            <a:endParaRPr lang="en-US" dirty="0">
+              <a:latin typeface="Arial" panose="020B0604020202020204" pitchFamily="34" charset="0"/>
+              <a:cs typeface="Arial" panose="020B0604020202020204" pitchFamily="34" charset="0"/>
             </a:endParaRPr>
           </a:p>
         </p:txBody>
@@ -49661,6 +45641,13 @@
   <p:clrMapOvr>
     <a:masterClrMapping/>
   </p:clrMapOvr>
+  <p:timing>
+    <p:tnLst>
+      <p:par>
+        <p:cTn id="1" dur="indefinite" restart="never" nodeType="tmRoot"/>
+      </p:par>
+    </p:tnLst>
+  </p:timing>
 </p:sld>
 </file>
 
@@ -50860,6 +46847,13 @@
   <p:clrMapOvr>
     <a:masterClrMapping/>
   </p:clrMapOvr>
+  <p:timing>
+    <p:tnLst>
+      <p:par>
+        <p:cTn id="1" dur="indefinite" restart="never" nodeType="tmRoot"/>
+      </p:par>
+    </p:tnLst>
+  </p:timing>
 </p:sld>
 </file>
 
@@ -50891,6 +46885,10 @@
           </p:nvPr>
         </p:nvSpPr>
         <p:spPr>
+          <a:xfrm>
+            <a:off x="692388" y="566292"/>
+            <a:ext cx="8686324" cy="1132618"/>
+          </a:xfrm>
           <a:prstGeom prst="rect">
             <a:avLst/>
           </a:prstGeom>
@@ -50901,7 +46899,7 @@
           </a:bodyPr>
           <a:lstStyle/>
           <a:p>
-            <a:pPr marL="441325">
+            <a:pPr marL="441325" algn="ctr">
               <a:lnSpc>
                 <a:spcPct val="100000"/>
               </a:lnSpc>
@@ -50910,49 +46908,16 @@
               </a:spcBef>
             </a:pPr>
             <a:r>
-              <a:rPr spc="-10" dirty="0"/>
-              <a:t>DABC</a:t>
-            </a:r>
-            <a:r>
-              <a:rPr spc="-165" dirty="0"/>
-              <a:t> </a:t>
-            </a:r>
-            <a:r>
-              <a:rPr spc="-20" dirty="0"/>
-              <a:t>Esempi</a:t>
-            </a:r>
-            <a:r>
-              <a:rPr spc="-120" dirty="0"/>
-              <a:t> </a:t>
-            </a:r>
-            <a:r>
-              <a:rPr dirty="0"/>
-              <a:t>di</a:t>
-            </a:r>
-            <a:r>
-              <a:rPr spc="-120" dirty="0"/>
-              <a:t> </a:t>
-            </a:r>
-            <a:r>
-              <a:rPr spc="-20" dirty="0"/>
-              <a:t>Requisiti</a:t>
-            </a:r>
-            <a:r>
-              <a:rPr spc="-120" dirty="0"/>
-              <a:t> </a:t>
-            </a:r>
-            <a:r>
-              <a:rPr dirty="0"/>
-              <a:t>non</a:t>
-            </a:r>
-            <a:r>
-              <a:rPr spc="-135" dirty="0"/>
-              <a:t> </a:t>
-            </a:r>
-            <a:r>
-              <a:rPr spc="-10" dirty="0"/>
-              <a:t>Funzionali</a:t>
-            </a:r>
+              <a:rPr lang="en-US" dirty="0">
+                <a:latin typeface="Arial" panose="020B0604020202020204" pitchFamily="34" charset="0"/>
+                <a:cs typeface="Arial" panose="020B0604020202020204" pitchFamily="34" charset="0"/>
+              </a:rPr>
+              <a:t>DABC Examples of Non-Functional Requirements</a:t>
+            </a:r>
+            <a:endParaRPr spc="-10" dirty="0">
+              <a:latin typeface="Arial" panose="020B0604020202020204" pitchFamily="34" charset="0"/>
+              <a:cs typeface="Arial" panose="020B0604020202020204" pitchFamily="34" charset="0"/>
+            </a:endParaRPr>
           </a:p>
         </p:txBody>
       </p:sp>
@@ -50987,7 +46952,7 @@
         <p:spPr>
           <a:xfrm>
             <a:off x="835660" y="1991360"/>
-            <a:ext cx="8575675" cy="4758690"/>
+            <a:ext cx="8575675" cy="3447098"/>
           </a:xfrm>
           <a:prstGeom prst="rect">
             <a:avLst/>
@@ -51008,377 +46973,19 @@
               </a:spcBef>
             </a:pPr>
             <a:r>
-              <a:rPr sz="2200" dirty="0">
-                <a:latin typeface="Arial MT"/>
-                <a:cs typeface="Arial MT"/>
-              </a:rPr>
-              <a:t>Può</a:t>
-            </a:r>
-            <a:r>
-              <a:rPr sz="2200" spc="-35" dirty="0">
-                <a:latin typeface="Arial MT"/>
-                <a:cs typeface="Arial MT"/>
-              </a:rPr>
-              <a:t> </a:t>
-            </a:r>
-            <a:r>
-              <a:rPr sz="2200" dirty="0">
-                <a:latin typeface="Arial MT"/>
-                <a:cs typeface="Arial MT"/>
-              </a:rPr>
-              <a:t>verificarsi</a:t>
-            </a:r>
-            <a:r>
-              <a:rPr sz="2200" spc="-30" dirty="0">
-                <a:latin typeface="Arial MT"/>
-                <a:cs typeface="Arial MT"/>
-              </a:rPr>
-              <a:t> </a:t>
-            </a:r>
-            <a:r>
-              <a:rPr sz="2200" dirty="0">
-                <a:latin typeface="Arial MT"/>
-                <a:cs typeface="Arial MT"/>
-              </a:rPr>
-              <a:t>al</a:t>
-            </a:r>
-            <a:r>
-              <a:rPr sz="2200" spc="-40" dirty="0">
-                <a:latin typeface="Arial MT"/>
-                <a:cs typeface="Arial MT"/>
-              </a:rPr>
-              <a:t> </a:t>
-            </a:r>
-            <a:r>
-              <a:rPr sz="2200" dirty="0">
-                <a:latin typeface="Arial MT"/>
-                <a:cs typeface="Arial MT"/>
-              </a:rPr>
-              <a:t>più</a:t>
-            </a:r>
-            <a:r>
-              <a:rPr sz="2200" spc="-45" dirty="0">
-                <a:latin typeface="Arial MT"/>
-                <a:cs typeface="Arial MT"/>
-              </a:rPr>
-              <a:t> </a:t>
-            </a:r>
-            <a:r>
-              <a:rPr sz="2200" dirty="0">
-                <a:latin typeface="Arial MT"/>
-                <a:cs typeface="Arial MT"/>
-              </a:rPr>
-              <a:t>un</a:t>
-            </a:r>
-            <a:r>
-              <a:rPr sz="2200" spc="-35" dirty="0">
-                <a:latin typeface="Arial MT"/>
-                <a:cs typeface="Arial MT"/>
-              </a:rPr>
-              <a:t> </a:t>
-            </a:r>
-            <a:r>
-              <a:rPr sz="2200" dirty="0">
-                <a:latin typeface="Arial MT"/>
-                <a:cs typeface="Arial MT"/>
-              </a:rPr>
-              <a:t>errore</a:t>
-            </a:r>
-            <a:r>
-              <a:rPr sz="2200" spc="-35" dirty="0">
-                <a:latin typeface="Arial MT"/>
-                <a:cs typeface="Arial MT"/>
-              </a:rPr>
-              <a:t> </a:t>
-            </a:r>
-            <a:r>
-              <a:rPr sz="2200" dirty="0">
-                <a:latin typeface="Arial MT"/>
-                <a:cs typeface="Arial MT"/>
-              </a:rPr>
-              <a:t>ogni</a:t>
-            </a:r>
-            <a:r>
-              <a:rPr sz="2200" spc="-30" dirty="0">
-                <a:latin typeface="Arial MT"/>
-                <a:cs typeface="Arial MT"/>
-              </a:rPr>
-              <a:t> </a:t>
-            </a:r>
-            <a:r>
-              <a:rPr sz="2200" dirty="0">
-                <a:latin typeface="Arial MT"/>
-                <a:cs typeface="Arial MT"/>
-              </a:rPr>
-              <a:t>1000</a:t>
-            </a:r>
-            <a:r>
-              <a:rPr sz="2200" spc="-35" dirty="0">
-                <a:latin typeface="Arial MT"/>
-                <a:cs typeface="Arial MT"/>
-              </a:rPr>
-              <a:t> </a:t>
-            </a:r>
-            <a:r>
-              <a:rPr sz="2200" spc="-10" dirty="0">
-                <a:latin typeface="Arial MT"/>
-                <a:cs typeface="Arial MT"/>
-              </a:rPr>
-              <a:t>transazioni</a:t>
-            </a:r>
-            <a:endParaRPr sz="2200">
-              <a:latin typeface="Arial MT"/>
-              <a:cs typeface="Arial MT"/>
-            </a:endParaRPr>
-          </a:p>
-          <a:p>
-            <a:pPr marL="12700" marR="1128395">
-              <a:lnSpc>
-                <a:spcPct val="156800"/>
-              </a:lnSpc>
-            </a:pPr>
-            <a:r>
-              <a:rPr sz="2200" dirty="0">
-                <a:latin typeface="Arial MT"/>
-                <a:cs typeface="Arial MT"/>
-              </a:rPr>
-              <a:t>il</a:t>
-            </a:r>
-            <a:r>
-              <a:rPr sz="2200" spc="-35" dirty="0">
-                <a:latin typeface="Arial MT"/>
-                <a:cs typeface="Arial MT"/>
-              </a:rPr>
-              <a:t> </a:t>
-            </a:r>
-            <a:r>
-              <a:rPr sz="2200" dirty="0">
-                <a:latin typeface="Arial MT"/>
-                <a:cs typeface="Arial MT"/>
-              </a:rPr>
-              <a:t>sistema</a:t>
-            </a:r>
-            <a:r>
-              <a:rPr sz="2200" spc="-30" dirty="0">
-                <a:latin typeface="Arial MT"/>
-                <a:cs typeface="Arial MT"/>
-              </a:rPr>
-              <a:t> </a:t>
-            </a:r>
-            <a:r>
-              <a:rPr sz="2200" dirty="0">
-                <a:latin typeface="Arial MT"/>
-                <a:cs typeface="Arial MT"/>
-              </a:rPr>
-              <a:t>non</a:t>
-            </a:r>
-            <a:r>
-              <a:rPr sz="2200" spc="-25" dirty="0">
-                <a:latin typeface="Arial MT"/>
-                <a:cs typeface="Arial MT"/>
-              </a:rPr>
-              <a:t> </a:t>
-            </a:r>
-            <a:r>
-              <a:rPr sz="2200" dirty="0">
-                <a:latin typeface="Arial MT"/>
-                <a:cs typeface="Arial MT"/>
-              </a:rPr>
-              <a:t>deve</a:t>
-            </a:r>
-            <a:r>
-              <a:rPr sz="2200" spc="-40" dirty="0">
-                <a:latin typeface="Arial MT"/>
-                <a:cs typeface="Arial MT"/>
-              </a:rPr>
-              <a:t> </a:t>
-            </a:r>
-            <a:r>
-              <a:rPr sz="2200" dirty="0">
-                <a:latin typeface="Arial MT"/>
-                <a:cs typeface="Arial MT"/>
-              </a:rPr>
-              <a:t>mai</a:t>
-            </a:r>
-            <a:r>
-              <a:rPr sz="2200" spc="-30" dirty="0">
-                <a:latin typeface="Arial MT"/>
-                <a:cs typeface="Arial MT"/>
-              </a:rPr>
-              <a:t> </a:t>
-            </a:r>
-            <a:r>
-              <a:rPr sz="2200" dirty="0">
-                <a:latin typeface="Arial MT"/>
-                <a:cs typeface="Arial MT"/>
-              </a:rPr>
-              <a:t>fornire</a:t>
-            </a:r>
-            <a:r>
-              <a:rPr sz="2200" spc="-40" dirty="0">
-                <a:latin typeface="Arial MT"/>
-                <a:cs typeface="Arial MT"/>
-              </a:rPr>
-              <a:t> </a:t>
-            </a:r>
-            <a:r>
-              <a:rPr sz="2200" dirty="0">
-                <a:latin typeface="Arial MT"/>
-                <a:cs typeface="Arial MT"/>
-              </a:rPr>
-              <a:t>cibo</a:t>
-            </a:r>
-            <a:r>
-              <a:rPr sz="2200" spc="-25" dirty="0">
-                <a:latin typeface="Arial MT"/>
-                <a:cs typeface="Arial MT"/>
-              </a:rPr>
-              <a:t> </a:t>
-            </a:r>
-            <a:r>
-              <a:rPr sz="2200" dirty="0">
-                <a:latin typeface="Arial MT"/>
-                <a:cs typeface="Arial MT"/>
-              </a:rPr>
-              <a:t>e</a:t>
-            </a:r>
-            <a:r>
-              <a:rPr sz="2200" spc="-30" dirty="0">
-                <a:latin typeface="Arial MT"/>
-                <a:cs typeface="Arial MT"/>
-              </a:rPr>
-              <a:t> </a:t>
-            </a:r>
-            <a:r>
-              <a:rPr sz="2200" dirty="0">
-                <a:latin typeface="Arial MT"/>
-                <a:cs typeface="Arial MT"/>
-              </a:rPr>
-              <a:t>bevande</a:t>
-            </a:r>
-            <a:r>
-              <a:rPr sz="2200" spc="-35" dirty="0">
-                <a:latin typeface="Arial MT"/>
-                <a:cs typeface="Arial MT"/>
-              </a:rPr>
-              <a:t> </a:t>
-            </a:r>
-            <a:r>
-              <a:rPr sz="2200" dirty="0">
-                <a:latin typeface="Arial MT"/>
-                <a:cs typeface="Arial MT"/>
-              </a:rPr>
-              <a:t>se</a:t>
-            </a:r>
-            <a:r>
-              <a:rPr sz="2200" spc="-30" dirty="0">
-                <a:latin typeface="Arial MT"/>
-                <a:cs typeface="Arial MT"/>
-              </a:rPr>
-              <a:t> </a:t>
-            </a:r>
-            <a:r>
-              <a:rPr sz="2200" dirty="0">
-                <a:latin typeface="Arial MT"/>
-                <a:cs typeface="Arial MT"/>
-              </a:rPr>
-              <a:t>la</a:t>
-            </a:r>
-            <a:r>
-              <a:rPr sz="2200" spc="-40" dirty="0">
-                <a:latin typeface="Arial MT"/>
-                <a:cs typeface="Arial MT"/>
-              </a:rPr>
-              <a:t> </a:t>
-            </a:r>
-            <a:r>
-              <a:rPr sz="2200" spc="-10" dirty="0">
-                <a:latin typeface="Arial MT"/>
-                <a:cs typeface="Arial MT"/>
-              </a:rPr>
-              <a:t>somma </a:t>
-            </a:r>
-            <a:r>
-              <a:rPr sz="2200" dirty="0">
-                <a:latin typeface="Arial MT"/>
-                <a:cs typeface="Arial MT"/>
-              </a:rPr>
-              <a:t>corrispondente</a:t>
-            </a:r>
-            <a:r>
-              <a:rPr sz="2200" spc="-50" dirty="0">
-                <a:latin typeface="Arial MT"/>
-                <a:cs typeface="Arial MT"/>
-              </a:rPr>
-              <a:t> </a:t>
-            </a:r>
-            <a:r>
-              <a:rPr sz="2200" dirty="0">
-                <a:latin typeface="Arial MT"/>
-                <a:cs typeface="Arial MT"/>
-              </a:rPr>
-              <a:t>non</a:t>
-            </a:r>
-            <a:r>
-              <a:rPr sz="2200" spc="-45" dirty="0">
-                <a:latin typeface="Arial MT"/>
-                <a:cs typeface="Arial MT"/>
-              </a:rPr>
-              <a:t> </a:t>
-            </a:r>
-            <a:r>
-              <a:rPr sz="2200" dirty="0">
-                <a:latin typeface="Arial MT"/>
-                <a:cs typeface="Arial MT"/>
-              </a:rPr>
-              <a:t>è</a:t>
-            </a:r>
-            <a:r>
-              <a:rPr sz="2200" spc="-50" dirty="0">
-                <a:latin typeface="Arial MT"/>
-                <a:cs typeface="Arial MT"/>
-              </a:rPr>
-              <a:t> </a:t>
-            </a:r>
-            <a:r>
-              <a:rPr sz="2200" dirty="0">
-                <a:latin typeface="Arial MT"/>
-                <a:cs typeface="Arial MT"/>
-              </a:rPr>
-              <a:t>stata</a:t>
-            </a:r>
-            <a:r>
-              <a:rPr sz="2200" spc="-40" dirty="0">
-                <a:latin typeface="Arial MT"/>
-                <a:cs typeface="Arial MT"/>
-              </a:rPr>
-              <a:t> </a:t>
-            </a:r>
-            <a:r>
-              <a:rPr sz="2200" dirty="0">
-                <a:latin typeface="Arial MT"/>
-                <a:cs typeface="Arial MT"/>
-              </a:rPr>
-              <a:t>già</a:t>
-            </a:r>
-            <a:r>
-              <a:rPr sz="2200" spc="-45" dirty="0">
-                <a:latin typeface="Arial MT"/>
-                <a:cs typeface="Arial MT"/>
-              </a:rPr>
-              <a:t> </a:t>
-            </a:r>
-            <a:r>
-              <a:rPr sz="2200" spc="-10" dirty="0">
-                <a:latin typeface="Arial MT"/>
-                <a:cs typeface="Arial MT"/>
-              </a:rPr>
-              <a:t>versata</a:t>
-            </a:r>
-            <a:endParaRPr sz="2200">
-              <a:latin typeface="Arial MT"/>
-              <a:cs typeface="Arial MT"/>
-            </a:endParaRPr>
+              <a:rPr lang="en-US" dirty="0">
+                <a:latin typeface="Arial" panose="020B0604020202020204" pitchFamily="34" charset="0"/>
+                <a:cs typeface="Arial" panose="020B0604020202020204" pitchFamily="34" charset="0"/>
+              </a:rPr>
+              <a:t>At most one error can occur every 1000 </a:t>
+            </a:r>
+            <a:r>
+              <a:rPr lang="en-US" dirty="0" smtClean="0">
+                <a:latin typeface="Arial" panose="020B0604020202020204" pitchFamily="34" charset="0"/>
+                <a:cs typeface="Arial" panose="020B0604020202020204" pitchFamily="34" charset="0"/>
+              </a:rPr>
+              <a:t>transactions</a:t>
+            </a:r>
           </a:p>
           <a:p>
             <a:pPr marL="12700">
@@ -51386,779 +46993,115 @@
                 <a:spcPct val="100000"/>
               </a:lnSpc>
               <a:spcBef>
-                <a:spcPts val="1500"/>
+                <a:spcPts val="1600"/>
               </a:spcBef>
             </a:pPr>
             <a:r>
-              <a:rPr sz="2200" dirty="0">
-                <a:latin typeface="Arial MT"/>
-                <a:cs typeface="Arial MT"/>
-              </a:rPr>
-              <a:t>Il</a:t>
-            </a:r>
-            <a:r>
-              <a:rPr sz="2200" spc="-45" dirty="0">
-                <a:latin typeface="Arial MT"/>
-                <a:cs typeface="Arial MT"/>
-              </a:rPr>
-              <a:t> </a:t>
-            </a:r>
-            <a:r>
-              <a:rPr sz="2200" dirty="0">
-                <a:latin typeface="Arial MT"/>
-                <a:cs typeface="Arial MT"/>
-              </a:rPr>
-              <a:t>sistema</a:t>
-            </a:r>
-            <a:r>
-              <a:rPr sz="2200" spc="-35" dirty="0">
-                <a:latin typeface="Arial MT"/>
-                <a:cs typeface="Arial MT"/>
-              </a:rPr>
-              <a:t> </a:t>
-            </a:r>
-            <a:r>
-              <a:rPr sz="2200" dirty="0">
-                <a:latin typeface="Arial MT"/>
-                <a:cs typeface="Arial MT"/>
-              </a:rPr>
-              <a:t>può</a:t>
-            </a:r>
-            <a:r>
-              <a:rPr sz="2200" spc="-30" dirty="0">
-                <a:latin typeface="Arial MT"/>
-                <a:cs typeface="Arial MT"/>
-              </a:rPr>
-              <a:t> </a:t>
-            </a:r>
-            <a:r>
-              <a:rPr sz="2200" dirty="0">
-                <a:latin typeface="Arial MT"/>
-                <a:cs typeface="Arial MT"/>
-              </a:rPr>
-              <a:t>essere</a:t>
-            </a:r>
-            <a:r>
-              <a:rPr sz="2200" spc="-45" dirty="0">
-                <a:latin typeface="Arial MT"/>
-                <a:cs typeface="Arial MT"/>
-              </a:rPr>
-              <a:t> </a:t>
-            </a:r>
-            <a:r>
-              <a:rPr sz="2200" dirty="0">
-                <a:latin typeface="Arial MT"/>
-                <a:cs typeface="Arial MT"/>
-              </a:rPr>
-              <a:t>indisponibile</a:t>
-            </a:r>
-            <a:r>
-              <a:rPr sz="2200" spc="-40" dirty="0">
-                <a:latin typeface="Arial MT"/>
-                <a:cs typeface="Arial MT"/>
-              </a:rPr>
-              <a:t> </a:t>
-            </a:r>
-            <a:r>
-              <a:rPr sz="2200" dirty="0">
-                <a:latin typeface="Arial MT"/>
-                <a:cs typeface="Arial MT"/>
-              </a:rPr>
-              <a:t>al</a:t>
-            </a:r>
-            <a:r>
-              <a:rPr sz="2200" spc="-30" dirty="0">
-                <a:latin typeface="Arial MT"/>
-                <a:cs typeface="Arial MT"/>
-              </a:rPr>
-              <a:t> </a:t>
-            </a:r>
-            <a:r>
-              <a:rPr sz="2200" dirty="0">
-                <a:latin typeface="Arial MT"/>
-                <a:cs typeface="Arial MT"/>
-              </a:rPr>
-              <a:t>più</a:t>
-            </a:r>
-            <a:r>
-              <a:rPr sz="2200" spc="-30" dirty="0">
-                <a:latin typeface="Arial MT"/>
-                <a:cs typeface="Arial MT"/>
-              </a:rPr>
-              <a:t> </a:t>
-            </a:r>
-            <a:r>
-              <a:rPr sz="2200" dirty="0">
-                <a:latin typeface="Arial MT"/>
-                <a:cs typeface="Arial MT"/>
-              </a:rPr>
-              <a:t>per</a:t>
-            </a:r>
-            <a:r>
-              <a:rPr sz="2200" spc="-45" dirty="0">
-                <a:latin typeface="Arial MT"/>
-                <a:cs typeface="Arial MT"/>
-              </a:rPr>
-              <a:t> </a:t>
-            </a:r>
-            <a:r>
-              <a:rPr sz="2200" dirty="0">
-                <a:latin typeface="Arial MT"/>
-                <a:cs typeface="Arial MT"/>
-              </a:rPr>
-              <a:t>un'ora</a:t>
-            </a:r>
-            <a:r>
-              <a:rPr sz="2200" spc="-30" dirty="0">
-                <a:latin typeface="Arial MT"/>
-                <a:cs typeface="Arial MT"/>
-              </a:rPr>
-              <a:t> </a:t>
-            </a:r>
-            <a:r>
-              <a:rPr sz="2200" dirty="0">
-                <a:latin typeface="Arial MT"/>
-                <a:cs typeface="Arial MT"/>
-              </a:rPr>
-              <a:t>la</a:t>
-            </a:r>
-            <a:r>
-              <a:rPr sz="2200" spc="-35" dirty="0">
-                <a:latin typeface="Arial MT"/>
-                <a:cs typeface="Arial MT"/>
-              </a:rPr>
-              <a:t> </a:t>
-            </a:r>
-            <a:r>
-              <a:rPr sz="2200" spc="-10" dirty="0">
-                <a:latin typeface="Arial MT"/>
-                <a:cs typeface="Arial MT"/>
-              </a:rPr>
-              <a:t>settimana</a:t>
-            </a:r>
-            <a:endParaRPr sz="2200">
-              <a:latin typeface="Arial MT"/>
-              <a:cs typeface="Arial MT"/>
-            </a:endParaRPr>
+              <a:rPr lang="en-US" dirty="0">
+                <a:latin typeface="Arial" panose="020B0604020202020204" pitchFamily="34" charset="0"/>
+                <a:cs typeface="Arial" panose="020B0604020202020204" pitchFamily="34" charset="0"/>
+              </a:rPr>
+              <a:t>The system must never dispense food and beverages unless the corresponding amount has already been deposited</a:t>
+            </a:r>
+            <a:r>
+              <a:rPr lang="en-US" dirty="0" smtClean="0">
+                <a:latin typeface="Arial" panose="020B0604020202020204" pitchFamily="34" charset="0"/>
+                <a:cs typeface="Arial" panose="020B0604020202020204" pitchFamily="34" charset="0"/>
+              </a:rPr>
+              <a:t>.</a:t>
+            </a:r>
           </a:p>
           <a:p>
-            <a:pPr marL="12700" marR="5080">
+            <a:pPr marL="12700">
               <a:lnSpc>
-                <a:spcPct val="156800"/>
+                <a:spcPct val="100000"/>
               </a:lnSpc>
+              <a:spcBef>
+                <a:spcPts val="1600"/>
+              </a:spcBef>
             </a:pPr>
             <a:r>
-              <a:rPr sz="2200" dirty="0">
-                <a:latin typeface="Arial MT"/>
-                <a:cs typeface="Arial MT"/>
-              </a:rPr>
-              <a:t>Se</a:t>
-            </a:r>
-            <a:r>
-              <a:rPr sz="2200" spc="-35" dirty="0">
-                <a:latin typeface="Arial MT"/>
-                <a:cs typeface="Arial MT"/>
-              </a:rPr>
-              <a:t> </a:t>
-            </a:r>
-            <a:r>
-              <a:rPr sz="2200" dirty="0">
-                <a:latin typeface="Arial MT"/>
-                <a:cs typeface="Arial MT"/>
-              </a:rPr>
-              <a:t>il</a:t>
-            </a:r>
-            <a:r>
-              <a:rPr sz="2200" spc="-35" dirty="0">
-                <a:latin typeface="Arial MT"/>
-                <a:cs typeface="Arial MT"/>
-              </a:rPr>
-              <a:t> </a:t>
-            </a:r>
-            <a:r>
-              <a:rPr sz="2200" dirty="0">
-                <a:latin typeface="Arial MT"/>
-                <a:cs typeface="Arial MT"/>
-              </a:rPr>
-              <a:t>sistema</a:t>
-            </a:r>
-            <a:r>
-              <a:rPr sz="2200" spc="-30" dirty="0">
-                <a:latin typeface="Arial MT"/>
-                <a:cs typeface="Arial MT"/>
-              </a:rPr>
-              <a:t> </a:t>
-            </a:r>
-            <a:r>
-              <a:rPr sz="2200" dirty="0">
-                <a:latin typeface="Arial MT"/>
-                <a:cs typeface="Arial MT"/>
-              </a:rPr>
-              <a:t>va</a:t>
-            </a:r>
-            <a:r>
-              <a:rPr sz="2200" spc="-30" dirty="0">
-                <a:latin typeface="Arial MT"/>
-                <a:cs typeface="Arial MT"/>
-              </a:rPr>
-              <a:t> </a:t>
-            </a:r>
-            <a:r>
-              <a:rPr sz="2200" dirty="0">
-                <a:latin typeface="Arial MT"/>
-                <a:cs typeface="Arial MT"/>
-              </a:rPr>
-              <a:t>in</a:t>
-            </a:r>
-            <a:r>
-              <a:rPr sz="2200" spc="-30" dirty="0">
-                <a:latin typeface="Arial MT"/>
-                <a:cs typeface="Arial MT"/>
-              </a:rPr>
-              <a:t> </a:t>
-            </a:r>
-            <a:r>
-              <a:rPr sz="2200" dirty="0">
-                <a:latin typeface="Arial MT"/>
-                <a:cs typeface="Arial MT"/>
-              </a:rPr>
-              <a:t>errore</a:t>
-            </a:r>
-            <a:r>
-              <a:rPr sz="2200" spc="-35" dirty="0">
-                <a:latin typeface="Arial MT"/>
-                <a:cs typeface="Arial MT"/>
-              </a:rPr>
-              <a:t> </a:t>
-            </a:r>
-            <a:r>
-              <a:rPr sz="2200" dirty="0">
-                <a:latin typeface="Arial MT"/>
-                <a:cs typeface="Arial MT"/>
-              </a:rPr>
-              <a:t>deve</a:t>
-            </a:r>
-            <a:r>
-              <a:rPr sz="2200" spc="-30" dirty="0">
-                <a:latin typeface="Arial MT"/>
-                <a:cs typeface="Arial MT"/>
-              </a:rPr>
-              <a:t> </a:t>
-            </a:r>
-            <a:r>
-              <a:rPr sz="2200" dirty="0">
-                <a:latin typeface="Arial MT"/>
-                <a:cs typeface="Arial MT"/>
-              </a:rPr>
-              <a:t>essere</a:t>
-            </a:r>
-            <a:r>
-              <a:rPr sz="2200" spc="-40" dirty="0">
-                <a:latin typeface="Arial MT"/>
-                <a:cs typeface="Arial MT"/>
-              </a:rPr>
-              <a:t> </a:t>
-            </a:r>
-            <a:r>
-              <a:rPr sz="2200" dirty="0">
-                <a:latin typeface="Arial MT"/>
-                <a:cs typeface="Arial MT"/>
-              </a:rPr>
-              <a:t>possibile</a:t>
-            </a:r>
-            <a:r>
-              <a:rPr sz="2200" spc="-30" dirty="0">
-                <a:latin typeface="Arial MT"/>
-                <a:cs typeface="Arial MT"/>
-              </a:rPr>
-              <a:t> </a:t>
-            </a:r>
-            <a:r>
-              <a:rPr sz="2200" dirty="0">
-                <a:latin typeface="Arial MT"/>
-                <a:cs typeface="Arial MT"/>
-              </a:rPr>
-              <a:t>riportarlo</a:t>
-            </a:r>
-            <a:r>
-              <a:rPr sz="2200" spc="-30" dirty="0">
-                <a:latin typeface="Arial MT"/>
-                <a:cs typeface="Arial MT"/>
-              </a:rPr>
-              <a:t> </a:t>
-            </a:r>
-            <a:r>
-              <a:rPr sz="2200" dirty="0">
-                <a:latin typeface="Arial MT"/>
-                <a:cs typeface="Arial MT"/>
-              </a:rPr>
-              <a:t>in</a:t>
-            </a:r>
-            <a:r>
-              <a:rPr sz="2200" spc="-35" dirty="0">
-                <a:latin typeface="Arial MT"/>
-                <a:cs typeface="Arial MT"/>
-              </a:rPr>
-              <a:t> </a:t>
-            </a:r>
-            <a:r>
-              <a:rPr sz="2200" dirty="0">
-                <a:latin typeface="Arial MT"/>
-                <a:cs typeface="Arial MT"/>
-              </a:rPr>
-              <a:t>uno</a:t>
-            </a:r>
-            <a:r>
-              <a:rPr sz="2200" spc="-40" dirty="0">
-                <a:latin typeface="Arial MT"/>
-                <a:cs typeface="Arial MT"/>
-              </a:rPr>
-              <a:t> </a:t>
-            </a:r>
-            <a:r>
-              <a:rPr sz="2200" spc="-10" dirty="0">
-                <a:latin typeface="Arial MT"/>
-                <a:cs typeface="Arial MT"/>
-              </a:rPr>
-              <a:t>stato </a:t>
-            </a:r>
-            <a:r>
-              <a:rPr sz="2200" dirty="0">
-                <a:latin typeface="Arial MT"/>
-                <a:cs typeface="Arial MT"/>
-              </a:rPr>
-              <a:t>corretto</a:t>
-            </a:r>
-            <a:r>
-              <a:rPr sz="2200" spc="-35" dirty="0">
-                <a:latin typeface="Arial MT"/>
-                <a:cs typeface="Arial MT"/>
-              </a:rPr>
-              <a:t> </a:t>
-            </a:r>
-            <a:r>
-              <a:rPr sz="2200" dirty="0">
-                <a:latin typeface="Arial MT"/>
-                <a:cs typeface="Arial MT"/>
-              </a:rPr>
-              <a:t>in</a:t>
-            </a:r>
-            <a:r>
-              <a:rPr sz="2200" spc="-35" dirty="0">
-                <a:latin typeface="Arial MT"/>
-                <a:cs typeface="Arial MT"/>
-              </a:rPr>
-              <a:t> </a:t>
-            </a:r>
-            <a:r>
-              <a:rPr sz="2200" dirty="0">
-                <a:latin typeface="Arial MT"/>
-                <a:cs typeface="Arial MT"/>
-              </a:rPr>
-              <a:t>non</a:t>
-            </a:r>
-            <a:r>
-              <a:rPr sz="2200" spc="-25" dirty="0">
-                <a:latin typeface="Arial MT"/>
-                <a:cs typeface="Arial MT"/>
-              </a:rPr>
-              <a:t> </a:t>
-            </a:r>
-            <a:r>
-              <a:rPr sz="2200" dirty="0">
-                <a:latin typeface="Arial MT"/>
-                <a:cs typeface="Arial MT"/>
-              </a:rPr>
-              <a:t>più</a:t>
-            </a:r>
-            <a:r>
-              <a:rPr sz="2200" spc="-20" dirty="0">
-                <a:latin typeface="Arial MT"/>
-                <a:cs typeface="Arial MT"/>
-              </a:rPr>
-              <a:t> </a:t>
-            </a:r>
-            <a:r>
-              <a:rPr sz="2200" dirty="0">
-                <a:latin typeface="Arial MT"/>
-                <a:cs typeface="Arial MT"/>
-              </a:rPr>
-              <a:t>di</a:t>
-            </a:r>
-            <a:r>
-              <a:rPr sz="2200" spc="-20" dirty="0">
-                <a:latin typeface="Arial MT"/>
-                <a:cs typeface="Arial MT"/>
-              </a:rPr>
-              <a:t> </a:t>
-            </a:r>
-            <a:r>
-              <a:rPr sz="2200" dirty="0">
-                <a:latin typeface="Arial MT"/>
-                <a:cs typeface="Arial MT"/>
-              </a:rPr>
-              <a:t>2</a:t>
-            </a:r>
-            <a:r>
-              <a:rPr sz="2200" spc="-35" dirty="0">
-                <a:latin typeface="Arial MT"/>
-                <a:cs typeface="Arial MT"/>
-              </a:rPr>
-              <a:t> </a:t>
-            </a:r>
-            <a:r>
-              <a:rPr sz="2200" spc="-10" dirty="0">
-                <a:latin typeface="Arial MT"/>
-                <a:cs typeface="Arial MT"/>
-              </a:rPr>
-              <a:t>minuti</a:t>
-            </a:r>
-            <a:endParaRPr sz="2200">
-              <a:latin typeface="Arial MT"/>
-              <a:cs typeface="Arial MT"/>
-            </a:endParaRPr>
+              <a:rPr lang="en-US" dirty="0">
+                <a:latin typeface="Arial" panose="020B0604020202020204" pitchFamily="34" charset="0"/>
+                <a:cs typeface="Arial" panose="020B0604020202020204" pitchFamily="34" charset="0"/>
+              </a:rPr>
+              <a:t>The system can be unavailable for at most one hour per week</a:t>
+            </a:r>
+            <a:r>
+              <a:rPr lang="en-US" dirty="0" smtClean="0">
+                <a:latin typeface="Arial" panose="020B0604020202020204" pitchFamily="34" charset="0"/>
+                <a:cs typeface="Arial" panose="020B0604020202020204" pitchFamily="34" charset="0"/>
+              </a:rPr>
+              <a:t>.</a:t>
+            </a:r>
           </a:p>
           <a:p>
-            <a:pPr marL="12700" marR="300990">
+            <a:pPr marL="12700">
               <a:lnSpc>
-                <a:spcPct val="156800"/>
+                <a:spcPct val="100000"/>
               </a:lnSpc>
               <a:spcBef>
-                <a:spcPts val="10"/>
+                <a:spcPts val="1600"/>
               </a:spcBef>
             </a:pPr>
             <a:r>
-              <a:rPr sz="2200" dirty="0">
-                <a:latin typeface="Arial MT"/>
-                <a:cs typeface="Arial MT"/>
-              </a:rPr>
-              <a:t>Il</a:t>
-            </a:r>
-            <a:r>
-              <a:rPr sz="2200" spc="-50" dirty="0">
-                <a:latin typeface="Arial MT"/>
-                <a:cs typeface="Arial MT"/>
-              </a:rPr>
-              <a:t> </a:t>
-            </a:r>
-            <a:r>
-              <a:rPr sz="2200" dirty="0">
-                <a:latin typeface="Arial MT"/>
-                <a:cs typeface="Arial MT"/>
-              </a:rPr>
-              <a:t>tempo</a:t>
-            </a:r>
-            <a:r>
-              <a:rPr sz="2200" spc="-45" dirty="0">
-                <a:latin typeface="Arial MT"/>
-                <a:cs typeface="Arial MT"/>
-              </a:rPr>
-              <a:t> </a:t>
-            </a:r>
-            <a:r>
-              <a:rPr sz="2200" dirty="0">
-                <a:latin typeface="Arial MT"/>
-                <a:cs typeface="Arial MT"/>
-              </a:rPr>
-              <a:t>per</a:t>
-            </a:r>
-            <a:r>
-              <a:rPr sz="2200" spc="-40" dirty="0">
-                <a:latin typeface="Arial MT"/>
-                <a:cs typeface="Arial MT"/>
-              </a:rPr>
-              <a:t> </a:t>
-            </a:r>
-            <a:r>
-              <a:rPr sz="2200" dirty="0">
-                <a:latin typeface="Arial MT"/>
-                <a:cs typeface="Arial MT"/>
-              </a:rPr>
-              <a:t>illuminare</a:t>
-            </a:r>
-            <a:r>
-              <a:rPr sz="2200" spc="-50" dirty="0">
-                <a:latin typeface="Arial MT"/>
-                <a:cs typeface="Arial MT"/>
-              </a:rPr>
-              <a:t> </a:t>
-            </a:r>
-            <a:r>
-              <a:rPr sz="2200" dirty="0">
-                <a:latin typeface="Arial MT"/>
-                <a:cs typeface="Arial MT"/>
-              </a:rPr>
-              <a:t>un</a:t>
-            </a:r>
-            <a:r>
-              <a:rPr sz="2200" spc="-40" dirty="0">
-                <a:latin typeface="Arial MT"/>
-                <a:cs typeface="Arial MT"/>
-              </a:rPr>
-              <a:t> </a:t>
-            </a:r>
-            <a:r>
-              <a:rPr sz="2200" dirty="0">
-                <a:latin typeface="Arial MT"/>
-                <a:cs typeface="Arial MT"/>
-              </a:rPr>
-              <a:t>pulsante</a:t>
-            </a:r>
-            <a:r>
-              <a:rPr sz="2200" spc="-40" dirty="0">
-                <a:latin typeface="Arial MT"/>
-                <a:cs typeface="Arial MT"/>
-              </a:rPr>
-              <a:t> </a:t>
-            </a:r>
-            <a:r>
-              <a:rPr sz="2200" dirty="0">
-                <a:latin typeface="Arial MT"/>
-                <a:cs typeface="Arial MT"/>
-              </a:rPr>
-              <a:t>deve</a:t>
-            </a:r>
-            <a:r>
-              <a:rPr sz="2200" spc="-40" dirty="0">
-                <a:latin typeface="Arial MT"/>
-                <a:cs typeface="Arial MT"/>
-              </a:rPr>
-              <a:t> </a:t>
-            </a:r>
-            <a:r>
-              <a:rPr sz="2200" dirty="0">
-                <a:latin typeface="Arial MT"/>
-                <a:cs typeface="Arial MT"/>
-              </a:rPr>
-              <a:t>essere</a:t>
-            </a:r>
-            <a:r>
-              <a:rPr sz="2200" spc="-40" dirty="0">
-                <a:latin typeface="Arial MT"/>
-                <a:cs typeface="Arial MT"/>
-              </a:rPr>
-              <a:t> </a:t>
-            </a:r>
-            <a:r>
-              <a:rPr sz="2200" dirty="0">
-                <a:latin typeface="Arial MT"/>
-                <a:cs typeface="Arial MT"/>
-              </a:rPr>
-              <a:t>inferiore</a:t>
-            </a:r>
-            <a:r>
-              <a:rPr sz="2200" spc="-40" dirty="0">
-                <a:latin typeface="Arial MT"/>
-                <a:cs typeface="Arial MT"/>
-              </a:rPr>
-              <a:t> </a:t>
-            </a:r>
-            <a:r>
-              <a:rPr sz="2200" dirty="0">
-                <a:latin typeface="Arial MT"/>
-                <a:cs typeface="Arial MT"/>
-              </a:rPr>
-              <a:t>a</a:t>
-            </a:r>
-            <a:r>
-              <a:rPr sz="2200" spc="-50" dirty="0">
-                <a:latin typeface="Arial MT"/>
-                <a:cs typeface="Arial MT"/>
-              </a:rPr>
-              <a:t> </a:t>
-            </a:r>
-            <a:r>
-              <a:rPr sz="2200" dirty="0">
-                <a:latin typeface="Arial MT"/>
-                <a:cs typeface="Arial MT"/>
-              </a:rPr>
-              <a:t>0.5</a:t>
-            </a:r>
-            <a:r>
-              <a:rPr sz="2200" spc="-50" dirty="0">
-                <a:latin typeface="Arial MT"/>
-                <a:cs typeface="Arial MT"/>
-              </a:rPr>
-              <a:t> </a:t>
-            </a:r>
-            <a:r>
-              <a:rPr sz="2200" spc="-20" dirty="0">
-                <a:latin typeface="Arial MT"/>
-                <a:cs typeface="Arial MT"/>
-              </a:rPr>
-              <a:t>sec. </a:t>
-            </a:r>
-            <a:r>
-              <a:rPr sz="2200" dirty="0">
-                <a:latin typeface="Arial MT"/>
-                <a:cs typeface="Arial MT"/>
-              </a:rPr>
-              <a:t>Dopo</a:t>
-            </a:r>
-            <a:r>
-              <a:rPr sz="2200" spc="-50" dirty="0">
-                <a:latin typeface="Arial MT"/>
-                <a:cs typeface="Arial MT"/>
-              </a:rPr>
-              <a:t> </a:t>
-            </a:r>
-            <a:r>
-              <a:rPr sz="2200" dirty="0">
-                <a:latin typeface="Arial MT"/>
-                <a:cs typeface="Arial MT"/>
-              </a:rPr>
-              <a:t>aver</a:t>
-            </a:r>
-            <a:r>
-              <a:rPr sz="2200" spc="-35" dirty="0">
-                <a:latin typeface="Arial MT"/>
-                <a:cs typeface="Arial MT"/>
-              </a:rPr>
-              <a:t> </a:t>
-            </a:r>
-            <a:r>
-              <a:rPr sz="2200" dirty="0">
-                <a:latin typeface="Arial MT"/>
-                <a:cs typeface="Arial MT"/>
-              </a:rPr>
-              <a:t>concluso</a:t>
-            </a:r>
-            <a:r>
-              <a:rPr sz="2200" spc="-50" dirty="0">
-                <a:latin typeface="Arial MT"/>
-                <a:cs typeface="Arial MT"/>
-              </a:rPr>
-              <a:t> </a:t>
-            </a:r>
-            <a:r>
-              <a:rPr sz="2200" dirty="0">
-                <a:latin typeface="Arial MT"/>
-                <a:cs typeface="Arial MT"/>
-              </a:rPr>
-              <a:t>una</a:t>
-            </a:r>
-            <a:r>
-              <a:rPr sz="2200" spc="-35" dirty="0">
-                <a:latin typeface="Arial MT"/>
-                <a:cs typeface="Arial MT"/>
-              </a:rPr>
-              <a:t> </a:t>
-            </a:r>
-            <a:r>
-              <a:rPr sz="2200" dirty="0">
-                <a:latin typeface="Arial MT"/>
-                <a:cs typeface="Arial MT"/>
-              </a:rPr>
-              <a:t>transazione</a:t>
-            </a:r>
-            <a:r>
-              <a:rPr sz="2200" spc="-40" dirty="0">
-                <a:latin typeface="Arial MT"/>
-                <a:cs typeface="Arial MT"/>
-              </a:rPr>
-              <a:t> </a:t>
-            </a:r>
-            <a:r>
-              <a:rPr sz="2200" dirty="0">
-                <a:latin typeface="Arial MT"/>
-                <a:cs typeface="Arial MT"/>
-              </a:rPr>
-              <a:t>il</a:t>
-            </a:r>
-            <a:r>
-              <a:rPr sz="2200" spc="-40" dirty="0">
-                <a:latin typeface="Arial MT"/>
-                <a:cs typeface="Arial MT"/>
-              </a:rPr>
-              <a:t> </a:t>
-            </a:r>
-            <a:r>
-              <a:rPr sz="2200" dirty="0">
-                <a:latin typeface="Arial MT"/>
-                <a:cs typeface="Arial MT"/>
-              </a:rPr>
-              <a:t>sistema</a:t>
-            </a:r>
-            <a:r>
-              <a:rPr sz="2200" spc="-35" dirty="0">
-                <a:latin typeface="Arial MT"/>
-                <a:cs typeface="Arial MT"/>
-              </a:rPr>
-              <a:t> </a:t>
-            </a:r>
-            <a:r>
-              <a:rPr sz="2200" dirty="0">
-                <a:latin typeface="Arial MT"/>
-                <a:cs typeface="Arial MT"/>
-              </a:rPr>
-              <a:t>deve</a:t>
-            </a:r>
-            <a:r>
-              <a:rPr sz="2200" spc="-40" dirty="0">
-                <a:latin typeface="Arial MT"/>
-                <a:cs typeface="Arial MT"/>
-              </a:rPr>
-              <a:t> </a:t>
-            </a:r>
-            <a:r>
-              <a:rPr sz="2200" spc="-10" dirty="0">
-                <a:latin typeface="Arial MT"/>
-                <a:cs typeface="Arial MT"/>
-              </a:rPr>
-              <a:t>rendersi </a:t>
-            </a:r>
-            <a:r>
-              <a:rPr sz="2200" dirty="0">
-                <a:latin typeface="Arial MT"/>
-                <a:cs typeface="Arial MT"/>
-              </a:rPr>
-              <a:t>disponibile</a:t>
-            </a:r>
-            <a:r>
-              <a:rPr sz="2200" spc="-50" dirty="0">
-                <a:latin typeface="Arial MT"/>
-                <a:cs typeface="Arial MT"/>
-              </a:rPr>
-              <a:t> </a:t>
-            </a:r>
-            <a:r>
-              <a:rPr sz="2200" dirty="0">
-                <a:latin typeface="Arial MT"/>
-                <a:cs typeface="Arial MT"/>
-              </a:rPr>
-              <a:t>entro</a:t>
-            </a:r>
-            <a:r>
-              <a:rPr sz="2200" spc="-50" dirty="0">
-                <a:latin typeface="Arial MT"/>
-                <a:cs typeface="Arial MT"/>
-              </a:rPr>
-              <a:t> </a:t>
-            </a:r>
-            <a:r>
-              <a:rPr sz="2200" dirty="0">
-                <a:latin typeface="Arial MT"/>
-                <a:cs typeface="Arial MT"/>
-              </a:rPr>
-              <a:t>3</a:t>
-            </a:r>
-            <a:r>
-              <a:rPr sz="2200" spc="-45" dirty="0">
-                <a:latin typeface="Arial MT"/>
-                <a:cs typeface="Arial MT"/>
-              </a:rPr>
-              <a:t> </a:t>
-            </a:r>
-            <a:r>
-              <a:rPr sz="2200" spc="-20" dirty="0">
-                <a:latin typeface="Arial MT"/>
-                <a:cs typeface="Arial MT"/>
-              </a:rPr>
-              <a:t>sec.</a:t>
-            </a:r>
-            <a:endParaRPr sz="2200">
-              <a:latin typeface="Arial MT"/>
-              <a:cs typeface="Arial MT"/>
+              <a:rPr lang="en-US" dirty="0">
+                <a:latin typeface="Arial" panose="020B0604020202020204" pitchFamily="34" charset="0"/>
+                <a:cs typeface="Arial" panose="020B0604020202020204" pitchFamily="34" charset="0"/>
+              </a:rPr>
+              <a:t>If the system encounters an error, it must be possible to restore it to a correct state within no more than 2 minutes</a:t>
+            </a:r>
+            <a:r>
+              <a:rPr lang="en-US" dirty="0" smtClean="0">
+                <a:latin typeface="Arial" panose="020B0604020202020204" pitchFamily="34" charset="0"/>
+                <a:cs typeface="Arial" panose="020B0604020202020204" pitchFamily="34" charset="0"/>
+              </a:rPr>
+              <a:t>.</a:t>
+            </a:r>
+          </a:p>
+          <a:p>
+            <a:pPr marL="12700">
+              <a:lnSpc>
+                <a:spcPct val="100000"/>
+              </a:lnSpc>
+              <a:spcBef>
+                <a:spcPts val="1600"/>
+              </a:spcBef>
+            </a:pPr>
+            <a:r>
+              <a:rPr lang="en-US" dirty="0">
+                <a:latin typeface="Arial" panose="020B0604020202020204" pitchFamily="34" charset="0"/>
+                <a:cs typeface="Arial" panose="020B0604020202020204" pitchFamily="34" charset="0"/>
+              </a:rPr>
+              <a:t>The time to light up a button must be less than 0.5 seconds</a:t>
+            </a:r>
+            <a:r>
+              <a:rPr lang="en-US" dirty="0" smtClean="0">
+                <a:latin typeface="Arial" panose="020B0604020202020204" pitchFamily="34" charset="0"/>
+                <a:cs typeface="Arial" panose="020B0604020202020204" pitchFamily="34" charset="0"/>
+              </a:rPr>
+              <a:t>.</a:t>
+            </a:r>
+          </a:p>
+          <a:p>
+            <a:pPr marL="12700">
+              <a:lnSpc>
+                <a:spcPct val="100000"/>
+              </a:lnSpc>
+              <a:spcBef>
+                <a:spcPts val="1600"/>
+              </a:spcBef>
+            </a:pPr>
+            <a:r>
+              <a:rPr lang="en-US" dirty="0">
+                <a:latin typeface="Arial" panose="020B0604020202020204" pitchFamily="34" charset="0"/>
+                <a:cs typeface="Arial" panose="020B0604020202020204" pitchFamily="34" charset="0"/>
+              </a:rPr>
+              <a:t>After completing a transaction, the system must be available again within 3 seconds.</a:t>
+            </a:r>
+            <a:endParaRPr dirty="0">
+              <a:latin typeface="Arial" panose="020B0604020202020204" pitchFamily="34" charset="0"/>
+              <a:cs typeface="Arial" panose="020B0604020202020204" pitchFamily="34" charset="0"/>
             </a:endParaRPr>
           </a:p>
         </p:txBody>
@@ -52199,7 +47142,7 @@
         </p:blipFill>
         <p:spPr>
           <a:xfrm>
-            <a:off x="413103" y="3819580"/>
+            <a:off x="413103" y="3431455"/>
             <a:ext cx="379333" cy="347186"/>
           </a:xfrm>
           <a:prstGeom prst="rect">
@@ -52221,7 +47164,7 @@
         </p:blipFill>
         <p:spPr>
           <a:xfrm>
-            <a:off x="413103" y="4336851"/>
+            <a:off x="434715" y="4006026"/>
             <a:ext cx="379333" cy="347186"/>
           </a:xfrm>
           <a:prstGeom prst="rect">
@@ -52243,7 +47186,7 @@
         </p:blipFill>
         <p:spPr>
           <a:xfrm>
-            <a:off x="413103" y="5397466"/>
+            <a:off x="434715" y="4560083"/>
             <a:ext cx="379333" cy="347186"/>
           </a:xfrm>
           <a:prstGeom prst="rect">
@@ -52265,7 +47208,7 @@
         </p:blipFill>
         <p:spPr>
           <a:xfrm>
-            <a:off x="413103" y="5923424"/>
+            <a:off x="453590" y="5180658"/>
             <a:ext cx="379333" cy="347186"/>
           </a:xfrm>
           <a:prstGeom prst="rect">
@@ -52278,6 +47221,13 @@
   <p:clrMapOvr>
     <a:masterClrMapping/>
   </p:clrMapOvr>
+  <p:timing>
+    <p:tnLst>
+      <p:par>
+        <p:cTn id="1" dur="indefinite" restart="never" nodeType="tmRoot"/>
+      </p:par>
+    </p:tnLst>
+  </p:timing>
 </p:sld>
 </file>
 
@@ -52411,6 +47361,13 @@
   <p:clrMapOvr>
     <a:masterClrMapping/>
   </p:clrMapOvr>
+  <p:timing>
+    <p:tnLst>
+      <p:par>
+        <p:cTn id="1" dur="indefinite" restart="never" nodeType="tmRoot"/>
+      </p:par>
+    </p:tnLst>
+  </p:timing>
 </p:sld>
 </file>
 
@@ -52469,6 +47426,13 @@
   <p:clrMapOvr>
     <a:masterClrMapping/>
   </p:clrMapOvr>
+  <p:timing>
+    <p:tnLst>
+      <p:par>
+        <p:cTn id="1" dur="indefinite" restart="never" nodeType="tmRoot"/>
+      </p:par>
+    </p:tnLst>
+  </p:timing>
 </p:sld>
 </file>
 
@@ -56202,6 +51166,13 @@
   <p:clrMapOvr>
     <a:masterClrMapping/>
   </p:clrMapOvr>
+  <p:timing>
+    <p:tnLst>
+      <p:par>
+        <p:cTn id="1" dur="indefinite" restart="never" nodeType="tmRoot"/>
+      </p:par>
+    </p:tnLst>
+  </p:timing>
 </p:sld>
 </file>
 
@@ -57811,6 +52782,13 @@
   <p:clrMapOvr>
     <a:masterClrMapping/>
   </p:clrMapOvr>
+  <p:timing>
+    <p:tnLst>
+      <p:par>
+        <p:cTn id="1" dur="indefinite" restart="never" nodeType="tmRoot"/>
+      </p:par>
+    </p:tnLst>
+  </p:timing>
 </p:sld>
 </file>
 
@@ -58715,6 +53693,13 @@
   <p:clrMapOvr>
     <a:masterClrMapping/>
   </p:clrMapOvr>
+  <p:timing>
+    <p:tnLst>
+      <p:par>
+        <p:cTn id="1" dur="indefinite" restart="never" nodeType="tmRoot"/>
+      </p:par>
+    </p:tnLst>
+  </p:timing>
 </p:sld>
 </file>
 

--- a/auca/Sem-3/softwareEngineering/Lecture/Lecture 4 Requirements.pptx
+++ b/auca/Sem-3/softwareEngineering/Lecture/Lecture 4 Requirements.pptx
@@ -269,7 +269,7 @@
           <a:p>
             <a:fld id="{11488FAC-E6F9-4ECA-BA0C-453AB76672E0}" type="datetimeFigureOut">
               <a:rPr lang="en-US" smtClean="0"/>
-              <a:t>10/18/2025</a:t>
+              <a:t>10/26/2025</a:t>
             </a:fld>
             <a:endParaRPr lang="en-US"/>
           </a:p>
@@ -683,7 +683,7 @@
           <a:p>
             <a:fld id="{AE79FCD2-A334-456B-8AD5-E7CE62EE5A38}" type="datetime1">
               <a:rPr lang="en-US" smtClean="0"/>
-              <a:t>10/18/2025</a:t>
+              <a:t>10/26/2025</a:t>
             </a:fld>
             <a:endParaRPr lang="en-US"/>
           </a:p>
@@ -898,7 +898,7 @@
           <a:p>
             <a:fld id="{AE79FCD2-A334-456B-8AD5-E7CE62EE5A38}" type="datetime1">
               <a:rPr lang="en-US" smtClean="0"/>
-              <a:t>10/18/2025</a:t>
+              <a:t>10/26/2025</a:t>
             </a:fld>
             <a:endParaRPr lang="en-US"/>
           </a:p>
@@ -1123,7 +1123,7 @@
           <a:p>
             <a:fld id="{AE79FCD2-A334-456B-8AD5-E7CE62EE5A38}" type="datetime1">
               <a:rPr lang="en-US" smtClean="0"/>
-              <a:t>10/18/2025</a:t>
+              <a:t>10/26/2025</a:t>
             </a:fld>
             <a:endParaRPr lang="en-US"/>
           </a:p>
@@ -1338,7 +1338,7 @@
           <a:p>
             <a:fld id="{BE0B070C-16C2-4FE9-A5F4-B436D4461F88}" type="datetime1">
               <a:rPr lang="en-US" smtClean="0"/>
-              <a:t>10/18/2025</a:t>
+              <a:t>10/26/2025</a:t>
             </a:fld>
             <a:endParaRPr lang="en-US"/>
           </a:p>
@@ -1629,7 +1629,7 @@
           <a:p>
             <a:fld id="{AE79FCD2-A334-456B-8AD5-E7CE62EE5A38}" type="datetime1">
               <a:rPr lang="en-US" smtClean="0"/>
-              <a:t>10/18/2025</a:t>
+              <a:t>10/26/2025</a:t>
             </a:fld>
             <a:endParaRPr lang="en-US"/>
           </a:p>
@@ -1911,7 +1911,7 @@
           <a:p>
             <a:fld id="{AE79FCD2-A334-456B-8AD5-E7CE62EE5A38}" type="datetime1">
               <a:rPr lang="en-US" smtClean="0"/>
-              <a:t>10/18/2025</a:t>
+              <a:t>10/26/2025</a:t>
             </a:fld>
             <a:endParaRPr lang="en-US"/>
           </a:p>
@@ -2340,7 +2340,7 @@
           <a:p>
             <a:fld id="{AE79FCD2-A334-456B-8AD5-E7CE62EE5A38}" type="datetime1">
               <a:rPr lang="en-US" smtClean="0"/>
-              <a:t>10/18/2025</a:t>
+              <a:t>10/26/2025</a:t>
             </a:fld>
             <a:endParaRPr lang="en-US"/>
           </a:p>
@@ -2498,7 +2498,7 @@
           <a:p>
             <a:fld id="{FA29CFAB-5D8A-4C9D-A12D-4AD7EBB33349}" type="datetime1">
               <a:rPr lang="en-US" smtClean="0"/>
-              <a:t>10/18/2025</a:t>
+              <a:t>10/26/2025</a:t>
             </a:fld>
             <a:endParaRPr lang="en-US"/>
           </a:p>
@@ -2627,7 +2627,7 @@
           <a:p>
             <a:fld id="{4223AD78-E4C4-4B71-9F96-2EF3979A789D}" type="datetime1">
               <a:rPr lang="en-US" smtClean="0"/>
-              <a:t>10/18/2025</a:t>
+              <a:t>10/26/2025</a:t>
             </a:fld>
             <a:endParaRPr lang="en-US"/>
           </a:p>
@@ -2954,7 +2954,7 @@
           <a:p>
             <a:fld id="{AE79FCD2-A334-456B-8AD5-E7CE62EE5A38}" type="datetime1">
               <a:rPr lang="en-US" smtClean="0"/>
-              <a:t>10/18/2025</a:t>
+              <a:t>10/26/2025</a:t>
             </a:fld>
             <a:endParaRPr lang="en-US"/>
           </a:p>
@@ -3259,7 +3259,7 @@
           <a:p>
             <a:fld id="{AE79FCD2-A334-456B-8AD5-E7CE62EE5A38}" type="datetime1">
               <a:rPr lang="en-US" smtClean="0"/>
-              <a:t>10/18/2025</a:t>
+              <a:t>10/26/2025</a:t>
             </a:fld>
             <a:endParaRPr lang="en-US"/>
           </a:p>
@@ -3517,7 +3517,7 @@
           <a:p>
             <a:fld id="{AE79FCD2-A334-456B-8AD5-E7CE62EE5A38}" type="datetime1">
               <a:rPr lang="en-US" smtClean="0"/>
-              <a:t>10/18/2025</a:t>
+              <a:t>10/26/2025</a:t>
             </a:fld>
             <a:endParaRPr lang="en-US"/>
           </a:p>
@@ -22068,13 +22068,13 @@
           <p:nvPr>
             <p:extLst>
               <p:ext uri="{D42A27DB-BD31-4B8C-83A1-F6EECF244321}">
-                <p14:modId xmlns:p14="http://schemas.microsoft.com/office/powerpoint/2010/main" val="1443179307"/>
+                <p14:modId xmlns:p14="http://schemas.microsoft.com/office/powerpoint/2010/main" val="3306645361"/>
               </p:ext>
             </p:extLst>
           </p:nvPr>
         </p:nvGraphicFramePr>
         <p:xfrm>
-          <a:off x="182995" y="4616450"/>
+          <a:off x="133205" y="3992375"/>
           <a:ext cx="9705110" cy="3596640"/>
         </p:xfrm>
         <a:graphic>
